--- a/doc/Day2_Session2_ModelEvaluation.pptx
+++ b/doc/Day2_Session2_ModelEvaluation.pptx
@@ -14,17 +14,18 @@
     <p:sldId id="270" r:id="rId8"/>
     <p:sldId id="263" r:id="rId9"/>
     <p:sldId id="271" r:id="rId10"/>
-    <p:sldId id="274" r:id="rId11"/>
-    <p:sldId id="265" r:id="rId12"/>
-    <p:sldId id="272" r:id="rId13"/>
-    <p:sldId id="264" r:id="rId14"/>
-    <p:sldId id="275" r:id="rId15"/>
-    <p:sldId id="268" r:id="rId16"/>
-    <p:sldId id="276" r:id="rId17"/>
-    <p:sldId id="266" r:id="rId18"/>
-    <p:sldId id="267" r:id="rId19"/>
-    <p:sldId id="277" r:id="rId20"/>
-    <p:sldId id="273" r:id="rId21"/>
+    <p:sldId id="278" r:id="rId11"/>
+    <p:sldId id="274" r:id="rId12"/>
+    <p:sldId id="265" r:id="rId13"/>
+    <p:sldId id="272" r:id="rId14"/>
+    <p:sldId id="264" r:id="rId15"/>
+    <p:sldId id="275" r:id="rId16"/>
+    <p:sldId id="268" r:id="rId17"/>
+    <p:sldId id="276" r:id="rId18"/>
+    <p:sldId id="266" r:id="rId19"/>
+    <p:sldId id="267" r:id="rId20"/>
+    <p:sldId id="277" r:id="rId21"/>
+    <p:sldId id="273" r:id="rId22"/>
   </p:sldIdLst>
   <p:sldSz cx="9144000" cy="6858000" type="screen4x3"/>
   <p:notesSz cx="6858000" cy="9144000"/>
@@ -262,7 +263,7 @@
           <a:p>
             <a:fld id="{809D2D7E-A1B1-4742-AA41-21EC310460A0}" type="datetimeFigureOut">
               <a:rPr lang="en-US" smtClean="0"/>
-              <a:t>2/4/20</a:t>
+              <a:t>2/12/20</a:t>
             </a:fld>
             <a:endParaRPr lang="en-US"/>
           </a:p>
@@ -432,7 +433,7 @@
           <a:p>
             <a:fld id="{809D2D7E-A1B1-4742-AA41-21EC310460A0}" type="datetimeFigureOut">
               <a:rPr lang="en-US" smtClean="0"/>
-              <a:t>2/4/20</a:t>
+              <a:t>2/12/20</a:t>
             </a:fld>
             <a:endParaRPr lang="en-US"/>
           </a:p>
@@ -612,7 +613,7 @@
           <a:p>
             <a:fld id="{809D2D7E-A1B1-4742-AA41-21EC310460A0}" type="datetimeFigureOut">
               <a:rPr lang="en-US" smtClean="0"/>
-              <a:t>2/4/20</a:t>
+              <a:t>2/12/20</a:t>
             </a:fld>
             <a:endParaRPr lang="en-US"/>
           </a:p>
@@ -782,7 +783,7 @@
           <a:p>
             <a:fld id="{809D2D7E-A1B1-4742-AA41-21EC310460A0}" type="datetimeFigureOut">
               <a:rPr lang="en-US" smtClean="0"/>
-              <a:t>2/4/20</a:t>
+              <a:t>2/12/20</a:t>
             </a:fld>
             <a:endParaRPr lang="en-US"/>
           </a:p>
@@ -1026,7 +1027,7 @@
           <a:p>
             <a:fld id="{809D2D7E-A1B1-4742-AA41-21EC310460A0}" type="datetimeFigureOut">
               <a:rPr lang="en-US" smtClean="0"/>
-              <a:t>2/4/20</a:t>
+              <a:t>2/12/20</a:t>
             </a:fld>
             <a:endParaRPr lang="en-US"/>
           </a:p>
@@ -1258,7 +1259,7 @@
           <a:p>
             <a:fld id="{809D2D7E-A1B1-4742-AA41-21EC310460A0}" type="datetimeFigureOut">
               <a:rPr lang="en-US" smtClean="0"/>
-              <a:t>2/4/20</a:t>
+              <a:t>2/12/20</a:t>
             </a:fld>
             <a:endParaRPr lang="en-US"/>
           </a:p>
@@ -1625,7 +1626,7 @@
           <a:p>
             <a:fld id="{809D2D7E-A1B1-4742-AA41-21EC310460A0}" type="datetimeFigureOut">
               <a:rPr lang="en-US" smtClean="0"/>
-              <a:t>2/4/20</a:t>
+              <a:t>2/12/20</a:t>
             </a:fld>
             <a:endParaRPr lang="en-US"/>
           </a:p>
@@ -1743,7 +1744,7 @@
           <a:p>
             <a:fld id="{809D2D7E-A1B1-4742-AA41-21EC310460A0}" type="datetimeFigureOut">
               <a:rPr lang="en-US" smtClean="0"/>
-              <a:t>2/4/20</a:t>
+              <a:t>2/12/20</a:t>
             </a:fld>
             <a:endParaRPr lang="en-US"/>
           </a:p>
@@ -1838,7 +1839,7 @@
           <a:p>
             <a:fld id="{809D2D7E-A1B1-4742-AA41-21EC310460A0}" type="datetimeFigureOut">
               <a:rPr lang="en-US" smtClean="0"/>
-              <a:t>2/4/20</a:t>
+              <a:t>2/12/20</a:t>
             </a:fld>
             <a:endParaRPr lang="en-US"/>
           </a:p>
@@ -2115,7 +2116,7 @@
           <a:p>
             <a:fld id="{809D2D7E-A1B1-4742-AA41-21EC310460A0}" type="datetimeFigureOut">
               <a:rPr lang="en-US" smtClean="0"/>
-              <a:t>2/4/20</a:t>
+              <a:t>2/12/20</a:t>
             </a:fld>
             <a:endParaRPr lang="en-US"/>
           </a:p>
@@ -2372,7 +2373,7 @@
           <a:p>
             <a:fld id="{809D2D7E-A1B1-4742-AA41-21EC310460A0}" type="datetimeFigureOut">
               <a:rPr lang="en-US" smtClean="0"/>
-              <a:t>2/4/20</a:t>
+              <a:t>2/12/20</a:t>
             </a:fld>
             <a:endParaRPr lang="en-US"/>
           </a:p>
@@ -2585,7 +2586,7 @@
           <a:p>
             <a:fld id="{809D2D7E-A1B1-4742-AA41-21EC310460A0}" type="datetimeFigureOut">
               <a:rPr lang="en-US" smtClean="0"/>
-              <a:t>2/4/20</a:t>
+              <a:t>2/12/20</a:t>
             </a:fld>
             <a:endParaRPr lang="en-US"/>
           </a:p>
@@ -3071,7 +3072,7 @@
           <p:cNvPr id="2" name="Title 1">
             <a:extLst>
               <a:ext uri="{FF2B5EF4-FFF2-40B4-BE49-F238E27FC236}">
-                <a16:creationId xmlns:a16="http://schemas.microsoft.com/office/drawing/2014/main" id="{E55C7F3F-7F32-1D42-9294-66C9214B934F}"/>
+                <a16:creationId xmlns:a16="http://schemas.microsoft.com/office/drawing/2014/main" id="{EB0C5A39-FE41-814A-A3D7-E9D33F2D326E}"/>
               </a:ext>
             </a:extLst>
           </p:cNvPr>
@@ -3093,17 +3094,17 @@
                 <a:latin typeface="Arial" panose="020B0604020202020204" pitchFamily="34" charset="0"/>
                 <a:cs typeface="Arial" panose="020B0604020202020204" pitchFamily="34" charset="0"/>
               </a:rPr>
-              <a:t>Parameter Tuning</a:t>
-            </a:r>
-          </a:p>
-        </p:txBody>
-      </p:sp>
-      <p:sp>
-        <p:nvSpPr>
-          <p:cNvPr id="4" name="TextBox 3">
-            <a:extLst>
-              <a:ext uri="{FF2B5EF4-FFF2-40B4-BE49-F238E27FC236}">
-                <a16:creationId xmlns:a16="http://schemas.microsoft.com/office/drawing/2014/main" id="{0BA72645-816C-B849-949E-06BABF456B69}"/>
+              <a:t>Train Test Split Function</a:t>
+            </a:r>
+          </a:p>
+        </p:txBody>
+      </p:sp>
+      <p:sp>
+        <p:nvSpPr>
+          <p:cNvPr id="3" name="TextBox 2">
+            <a:extLst>
+              <a:ext uri="{FF2B5EF4-FFF2-40B4-BE49-F238E27FC236}">
+                <a16:creationId xmlns:a16="http://schemas.microsoft.com/office/drawing/2014/main" id="{87630118-18F5-FB42-A61C-D06AD5BC272C}"/>
               </a:ext>
             </a:extLst>
           </p:cNvPr>
@@ -3112,13 +3113,22 @@
         </p:nvSpPr>
         <p:spPr>
           <a:xfrm>
-            <a:off x="749030" y="1994170"/>
-            <a:ext cx="7879404" cy="369332"/>
-          </a:xfrm>
-          <a:prstGeom prst="rect">
-            <a:avLst/>
-          </a:prstGeom>
-          <a:noFill/>
+            <a:off x="897376" y="2159542"/>
+            <a:ext cx="7349247" cy="3693319"/>
+          </a:xfrm>
+          <a:prstGeom prst="rect">
+            <a:avLst/>
+          </a:prstGeom>
+          <a:solidFill>
+            <a:schemeClr val="bg1">
+              <a:lumMod val="85000"/>
+            </a:schemeClr>
+          </a:solidFill>
+          <a:ln>
+            <a:solidFill>
+              <a:schemeClr val="tx1"/>
+            </a:solidFill>
+          </a:ln>
         </p:spPr>
         <p:txBody>
           <a:bodyPr wrap="square" rtlCol="0">
@@ -3126,142 +3136,348 @@
           </a:bodyPr>
           <a:lstStyle/>
           <a:p>
-            <a:pPr algn="ctr"/>
-            <a:r>
-              <a:rPr lang="en-US" dirty="0"/>
-              <a:t>Machine learning models have parameters which can change classification results.</a:t>
-            </a:r>
-          </a:p>
-        </p:txBody>
-      </p:sp>
-      <p:sp>
-        <p:nvSpPr>
-          <p:cNvPr id="6" name="TextBox 5">
-            <a:extLst>
-              <a:ext uri="{FF2B5EF4-FFF2-40B4-BE49-F238E27FC236}">
-                <a16:creationId xmlns:a16="http://schemas.microsoft.com/office/drawing/2014/main" id="{7F7DA0FA-C27E-384D-BE9C-4B3321EAFA74}"/>
-              </a:ext>
-            </a:extLst>
-          </p:cNvPr>
-          <p:cNvSpPr txBox="1"/>
-          <p:nvPr/>
-        </p:nvSpPr>
-        <p:spPr>
-          <a:xfrm>
-            <a:off x="749029" y="2953935"/>
-            <a:ext cx="7188741" cy="369332"/>
-          </a:xfrm>
-          <a:prstGeom prst="rect">
-            <a:avLst/>
-          </a:prstGeom>
-          <a:noFill/>
-        </p:spPr>
-        <p:txBody>
-          <a:bodyPr wrap="square" rtlCol="0">
-            <a:spAutoFit/>
-          </a:bodyPr>
-          <a:lstStyle/>
-          <a:p>
-            <a:r>
-              <a:rPr lang="en-US" b="1" dirty="0"/>
-              <a:t>Example: </a:t>
-            </a:r>
-            <a:r>
-              <a:rPr lang="en-US" dirty="0"/>
-              <a:t>K-Nearest Neighbor (</a:t>
-            </a:r>
-            <a:r>
-              <a:rPr lang="en-US" dirty="0" err="1"/>
-              <a:t>sklearn.neighbors.KNeighborsClassifier</a:t>
-            </a:r>
-            <a:r>
-              <a:rPr lang="en-US" dirty="0"/>
+            <a:r>
+              <a:rPr lang="en-US" b="1" dirty="0">
+                <a:solidFill>
+                  <a:schemeClr val="accent6">
+                    <a:lumMod val="75000"/>
+                  </a:schemeClr>
+                </a:solidFill>
+                <a:latin typeface="Courier" pitchFamily="2" charset="0"/>
+              </a:rPr>
+              <a:t>import</a:t>
+            </a:r>
+            <a:r>
+              <a:rPr lang="en-US" dirty="0">
+                <a:latin typeface="Courier" pitchFamily="2" charset="0"/>
+              </a:rPr>
+              <a:t> </a:t>
+            </a:r>
+            <a:r>
+              <a:rPr lang="en-US" dirty="0" err="1">
+                <a:latin typeface="Courier" pitchFamily="2" charset="0"/>
+              </a:rPr>
+              <a:t>numpy</a:t>
+            </a:r>
+            <a:r>
+              <a:rPr lang="en-US" dirty="0">
+                <a:latin typeface="Courier" pitchFamily="2" charset="0"/>
+              </a:rPr>
+              <a:t> </a:t>
+            </a:r>
+            <a:r>
+              <a:rPr lang="en-US" b="1" dirty="0">
+                <a:solidFill>
+                  <a:schemeClr val="accent6">
+                    <a:lumMod val="75000"/>
+                  </a:schemeClr>
+                </a:solidFill>
+                <a:latin typeface="Courier" pitchFamily="2" charset="0"/>
+              </a:rPr>
+              <a:t>as</a:t>
+            </a:r>
+            <a:r>
+              <a:rPr lang="en-US" dirty="0">
+                <a:latin typeface="Courier" pitchFamily="2" charset="0"/>
+              </a:rPr>
+              <a:t> np</a:t>
+            </a:r>
+          </a:p>
+          <a:p>
+            <a:r>
+              <a:rPr lang="en-US" b="1" dirty="0">
+                <a:solidFill>
+                  <a:schemeClr val="accent6">
+                    <a:lumMod val="75000"/>
+                  </a:schemeClr>
+                </a:solidFill>
+                <a:latin typeface="Courier" pitchFamily="2" charset="0"/>
+              </a:rPr>
+              <a:t>from</a:t>
+            </a:r>
+            <a:r>
+              <a:rPr lang="en-US" dirty="0">
+                <a:latin typeface="Courier" pitchFamily="2" charset="0"/>
+              </a:rPr>
+              <a:t> </a:t>
+            </a:r>
+            <a:r>
+              <a:rPr lang="en-US" dirty="0" err="1">
+                <a:latin typeface="Courier" pitchFamily="2" charset="0"/>
+              </a:rPr>
+              <a:t>sklearn.model_selection</a:t>
+            </a:r>
+            <a:r>
+              <a:rPr lang="en-US" dirty="0">
+                <a:latin typeface="Courier" pitchFamily="2" charset="0"/>
+              </a:rPr>
+              <a:t> </a:t>
+            </a:r>
+            <a:r>
+              <a:rPr lang="en-US" b="1" dirty="0">
+                <a:solidFill>
+                  <a:schemeClr val="accent6">
+                    <a:lumMod val="75000"/>
+                  </a:schemeClr>
+                </a:solidFill>
+                <a:latin typeface="Courier" pitchFamily="2" charset="0"/>
+              </a:rPr>
+              <a:t>import</a:t>
+            </a:r>
+            <a:r>
+              <a:rPr lang="en-US" dirty="0">
+                <a:latin typeface="Courier" pitchFamily="2" charset="0"/>
+              </a:rPr>
+              <a:t> </a:t>
+            </a:r>
+            <a:r>
+              <a:rPr lang="en-US" dirty="0" err="1">
+                <a:latin typeface="Courier" pitchFamily="2" charset="0"/>
+              </a:rPr>
+              <a:t>train_test_split</a:t>
+            </a:r>
+            <a:r>
+              <a:rPr lang="en-US" dirty="0">
+                <a:latin typeface="Courier" pitchFamily="2" charset="0"/>
+              </a:rPr>
+              <a:t> </a:t>
+            </a:r>
+          </a:p>
+          <a:p>
+            <a:endParaRPr lang="en-US" dirty="0">
+              <a:latin typeface="Courier" pitchFamily="2" charset="0"/>
+            </a:endParaRPr>
+          </a:p>
+          <a:p>
+            <a:r>
+              <a:rPr lang="en-US" dirty="0">
+                <a:latin typeface="Courier" pitchFamily="2" charset="0"/>
+              </a:rPr>
+              <a:t>X </a:t>
+            </a:r>
+            <a:r>
+              <a:rPr lang="en-US" dirty="0">
+                <a:solidFill>
+                  <a:srgbClr val="9437FF"/>
+                </a:solidFill>
+                <a:latin typeface="Courier" pitchFamily="2" charset="0"/>
+              </a:rPr>
+              <a:t>=</a:t>
+            </a:r>
+            <a:r>
+              <a:rPr lang="en-US" dirty="0">
+                <a:latin typeface="Courier" pitchFamily="2" charset="0"/>
+              </a:rPr>
+              <a:t> </a:t>
+            </a:r>
+            <a:r>
+              <a:rPr lang="en-US" dirty="0" err="1">
+                <a:latin typeface="Courier" pitchFamily="2" charset="0"/>
+              </a:rPr>
+              <a:t>np.array</a:t>
+            </a:r>
+            <a:r>
+              <a:rPr lang="en-US" dirty="0">
+                <a:latin typeface="Courier" pitchFamily="2" charset="0"/>
+              </a:rPr>
+              <a:t>([[0, 11], </a:t>
+            </a:r>
+          </a:p>
+          <a:p>
+            <a:r>
+              <a:rPr lang="en-US" dirty="0">
+                <a:latin typeface="Courier" pitchFamily="2" charset="0"/>
+              </a:rPr>
+              <a:t>		 [1, 22], </a:t>
+            </a:r>
+          </a:p>
+          <a:p>
+            <a:r>
+              <a:rPr lang="en-US" dirty="0">
+                <a:latin typeface="Courier" pitchFamily="2" charset="0"/>
+              </a:rPr>
+              <a:t>		 [2, 33], </a:t>
+            </a:r>
+          </a:p>
+          <a:p>
+            <a:r>
+              <a:rPr lang="en-US" dirty="0">
+                <a:latin typeface="Courier" pitchFamily="2" charset="0"/>
+              </a:rPr>
+              <a:t>		 [3, 44]])</a:t>
+            </a:r>
+          </a:p>
+          <a:p>
+            <a:r>
+              <a:rPr lang="en-US" dirty="0">
+                <a:latin typeface="Courier" pitchFamily="2" charset="0"/>
+              </a:rPr>
+              <a:t>y </a:t>
+            </a:r>
+            <a:r>
+              <a:rPr lang="en-US" dirty="0">
+                <a:solidFill>
+                  <a:srgbClr val="9437FF"/>
+                </a:solidFill>
+                <a:latin typeface="Courier" pitchFamily="2" charset="0"/>
+              </a:rPr>
+              <a:t>=</a:t>
+            </a:r>
+            <a:r>
+              <a:rPr lang="en-US" dirty="0">
+                <a:latin typeface="Courier" pitchFamily="2" charset="0"/>
+              </a:rPr>
+              <a:t> </a:t>
+            </a:r>
+            <a:r>
+              <a:rPr lang="en-US" dirty="0" err="1">
+                <a:latin typeface="Courier" pitchFamily="2" charset="0"/>
+              </a:rPr>
+              <a:t>np.array</a:t>
+            </a:r>
+            <a:r>
+              <a:rPr lang="en-US" dirty="0">
+                <a:latin typeface="Courier" pitchFamily="2" charset="0"/>
+              </a:rPr>
+              <a:t>([0, 0, 1, 1])</a:t>
+            </a:r>
+          </a:p>
+          <a:p>
+            <a:endParaRPr lang="en-US" dirty="0">
+              <a:latin typeface="Courier" pitchFamily="2" charset="0"/>
+            </a:endParaRPr>
+          </a:p>
+          <a:p>
+            <a:r>
+              <a:rPr lang="en-US" dirty="0" err="1">
+                <a:latin typeface="Courier" pitchFamily="2" charset="0"/>
+              </a:rPr>
+              <a:t>X_train</a:t>
+            </a:r>
+            <a:r>
+              <a:rPr lang="en-US" dirty="0">
+                <a:latin typeface="Courier" pitchFamily="2" charset="0"/>
+              </a:rPr>
+              <a:t>, </a:t>
+            </a:r>
+            <a:r>
+              <a:rPr lang="en-US" dirty="0" err="1">
+                <a:latin typeface="Courier" pitchFamily="2" charset="0"/>
+              </a:rPr>
+              <a:t>X_test</a:t>
+            </a:r>
+            <a:r>
+              <a:rPr lang="en-US" dirty="0">
+                <a:latin typeface="Courier" pitchFamily="2" charset="0"/>
+              </a:rPr>
+              <a:t>, </a:t>
+            </a:r>
+            <a:r>
+              <a:rPr lang="en-US" dirty="0" err="1">
+                <a:latin typeface="Courier" pitchFamily="2" charset="0"/>
+              </a:rPr>
+              <a:t>y_train</a:t>
+            </a:r>
+            <a:r>
+              <a:rPr lang="en-US" dirty="0">
+                <a:latin typeface="Courier" pitchFamily="2" charset="0"/>
+              </a:rPr>
+              <a:t>, </a:t>
+            </a:r>
+            <a:r>
+              <a:rPr lang="en-US" dirty="0" err="1">
+                <a:latin typeface="Courier" pitchFamily="2" charset="0"/>
+              </a:rPr>
+              <a:t>y_test</a:t>
+            </a:r>
+            <a:r>
+              <a:rPr lang="en-US" dirty="0">
+                <a:latin typeface="Courier" pitchFamily="2" charset="0"/>
+              </a:rPr>
+              <a:t> </a:t>
+            </a:r>
+            <a:r>
+              <a:rPr lang="en-US" dirty="0">
+                <a:solidFill>
+                  <a:srgbClr val="9437FF"/>
+                </a:solidFill>
+                <a:latin typeface="Courier" pitchFamily="2" charset="0"/>
+              </a:rPr>
+              <a:t>=</a:t>
+            </a:r>
+            <a:r>
+              <a:rPr lang="en-US" dirty="0">
+                <a:latin typeface="Courier" pitchFamily="2" charset="0"/>
+              </a:rPr>
+              <a:t> </a:t>
+            </a:r>
+            <a:r>
+              <a:rPr lang="en-US" dirty="0" err="1">
+                <a:latin typeface="Courier" pitchFamily="2" charset="0"/>
+              </a:rPr>
+              <a:t>train_test_split</a:t>
+            </a:r>
+            <a:r>
+              <a:rPr lang="en-US" dirty="0">
+                <a:latin typeface="Courier" pitchFamily="2" charset="0"/>
+              </a:rPr>
+              <a:t>( X, y, </a:t>
+            </a:r>
+            <a:r>
+              <a:rPr lang="en-US" dirty="0" err="1">
+                <a:latin typeface="Courier" pitchFamily="2" charset="0"/>
+              </a:rPr>
+              <a:t>test_size</a:t>
+            </a:r>
+            <a:r>
+              <a:rPr lang="en-US" dirty="0">
+                <a:latin typeface="Courier" pitchFamily="2" charset="0"/>
+              </a:rPr>
+              <a:t>=0.5, stratify=y)</a:t>
+            </a:r>
+          </a:p>
+          <a:p>
+            <a:endParaRPr lang="en-US" dirty="0">
+              <a:latin typeface="Courier" pitchFamily="2" charset="0"/>
+            </a:endParaRPr>
+          </a:p>
+          <a:p>
+            <a:r>
+              <a:rPr lang="en-US" dirty="0">
+                <a:solidFill>
+                  <a:schemeClr val="accent6">
+                    <a:lumMod val="75000"/>
+                  </a:schemeClr>
+                </a:solidFill>
+                <a:latin typeface="Courier" pitchFamily="2" charset="0"/>
+              </a:rPr>
+              <a:t>print</a:t>
+            </a:r>
+            <a:r>
+              <a:rPr lang="en-US" dirty="0">
+                <a:latin typeface="Courier" pitchFamily="2" charset="0"/>
+              </a:rPr>
+              <a:t>(</a:t>
+            </a:r>
+            <a:r>
+              <a:rPr lang="en-US" dirty="0" err="1">
+                <a:latin typeface="Courier" pitchFamily="2" charset="0"/>
+              </a:rPr>
+              <a:t>X_train</a:t>
+            </a:r>
+            <a:r>
+              <a:rPr lang="en-US" dirty="0">
+                <a:latin typeface="Courier" pitchFamily="2" charset="0"/>
+              </a:rPr>
               <a:t>)</a:t>
             </a:r>
-          </a:p>
-        </p:txBody>
-      </p:sp>
-      <p:sp>
-        <p:nvSpPr>
-          <p:cNvPr id="7" name="TextBox 6">
-            <a:extLst>
-              <a:ext uri="{FF2B5EF4-FFF2-40B4-BE49-F238E27FC236}">
-                <a16:creationId xmlns:a16="http://schemas.microsoft.com/office/drawing/2014/main" id="{DC8D0C39-E28D-D647-A5C0-31DD913BA9B5}"/>
-              </a:ext>
-            </a:extLst>
-          </p:cNvPr>
-          <p:cNvSpPr txBox="1"/>
-          <p:nvPr/>
-        </p:nvSpPr>
-        <p:spPr>
-          <a:xfrm>
-            <a:off x="862114" y="3483461"/>
-            <a:ext cx="7766320" cy="1200329"/>
-          </a:xfrm>
-          <a:prstGeom prst="rect">
-            <a:avLst/>
-          </a:prstGeom>
-          <a:noFill/>
-        </p:spPr>
-        <p:txBody>
-          <a:bodyPr wrap="square" rtlCol="0">
-            <a:spAutoFit/>
-          </a:bodyPr>
-          <a:lstStyle/>
-          <a:p>
-            <a:pPr marL="285750" indent="-285750">
-              <a:buFont typeface="Arial" panose="020B0604020202020204" pitchFamily="34" charset="0"/>
-              <a:buChar char="•"/>
-            </a:pPr>
-            <a:r>
-              <a:rPr lang="en-US" b="1" dirty="0" err="1"/>
-              <a:t>n_neighbors</a:t>
-            </a:r>
-            <a:r>
-              <a:rPr lang="en-US" b="1" dirty="0"/>
-              <a:t>: </a:t>
-            </a:r>
-            <a:r>
-              <a:rPr lang="en-US" dirty="0"/>
-              <a:t>The number of neighbors used by the classifier to make a decision.</a:t>
-            </a:r>
-          </a:p>
-          <a:p>
-            <a:pPr marL="285750" indent="-285750">
-              <a:buFont typeface="Arial" panose="020B0604020202020204" pitchFamily="34" charset="0"/>
-              <a:buChar char="•"/>
-            </a:pPr>
-            <a:r>
-              <a:rPr lang="en-US" b="1" dirty="0"/>
-              <a:t>weights: </a:t>
-            </a:r>
-            <a:r>
-              <a:rPr lang="en-US" dirty="0"/>
-              <a:t>Parameter for applying weights to the nearest neighbors.</a:t>
-            </a:r>
-            <a:endParaRPr lang="en-US" b="1" dirty="0"/>
-          </a:p>
-          <a:p>
-            <a:pPr marL="285750" indent="-285750">
-              <a:buFont typeface="Arial" panose="020B0604020202020204" pitchFamily="34" charset="0"/>
-              <a:buChar char="•"/>
-            </a:pPr>
-            <a:r>
-              <a:rPr lang="en-US" b="1" dirty="0"/>
-              <a:t>p: </a:t>
-            </a:r>
-            <a:r>
-              <a:rPr lang="en-US" dirty="0"/>
-              <a:t>The power parameter for the distance metric.</a:t>
-            </a:r>
-            <a:endParaRPr lang="en-US" b="1" dirty="0"/>
           </a:p>
         </p:txBody>
       </p:sp>
     </p:spTree>
     <p:extLst>
       <p:ext uri="{BB962C8B-B14F-4D97-AF65-F5344CB8AC3E}">
-        <p14:creationId xmlns:p14="http://schemas.microsoft.com/office/powerpoint/2010/main" val="2363616868"/>
+        <p14:creationId xmlns:p14="http://schemas.microsoft.com/office/powerpoint/2010/main" val="367280199"/>
       </p:ext>
     </p:extLst>
   </p:cSld>
@@ -3293,7 +3509,7 @@
           <p:cNvPr id="2" name="Title 1">
             <a:extLst>
               <a:ext uri="{FF2B5EF4-FFF2-40B4-BE49-F238E27FC236}">
-                <a16:creationId xmlns:a16="http://schemas.microsoft.com/office/drawing/2014/main" id="{972AE955-DCD1-AD4E-8557-044028CC7B70}"/>
+                <a16:creationId xmlns:a16="http://schemas.microsoft.com/office/drawing/2014/main" id="{E55C7F3F-7F32-1D42-9294-66C9214B934F}"/>
               </a:ext>
             </a:extLst>
           </p:cNvPr>
@@ -3315,537 +3531,17 @@
                 <a:latin typeface="Arial" panose="020B0604020202020204" pitchFamily="34" charset="0"/>
                 <a:cs typeface="Arial" panose="020B0604020202020204" pitchFamily="34" charset="0"/>
               </a:rPr>
-              <a:t>Grid Search</a:t>
-            </a:r>
-          </a:p>
-        </p:txBody>
-      </p:sp>
-      <p:sp>
-        <p:nvSpPr>
-          <p:cNvPr id="5" name="Rectangle 4">
-            <a:extLst>
-              <a:ext uri="{FF2B5EF4-FFF2-40B4-BE49-F238E27FC236}">
-                <a16:creationId xmlns:a16="http://schemas.microsoft.com/office/drawing/2014/main" id="{EDDCCD85-179D-6346-A761-BBC44208C7C3}"/>
-              </a:ext>
-            </a:extLst>
-          </p:cNvPr>
-          <p:cNvSpPr/>
-          <p:nvPr/>
-        </p:nvSpPr>
-        <p:spPr>
-          <a:xfrm>
-            <a:off x="2723746" y="2522887"/>
-            <a:ext cx="535021" cy="2665379"/>
-          </a:xfrm>
-          <a:prstGeom prst="rect">
-            <a:avLst/>
-          </a:prstGeom>
-          <a:noFill/>
-          <a:ln>
-            <a:solidFill>
-              <a:schemeClr val="tx1"/>
-            </a:solidFill>
-          </a:ln>
-        </p:spPr>
-        <p:style>
-          <a:lnRef idx="2">
-            <a:schemeClr val="accent1">
-              <a:shade val="50000"/>
-            </a:schemeClr>
-          </a:lnRef>
-          <a:fillRef idx="1">
-            <a:schemeClr val="accent1"/>
-          </a:fillRef>
-          <a:effectRef idx="0">
-            <a:schemeClr val="accent1"/>
-          </a:effectRef>
-          <a:fontRef idx="minor">
-            <a:schemeClr val="lt1"/>
-          </a:fontRef>
-        </p:style>
-        <p:txBody>
-          <a:bodyPr rtlCol="0" anchor="ctr"/>
-          <a:lstStyle/>
-          <a:p>
-            <a:pPr algn="ctr"/>
-            <a:endParaRPr lang="en-US"/>
-          </a:p>
-        </p:txBody>
-      </p:sp>
-      <p:sp>
-        <p:nvSpPr>
-          <p:cNvPr id="6" name="Rectangle 5">
-            <a:extLst>
-              <a:ext uri="{FF2B5EF4-FFF2-40B4-BE49-F238E27FC236}">
-                <a16:creationId xmlns:a16="http://schemas.microsoft.com/office/drawing/2014/main" id="{DC6EBA87-333D-1540-917E-D06FC324625A}"/>
-              </a:ext>
-            </a:extLst>
-          </p:cNvPr>
-          <p:cNvSpPr/>
-          <p:nvPr/>
-        </p:nvSpPr>
-        <p:spPr>
-          <a:xfrm>
-            <a:off x="3258767" y="2522887"/>
-            <a:ext cx="535021" cy="2665379"/>
-          </a:xfrm>
-          <a:prstGeom prst="rect">
-            <a:avLst/>
-          </a:prstGeom>
-          <a:noFill/>
-          <a:ln>
-            <a:solidFill>
-              <a:schemeClr val="tx1"/>
-            </a:solidFill>
-          </a:ln>
-        </p:spPr>
-        <p:style>
-          <a:lnRef idx="2">
-            <a:schemeClr val="accent1">
-              <a:shade val="50000"/>
-            </a:schemeClr>
-          </a:lnRef>
-          <a:fillRef idx="1">
-            <a:schemeClr val="accent1"/>
-          </a:fillRef>
-          <a:effectRef idx="0">
-            <a:schemeClr val="accent1"/>
-          </a:effectRef>
-          <a:fontRef idx="minor">
-            <a:schemeClr val="lt1"/>
-          </a:fontRef>
-        </p:style>
-        <p:txBody>
-          <a:bodyPr rtlCol="0" anchor="ctr"/>
-          <a:lstStyle/>
-          <a:p>
-            <a:pPr algn="ctr"/>
-            <a:endParaRPr lang="en-US"/>
-          </a:p>
-        </p:txBody>
-      </p:sp>
-      <p:sp>
-        <p:nvSpPr>
-          <p:cNvPr id="7" name="Rectangle 6">
-            <a:extLst>
-              <a:ext uri="{FF2B5EF4-FFF2-40B4-BE49-F238E27FC236}">
-                <a16:creationId xmlns:a16="http://schemas.microsoft.com/office/drawing/2014/main" id="{76518D70-6490-D646-AA33-D2FE0045B7EB}"/>
-              </a:ext>
-            </a:extLst>
-          </p:cNvPr>
-          <p:cNvSpPr/>
-          <p:nvPr/>
-        </p:nvSpPr>
-        <p:spPr>
-          <a:xfrm>
-            <a:off x="3793788" y="2522887"/>
-            <a:ext cx="535021" cy="2665379"/>
-          </a:xfrm>
-          <a:prstGeom prst="rect">
-            <a:avLst/>
-          </a:prstGeom>
-          <a:noFill/>
-          <a:ln>
-            <a:solidFill>
-              <a:schemeClr val="tx1"/>
-            </a:solidFill>
-          </a:ln>
-        </p:spPr>
-        <p:style>
-          <a:lnRef idx="2">
-            <a:schemeClr val="accent1">
-              <a:shade val="50000"/>
-            </a:schemeClr>
-          </a:lnRef>
-          <a:fillRef idx="1">
-            <a:schemeClr val="accent1"/>
-          </a:fillRef>
-          <a:effectRef idx="0">
-            <a:schemeClr val="accent1"/>
-          </a:effectRef>
-          <a:fontRef idx="minor">
-            <a:schemeClr val="lt1"/>
-          </a:fontRef>
-        </p:style>
-        <p:txBody>
-          <a:bodyPr rtlCol="0" anchor="ctr"/>
-          <a:lstStyle/>
-          <a:p>
-            <a:pPr algn="ctr"/>
-            <a:endParaRPr lang="en-US"/>
-          </a:p>
-        </p:txBody>
-      </p:sp>
-      <p:sp>
-        <p:nvSpPr>
-          <p:cNvPr id="8" name="Rectangle 7">
-            <a:extLst>
-              <a:ext uri="{FF2B5EF4-FFF2-40B4-BE49-F238E27FC236}">
-                <a16:creationId xmlns:a16="http://schemas.microsoft.com/office/drawing/2014/main" id="{5D17E774-4584-1A4C-869E-AC6790209324}"/>
-              </a:ext>
-            </a:extLst>
-          </p:cNvPr>
-          <p:cNvSpPr/>
-          <p:nvPr/>
-        </p:nvSpPr>
-        <p:spPr>
-          <a:xfrm>
-            <a:off x="4328809" y="2522887"/>
-            <a:ext cx="535021" cy="2665379"/>
-          </a:xfrm>
-          <a:prstGeom prst="rect">
-            <a:avLst/>
-          </a:prstGeom>
-          <a:noFill/>
-          <a:ln>
-            <a:solidFill>
-              <a:schemeClr val="tx1"/>
-            </a:solidFill>
-          </a:ln>
-        </p:spPr>
-        <p:style>
-          <a:lnRef idx="2">
-            <a:schemeClr val="accent1">
-              <a:shade val="50000"/>
-            </a:schemeClr>
-          </a:lnRef>
-          <a:fillRef idx="1">
-            <a:schemeClr val="accent1"/>
-          </a:fillRef>
-          <a:effectRef idx="0">
-            <a:schemeClr val="accent1"/>
-          </a:effectRef>
-          <a:fontRef idx="minor">
-            <a:schemeClr val="lt1"/>
-          </a:fontRef>
-        </p:style>
-        <p:txBody>
-          <a:bodyPr rtlCol="0" anchor="ctr"/>
-          <a:lstStyle/>
-          <a:p>
-            <a:pPr algn="ctr"/>
-            <a:endParaRPr lang="en-US"/>
-          </a:p>
-        </p:txBody>
-      </p:sp>
-      <p:sp>
-        <p:nvSpPr>
-          <p:cNvPr id="9" name="Rectangle 8">
-            <a:extLst>
-              <a:ext uri="{FF2B5EF4-FFF2-40B4-BE49-F238E27FC236}">
-                <a16:creationId xmlns:a16="http://schemas.microsoft.com/office/drawing/2014/main" id="{46B8127C-A0AB-664C-8539-07990FD15080}"/>
-              </a:ext>
-            </a:extLst>
-          </p:cNvPr>
-          <p:cNvSpPr/>
-          <p:nvPr/>
-        </p:nvSpPr>
-        <p:spPr>
-          <a:xfrm>
-            <a:off x="4863830" y="2522887"/>
-            <a:ext cx="535021" cy="2665379"/>
-          </a:xfrm>
-          <a:prstGeom prst="rect">
-            <a:avLst/>
-          </a:prstGeom>
-          <a:noFill/>
-          <a:ln>
-            <a:solidFill>
-              <a:schemeClr val="tx1"/>
-            </a:solidFill>
-          </a:ln>
-        </p:spPr>
-        <p:style>
-          <a:lnRef idx="2">
-            <a:schemeClr val="accent1">
-              <a:shade val="50000"/>
-            </a:schemeClr>
-          </a:lnRef>
-          <a:fillRef idx="1">
-            <a:schemeClr val="accent1"/>
-          </a:fillRef>
-          <a:effectRef idx="0">
-            <a:schemeClr val="accent1"/>
-          </a:effectRef>
-          <a:fontRef idx="minor">
-            <a:schemeClr val="lt1"/>
-          </a:fontRef>
-        </p:style>
-        <p:txBody>
-          <a:bodyPr rtlCol="0" anchor="ctr"/>
-          <a:lstStyle/>
-          <a:p>
-            <a:pPr algn="ctr"/>
-            <a:endParaRPr lang="en-US"/>
-          </a:p>
-        </p:txBody>
-      </p:sp>
-      <p:sp>
-        <p:nvSpPr>
-          <p:cNvPr id="10" name="Rectangle 9">
-            <a:extLst>
-              <a:ext uri="{FF2B5EF4-FFF2-40B4-BE49-F238E27FC236}">
-                <a16:creationId xmlns:a16="http://schemas.microsoft.com/office/drawing/2014/main" id="{F0B2A49B-5B0D-F546-AD37-4D922AA27976}"/>
-              </a:ext>
-            </a:extLst>
-          </p:cNvPr>
-          <p:cNvSpPr/>
-          <p:nvPr/>
-        </p:nvSpPr>
-        <p:spPr>
-          <a:xfrm>
-            <a:off x="5398851" y="2522887"/>
-            <a:ext cx="535021" cy="2665379"/>
-          </a:xfrm>
-          <a:prstGeom prst="rect">
-            <a:avLst/>
-          </a:prstGeom>
-          <a:noFill/>
-          <a:ln>
-            <a:solidFill>
-              <a:schemeClr val="tx1"/>
-            </a:solidFill>
-          </a:ln>
-        </p:spPr>
-        <p:style>
-          <a:lnRef idx="2">
-            <a:schemeClr val="accent1">
-              <a:shade val="50000"/>
-            </a:schemeClr>
-          </a:lnRef>
-          <a:fillRef idx="1">
-            <a:schemeClr val="accent1"/>
-          </a:fillRef>
-          <a:effectRef idx="0">
-            <a:schemeClr val="accent1"/>
-          </a:effectRef>
-          <a:fontRef idx="minor">
-            <a:schemeClr val="lt1"/>
-          </a:fontRef>
-        </p:style>
-        <p:txBody>
-          <a:bodyPr rtlCol="0" anchor="ctr"/>
-          <a:lstStyle/>
-          <a:p>
-            <a:pPr algn="ctr"/>
-            <a:endParaRPr lang="en-US"/>
-          </a:p>
-        </p:txBody>
-      </p:sp>
-      <p:sp>
-        <p:nvSpPr>
-          <p:cNvPr id="11" name="Rectangle 10">
-            <a:extLst>
-              <a:ext uri="{FF2B5EF4-FFF2-40B4-BE49-F238E27FC236}">
-                <a16:creationId xmlns:a16="http://schemas.microsoft.com/office/drawing/2014/main" id="{D7D1E0C4-8772-254C-A50A-83166255462C}"/>
-              </a:ext>
-            </a:extLst>
-          </p:cNvPr>
-          <p:cNvSpPr/>
-          <p:nvPr/>
-        </p:nvSpPr>
-        <p:spPr>
-          <a:xfrm>
-            <a:off x="5933872" y="2522887"/>
-            <a:ext cx="535021" cy="2665379"/>
-          </a:xfrm>
-          <a:prstGeom prst="rect">
-            <a:avLst/>
-          </a:prstGeom>
-          <a:noFill/>
-          <a:ln>
-            <a:solidFill>
-              <a:schemeClr val="tx1"/>
-            </a:solidFill>
-          </a:ln>
-        </p:spPr>
-        <p:style>
-          <a:lnRef idx="2">
-            <a:schemeClr val="accent1">
-              <a:shade val="50000"/>
-            </a:schemeClr>
-          </a:lnRef>
-          <a:fillRef idx="1">
-            <a:schemeClr val="accent1"/>
-          </a:fillRef>
-          <a:effectRef idx="0">
-            <a:schemeClr val="accent1"/>
-          </a:effectRef>
-          <a:fontRef idx="minor">
-            <a:schemeClr val="lt1"/>
-          </a:fontRef>
-        </p:style>
-        <p:txBody>
-          <a:bodyPr rtlCol="0" anchor="ctr"/>
-          <a:lstStyle/>
-          <a:p>
-            <a:pPr algn="ctr"/>
-            <a:endParaRPr lang="en-US"/>
-          </a:p>
-        </p:txBody>
-      </p:sp>
-      <p:sp>
-        <p:nvSpPr>
-          <p:cNvPr id="14" name="Rectangle 13">
-            <a:extLst>
-              <a:ext uri="{FF2B5EF4-FFF2-40B4-BE49-F238E27FC236}">
-                <a16:creationId xmlns:a16="http://schemas.microsoft.com/office/drawing/2014/main" id="{314A2E46-4014-E24C-BC80-15E657BFBB29}"/>
-              </a:ext>
-            </a:extLst>
-          </p:cNvPr>
-          <p:cNvSpPr/>
-          <p:nvPr/>
-        </p:nvSpPr>
-        <p:spPr>
-          <a:xfrm rot="16200000">
-            <a:off x="4328808" y="1452844"/>
-            <a:ext cx="535021" cy="3745147"/>
-          </a:xfrm>
-          <a:prstGeom prst="rect">
-            <a:avLst/>
-          </a:prstGeom>
-          <a:noFill/>
-          <a:ln>
-            <a:solidFill>
-              <a:schemeClr val="tx1"/>
-            </a:solidFill>
-          </a:ln>
-        </p:spPr>
-        <p:style>
-          <a:lnRef idx="2">
-            <a:schemeClr val="accent1">
-              <a:shade val="50000"/>
-            </a:schemeClr>
-          </a:lnRef>
-          <a:fillRef idx="1">
-            <a:schemeClr val="accent1"/>
-          </a:fillRef>
-          <a:effectRef idx="0">
-            <a:schemeClr val="accent1"/>
-          </a:effectRef>
-          <a:fontRef idx="minor">
-            <a:schemeClr val="lt1"/>
-          </a:fontRef>
-        </p:style>
-        <p:txBody>
-          <a:bodyPr rtlCol="0" anchor="ctr"/>
-          <a:lstStyle/>
-          <a:p>
-            <a:pPr algn="ctr"/>
-            <a:endParaRPr lang="en-US"/>
-          </a:p>
-        </p:txBody>
-      </p:sp>
-      <p:sp>
-        <p:nvSpPr>
-          <p:cNvPr id="15" name="Rectangle 14">
-            <a:extLst>
-              <a:ext uri="{FF2B5EF4-FFF2-40B4-BE49-F238E27FC236}">
-                <a16:creationId xmlns:a16="http://schemas.microsoft.com/office/drawing/2014/main" id="{2AD22B75-2057-FD45-8A6B-28B8754D1A14}"/>
-              </a:ext>
-            </a:extLst>
-          </p:cNvPr>
-          <p:cNvSpPr/>
-          <p:nvPr/>
-        </p:nvSpPr>
-        <p:spPr>
-          <a:xfrm rot="16200000">
-            <a:off x="4328808" y="3048182"/>
-            <a:ext cx="535021" cy="3745147"/>
-          </a:xfrm>
-          <a:prstGeom prst="rect">
-            <a:avLst/>
-          </a:prstGeom>
-          <a:noFill/>
-          <a:ln>
-            <a:solidFill>
-              <a:schemeClr val="tx1"/>
-            </a:solidFill>
-          </a:ln>
-        </p:spPr>
-        <p:style>
-          <a:lnRef idx="2">
-            <a:schemeClr val="accent1">
-              <a:shade val="50000"/>
-            </a:schemeClr>
-          </a:lnRef>
-          <a:fillRef idx="1">
-            <a:schemeClr val="accent1"/>
-          </a:fillRef>
-          <a:effectRef idx="0">
-            <a:schemeClr val="accent1"/>
-          </a:effectRef>
-          <a:fontRef idx="minor">
-            <a:schemeClr val="lt1"/>
-          </a:fontRef>
-        </p:style>
-        <p:txBody>
-          <a:bodyPr rtlCol="0" anchor="ctr"/>
-          <a:lstStyle/>
-          <a:p>
-            <a:pPr algn="ctr"/>
-            <a:endParaRPr lang="en-US"/>
-          </a:p>
-        </p:txBody>
-      </p:sp>
-      <p:sp>
-        <p:nvSpPr>
-          <p:cNvPr id="16" name="Rectangle 15">
-            <a:extLst>
-              <a:ext uri="{FF2B5EF4-FFF2-40B4-BE49-F238E27FC236}">
-                <a16:creationId xmlns:a16="http://schemas.microsoft.com/office/drawing/2014/main" id="{787290DE-CCAD-1047-9835-7EB9A2DA204E}"/>
-              </a:ext>
-            </a:extLst>
-          </p:cNvPr>
-          <p:cNvSpPr/>
-          <p:nvPr/>
-        </p:nvSpPr>
-        <p:spPr>
-          <a:xfrm rot="16200000">
-            <a:off x="4328808" y="2513160"/>
-            <a:ext cx="535021" cy="3745147"/>
-          </a:xfrm>
-          <a:prstGeom prst="rect">
-            <a:avLst/>
-          </a:prstGeom>
-          <a:noFill/>
-          <a:ln>
-            <a:solidFill>
-              <a:schemeClr val="tx1"/>
-            </a:solidFill>
-          </a:ln>
-        </p:spPr>
-        <p:style>
-          <a:lnRef idx="2">
-            <a:schemeClr val="accent1">
-              <a:shade val="50000"/>
-            </a:schemeClr>
-          </a:lnRef>
-          <a:fillRef idx="1">
-            <a:schemeClr val="accent1"/>
-          </a:fillRef>
-          <a:effectRef idx="0">
-            <a:schemeClr val="accent1"/>
-          </a:effectRef>
-          <a:fontRef idx="minor">
-            <a:schemeClr val="lt1"/>
-          </a:fontRef>
-        </p:style>
-        <p:txBody>
-          <a:bodyPr rtlCol="0" anchor="ctr"/>
-          <a:lstStyle/>
-          <a:p>
-            <a:pPr algn="ctr"/>
-            <a:endParaRPr lang="en-US"/>
-          </a:p>
-        </p:txBody>
-      </p:sp>
-      <p:sp>
-        <p:nvSpPr>
-          <p:cNvPr id="17" name="TextBox 16">
-            <a:extLst>
-              <a:ext uri="{FF2B5EF4-FFF2-40B4-BE49-F238E27FC236}">
-                <a16:creationId xmlns:a16="http://schemas.microsoft.com/office/drawing/2014/main" id="{FDCE3F5F-6EDB-A74F-92E2-2C9B89CFABD2}"/>
+              <a:t>Parameter Tuning</a:t>
+            </a:r>
+          </a:p>
+        </p:txBody>
+      </p:sp>
+      <p:sp>
+        <p:nvSpPr>
+          <p:cNvPr id="4" name="TextBox 3">
+            <a:extLst>
+              <a:ext uri="{FF2B5EF4-FFF2-40B4-BE49-F238E27FC236}">
+                <a16:creationId xmlns:a16="http://schemas.microsoft.com/office/drawing/2014/main" id="{0BA72645-816C-B849-949E-06BABF456B69}"/>
               </a:ext>
             </a:extLst>
           </p:cNvPr>
@@ -3854,8 +3550,8 @@
         </p:nvSpPr>
         <p:spPr>
           <a:xfrm>
-            <a:off x="2699426" y="2132175"/>
-            <a:ext cx="583660" cy="369332"/>
+            <a:off x="749030" y="1994170"/>
+            <a:ext cx="7879404" cy="369332"/>
           </a:xfrm>
           <a:prstGeom prst="rect">
             <a:avLst/>
@@ -3870,21 +3566,18 @@
           <a:p>
             <a:pPr algn="ctr"/>
             <a:r>
-              <a:rPr lang="en-US" dirty="0">
-                <a:latin typeface="Arial" panose="020B0604020202020204" pitchFamily="34" charset="0"/>
-                <a:cs typeface="Arial" panose="020B0604020202020204" pitchFamily="34" charset="0"/>
-              </a:rPr>
-              <a:t>3</a:t>
-            </a:r>
-          </a:p>
-        </p:txBody>
-      </p:sp>
-      <p:sp>
-        <p:nvSpPr>
-          <p:cNvPr id="18" name="TextBox 17">
-            <a:extLst>
-              <a:ext uri="{FF2B5EF4-FFF2-40B4-BE49-F238E27FC236}">
-                <a16:creationId xmlns:a16="http://schemas.microsoft.com/office/drawing/2014/main" id="{8AAC1BC6-66A7-2840-A22E-C926010664B7}"/>
+              <a:rPr lang="en-US" dirty="0"/>
+              <a:t>Machine learning models have parameters which can change classification results.</a:t>
+            </a:r>
+          </a:p>
+        </p:txBody>
+      </p:sp>
+      <p:sp>
+        <p:nvSpPr>
+          <p:cNvPr id="6" name="TextBox 5">
+            <a:extLst>
+              <a:ext uri="{FF2B5EF4-FFF2-40B4-BE49-F238E27FC236}">
+                <a16:creationId xmlns:a16="http://schemas.microsoft.com/office/drawing/2014/main" id="{7F7DA0FA-C27E-384D-BE9C-4B3321EAFA74}"/>
               </a:ext>
             </a:extLst>
           </p:cNvPr>
@@ -3893,8 +3586,8 @@
         </p:nvSpPr>
         <p:spPr>
           <a:xfrm>
-            <a:off x="3234447" y="2130568"/>
-            <a:ext cx="583660" cy="369332"/>
+            <a:off x="749029" y="2953935"/>
+            <a:ext cx="7188741" cy="369332"/>
           </a:xfrm>
           <a:prstGeom prst="rect">
             <a:avLst/>
@@ -3907,23 +3600,31 @@
           </a:bodyPr>
           <a:lstStyle/>
           <a:p>
-            <a:pPr algn="ctr"/>
-            <a:r>
-              <a:rPr lang="en-US" dirty="0">
-                <a:latin typeface="Arial" panose="020B0604020202020204" pitchFamily="34" charset="0"/>
-                <a:cs typeface="Arial" panose="020B0604020202020204" pitchFamily="34" charset="0"/>
-              </a:rPr>
-              <a:t>5</a:t>
-            </a:r>
-          </a:p>
-        </p:txBody>
-      </p:sp>
-      <p:sp>
-        <p:nvSpPr>
-          <p:cNvPr id="19" name="TextBox 18">
-            <a:extLst>
-              <a:ext uri="{FF2B5EF4-FFF2-40B4-BE49-F238E27FC236}">
-                <a16:creationId xmlns:a16="http://schemas.microsoft.com/office/drawing/2014/main" id="{5D451D92-E842-AD42-AB70-A29EB166188F}"/>
+            <a:r>
+              <a:rPr lang="en-US" b="1" dirty="0"/>
+              <a:t>Example: </a:t>
+            </a:r>
+            <a:r>
+              <a:rPr lang="en-US" dirty="0"/>
+              <a:t>K-Nearest Neighbor (</a:t>
+            </a:r>
+            <a:r>
+              <a:rPr lang="en-US" dirty="0" err="1"/>
+              <a:t>sklearn.neighbors.KNeighborsClassifier</a:t>
+            </a:r>
+            <a:r>
+              <a:rPr lang="en-US" dirty="0"/>
+              <a:t>)</a:t>
+            </a:r>
+          </a:p>
+        </p:txBody>
+      </p:sp>
+      <p:sp>
+        <p:nvSpPr>
+          <p:cNvPr id="7" name="TextBox 6">
+            <a:extLst>
+              <a:ext uri="{FF2B5EF4-FFF2-40B4-BE49-F238E27FC236}">
+                <a16:creationId xmlns:a16="http://schemas.microsoft.com/office/drawing/2014/main" id="{DC8D0C39-E28D-D647-A5C0-31DD913BA9B5}"/>
               </a:ext>
             </a:extLst>
           </p:cNvPr>
@@ -3932,8 +3633,8 @@
         </p:nvSpPr>
         <p:spPr>
           <a:xfrm>
-            <a:off x="3769468" y="2130568"/>
-            <a:ext cx="583660" cy="369332"/>
+            <a:off x="862114" y="3483461"/>
+            <a:ext cx="7766320" cy="1200329"/>
           </a:xfrm>
           <a:prstGeom prst="rect">
             <a:avLst/>
@@ -3946,483 +3647,59 @@
           </a:bodyPr>
           <a:lstStyle/>
           <a:p>
-            <a:pPr algn="ctr"/>
-            <a:r>
-              <a:rPr lang="en-US" dirty="0">
-                <a:latin typeface="Arial" panose="020B0604020202020204" pitchFamily="34" charset="0"/>
-                <a:cs typeface="Arial" panose="020B0604020202020204" pitchFamily="34" charset="0"/>
-              </a:rPr>
-              <a:t>7</a:t>
-            </a:r>
-          </a:p>
-        </p:txBody>
-      </p:sp>
-      <p:sp>
-        <p:nvSpPr>
-          <p:cNvPr id="20" name="TextBox 19">
-            <a:extLst>
-              <a:ext uri="{FF2B5EF4-FFF2-40B4-BE49-F238E27FC236}">
-                <a16:creationId xmlns:a16="http://schemas.microsoft.com/office/drawing/2014/main" id="{A01B83B6-E88A-5C46-AB70-EBD0B7819424}"/>
-              </a:ext>
-            </a:extLst>
-          </p:cNvPr>
-          <p:cNvSpPr txBox="1"/>
-          <p:nvPr/>
-        </p:nvSpPr>
-        <p:spPr>
-          <a:xfrm>
-            <a:off x="4304484" y="2133552"/>
-            <a:ext cx="583660" cy="369332"/>
-          </a:xfrm>
-          <a:prstGeom prst="rect">
-            <a:avLst/>
-          </a:prstGeom>
-          <a:noFill/>
-        </p:spPr>
-        <p:txBody>
-          <a:bodyPr wrap="square" rtlCol="0">
-            <a:spAutoFit/>
-          </a:bodyPr>
-          <a:lstStyle/>
-          <a:p>
-            <a:pPr algn="ctr"/>
-            <a:r>
-              <a:rPr lang="en-US" dirty="0">
-                <a:latin typeface="Arial" panose="020B0604020202020204" pitchFamily="34" charset="0"/>
-                <a:cs typeface="Arial" panose="020B0604020202020204" pitchFamily="34" charset="0"/>
-              </a:rPr>
-              <a:t>11</a:t>
-            </a:r>
-          </a:p>
-        </p:txBody>
-      </p:sp>
-      <p:sp>
-        <p:nvSpPr>
-          <p:cNvPr id="21" name="TextBox 20">
-            <a:extLst>
-              <a:ext uri="{FF2B5EF4-FFF2-40B4-BE49-F238E27FC236}">
-                <a16:creationId xmlns:a16="http://schemas.microsoft.com/office/drawing/2014/main" id="{1D42DB7C-6082-334B-A3B6-FBA078BD3F64}"/>
-              </a:ext>
-            </a:extLst>
-          </p:cNvPr>
-          <p:cNvSpPr txBox="1"/>
-          <p:nvPr/>
-        </p:nvSpPr>
-        <p:spPr>
-          <a:xfrm>
-            <a:off x="4839510" y="2127585"/>
-            <a:ext cx="583660" cy="369332"/>
-          </a:xfrm>
-          <a:prstGeom prst="rect">
-            <a:avLst/>
-          </a:prstGeom>
-          <a:noFill/>
-        </p:spPr>
-        <p:txBody>
-          <a:bodyPr wrap="square" rtlCol="0">
-            <a:spAutoFit/>
-          </a:bodyPr>
-          <a:lstStyle/>
-          <a:p>
-            <a:pPr algn="ctr"/>
-            <a:r>
-              <a:rPr lang="en-US" dirty="0">
-                <a:latin typeface="Arial" panose="020B0604020202020204" pitchFamily="34" charset="0"/>
-                <a:cs typeface="Arial" panose="020B0604020202020204" pitchFamily="34" charset="0"/>
-              </a:rPr>
-              <a:t>13</a:t>
-            </a:r>
-          </a:p>
-        </p:txBody>
-      </p:sp>
-      <p:sp>
-        <p:nvSpPr>
-          <p:cNvPr id="22" name="TextBox 21">
-            <a:extLst>
-              <a:ext uri="{FF2B5EF4-FFF2-40B4-BE49-F238E27FC236}">
-                <a16:creationId xmlns:a16="http://schemas.microsoft.com/office/drawing/2014/main" id="{D2FF32C5-E57C-EB41-ADE4-761E6D8ACC40}"/>
-              </a:ext>
-            </a:extLst>
-          </p:cNvPr>
-          <p:cNvSpPr txBox="1"/>
-          <p:nvPr/>
-        </p:nvSpPr>
-        <p:spPr>
-          <a:xfrm>
-            <a:off x="5374531" y="2127585"/>
-            <a:ext cx="583660" cy="369332"/>
-          </a:xfrm>
-          <a:prstGeom prst="rect">
-            <a:avLst/>
-          </a:prstGeom>
-          <a:noFill/>
-        </p:spPr>
-        <p:txBody>
-          <a:bodyPr wrap="square" rtlCol="0">
-            <a:spAutoFit/>
-          </a:bodyPr>
-          <a:lstStyle/>
-          <a:p>
-            <a:pPr algn="ctr"/>
-            <a:r>
-              <a:rPr lang="en-US" dirty="0">
-                <a:latin typeface="Arial" panose="020B0604020202020204" pitchFamily="34" charset="0"/>
-                <a:cs typeface="Arial" panose="020B0604020202020204" pitchFamily="34" charset="0"/>
-              </a:rPr>
-              <a:t>15</a:t>
-            </a:r>
-          </a:p>
-        </p:txBody>
-      </p:sp>
-      <p:sp>
-        <p:nvSpPr>
-          <p:cNvPr id="23" name="TextBox 22">
-            <a:extLst>
-              <a:ext uri="{FF2B5EF4-FFF2-40B4-BE49-F238E27FC236}">
-                <a16:creationId xmlns:a16="http://schemas.microsoft.com/office/drawing/2014/main" id="{EABDB788-230E-0B4B-9275-A6BBB3F98E5E}"/>
-              </a:ext>
-            </a:extLst>
-          </p:cNvPr>
-          <p:cNvSpPr txBox="1"/>
-          <p:nvPr/>
-        </p:nvSpPr>
-        <p:spPr>
-          <a:xfrm>
-            <a:off x="5909552" y="2127585"/>
-            <a:ext cx="583660" cy="369332"/>
-          </a:xfrm>
-          <a:prstGeom prst="rect">
-            <a:avLst/>
-          </a:prstGeom>
-          <a:noFill/>
-        </p:spPr>
-        <p:txBody>
-          <a:bodyPr wrap="square" rtlCol="0">
-            <a:spAutoFit/>
-          </a:bodyPr>
-          <a:lstStyle/>
-          <a:p>
-            <a:pPr algn="ctr"/>
-            <a:r>
-              <a:rPr lang="en-US" dirty="0">
-                <a:latin typeface="Arial" panose="020B0604020202020204" pitchFamily="34" charset="0"/>
-                <a:cs typeface="Arial" panose="020B0604020202020204" pitchFamily="34" charset="0"/>
-              </a:rPr>
-              <a:t>17</a:t>
-            </a:r>
-          </a:p>
-        </p:txBody>
-      </p:sp>
-      <p:sp>
-        <p:nvSpPr>
-          <p:cNvPr id="24" name="TextBox 23">
-            <a:extLst>
-              <a:ext uri="{FF2B5EF4-FFF2-40B4-BE49-F238E27FC236}">
-                <a16:creationId xmlns:a16="http://schemas.microsoft.com/office/drawing/2014/main" id="{D97F3E31-24BF-784B-8902-B2AC9670B119}"/>
-              </a:ext>
-            </a:extLst>
-          </p:cNvPr>
-          <p:cNvSpPr txBox="1"/>
-          <p:nvPr/>
-        </p:nvSpPr>
-        <p:spPr>
-          <a:xfrm>
-            <a:off x="1994172" y="2600709"/>
-            <a:ext cx="583660" cy="369332"/>
-          </a:xfrm>
-          <a:prstGeom prst="rect">
-            <a:avLst/>
-          </a:prstGeom>
-          <a:noFill/>
-        </p:spPr>
-        <p:txBody>
-          <a:bodyPr wrap="square" rtlCol="0">
-            <a:spAutoFit/>
-          </a:bodyPr>
-          <a:lstStyle/>
-          <a:p>
-            <a:pPr algn="r"/>
-            <a:r>
-              <a:rPr lang="en-US" dirty="0">
-                <a:latin typeface="Arial" panose="020B0604020202020204" pitchFamily="34" charset="0"/>
-                <a:cs typeface="Arial" panose="020B0604020202020204" pitchFamily="34" charset="0"/>
-              </a:rPr>
-              <a:t>1</a:t>
-            </a:r>
-          </a:p>
-        </p:txBody>
-      </p:sp>
-      <p:sp>
-        <p:nvSpPr>
-          <p:cNvPr id="25" name="TextBox 24">
-            <a:extLst>
-              <a:ext uri="{FF2B5EF4-FFF2-40B4-BE49-F238E27FC236}">
-                <a16:creationId xmlns:a16="http://schemas.microsoft.com/office/drawing/2014/main" id="{E7F4C346-6BD8-8A49-99FD-344A09CB2B04}"/>
-              </a:ext>
-            </a:extLst>
-          </p:cNvPr>
-          <p:cNvSpPr txBox="1"/>
-          <p:nvPr/>
-        </p:nvSpPr>
-        <p:spPr>
-          <a:xfrm>
-            <a:off x="1994172" y="3140752"/>
-            <a:ext cx="583660" cy="369332"/>
-          </a:xfrm>
-          <a:prstGeom prst="rect">
-            <a:avLst/>
-          </a:prstGeom>
-          <a:noFill/>
-        </p:spPr>
-        <p:txBody>
-          <a:bodyPr wrap="square" rtlCol="0">
-            <a:spAutoFit/>
-          </a:bodyPr>
-          <a:lstStyle/>
-          <a:p>
-            <a:pPr algn="r"/>
-            <a:r>
-              <a:rPr lang="en-US" dirty="0">
-                <a:latin typeface="Arial" panose="020B0604020202020204" pitchFamily="34" charset="0"/>
-                <a:cs typeface="Arial" panose="020B0604020202020204" pitchFamily="34" charset="0"/>
-              </a:rPr>
-              <a:t>2</a:t>
-            </a:r>
-          </a:p>
-        </p:txBody>
-      </p:sp>
-      <p:sp>
-        <p:nvSpPr>
-          <p:cNvPr id="26" name="TextBox 25">
-            <a:extLst>
-              <a:ext uri="{FF2B5EF4-FFF2-40B4-BE49-F238E27FC236}">
-                <a16:creationId xmlns:a16="http://schemas.microsoft.com/office/drawing/2014/main" id="{CAF8AC23-4EB0-2146-9C8B-9B8DE5F5D4CE}"/>
-              </a:ext>
-            </a:extLst>
-          </p:cNvPr>
-          <p:cNvSpPr txBox="1"/>
-          <p:nvPr/>
-        </p:nvSpPr>
-        <p:spPr>
-          <a:xfrm>
-            <a:off x="1994172" y="3670910"/>
-            <a:ext cx="583660" cy="369332"/>
-          </a:xfrm>
-          <a:prstGeom prst="rect">
-            <a:avLst/>
-          </a:prstGeom>
-          <a:noFill/>
-        </p:spPr>
-        <p:txBody>
-          <a:bodyPr wrap="square" rtlCol="0">
-            <a:spAutoFit/>
-          </a:bodyPr>
-          <a:lstStyle/>
-          <a:p>
-            <a:pPr algn="r"/>
-            <a:r>
-              <a:rPr lang="en-US" dirty="0">
-                <a:latin typeface="Arial" panose="020B0604020202020204" pitchFamily="34" charset="0"/>
-                <a:cs typeface="Arial" panose="020B0604020202020204" pitchFamily="34" charset="0"/>
-              </a:rPr>
-              <a:t>3</a:t>
-            </a:r>
-          </a:p>
-        </p:txBody>
-      </p:sp>
-      <p:sp>
-        <p:nvSpPr>
-          <p:cNvPr id="27" name="TextBox 26">
-            <a:extLst>
-              <a:ext uri="{FF2B5EF4-FFF2-40B4-BE49-F238E27FC236}">
-                <a16:creationId xmlns:a16="http://schemas.microsoft.com/office/drawing/2014/main" id="{66C48F77-E284-154D-85CB-5FB2106AF07F}"/>
-              </a:ext>
-            </a:extLst>
-          </p:cNvPr>
-          <p:cNvSpPr txBox="1"/>
-          <p:nvPr/>
-        </p:nvSpPr>
-        <p:spPr>
-          <a:xfrm>
-            <a:off x="1994172" y="4201067"/>
-            <a:ext cx="583660" cy="369332"/>
-          </a:xfrm>
-          <a:prstGeom prst="rect">
-            <a:avLst/>
-          </a:prstGeom>
-          <a:noFill/>
-        </p:spPr>
-        <p:txBody>
-          <a:bodyPr wrap="square" rtlCol="0">
-            <a:spAutoFit/>
-          </a:bodyPr>
-          <a:lstStyle/>
-          <a:p>
-            <a:pPr algn="r"/>
-            <a:r>
-              <a:rPr lang="en-US" dirty="0">
-                <a:latin typeface="Arial" panose="020B0604020202020204" pitchFamily="34" charset="0"/>
-                <a:cs typeface="Arial" panose="020B0604020202020204" pitchFamily="34" charset="0"/>
-              </a:rPr>
-              <a:t>4</a:t>
-            </a:r>
-          </a:p>
-        </p:txBody>
-      </p:sp>
-      <p:sp>
-        <p:nvSpPr>
-          <p:cNvPr id="28" name="TextBox 27">
-            <a:extLst>
-              <a:ext uri="{FF2B5EF4-FFF2-40B4-BE49-F238E27FC236}">
-                <a16:creationId xmlns:a16="http://schemas.microsoft.com/office/drawing/2014/main" id="{B86CCE63-D264-C94C-A37E-FD3465AA81C6}"/>
-              </a:ext>
-            </a:extLst>
-          </p:cNvPr>
-          <p:cNvSpPr txBox="1"/>
-          <p:nvPr/>
-        </p:nvSpPr>
-        <p:spPr>
-          <a:xfrm>
-            <a:off x="1989309" y="4731224"/>
-            <a:ext cx="583660" cy="369332"/>
-          </a:xfrm>
-          <a:prstGeom prst="rect">
-            <a:avLst/>
-          </a:prstGeom>
-          <a:noFill/>
-        </p:spPr>
-        <p:txBody>
-          <a:bodyPr wrap="square" rtlCol="0">
-            <a:spAutoFit/>
-          </a:bodyPr>
-          <a:lstStyle/>
-          <a:p>
-            <a:pPr algn="r"/>
-            <a:r>
-              <a:rPr lang="en-US" dirty="0">
-                <a:latin typeface="Arial" panose="020B0604020202020204" pitchFamily="34" charset="0"/>
-                <a:cs typeface="Arial" panose="020B0604020202020204" pitchFamily="34" charset="0"/>
-              </a:rPr>
-              <a:t>5</a:t>
-            </a:r>
-          </a:p>
-        </p:txBody>
-      </p:sp>
-      <p:sp>
-        <p:nvSpPr>
-          <p:cNvPr id="29" name="TextBox 28">
-            <a:extLst>
-              <a:ext uri="{FF2B5EF4-FFF2-40B4-BE49-F238E27FC236}">
-                <a16:creationId xmlns:a16="http://schemas.microsoft.com/office/drawing/2014/main" id="{93964888-A517-6049-A4FC-F473F8F7DF07}"/>
-              </a:ext>
-            </a:extLst>
-          </p:cNvPr>
-          <p:cNvSpPr txBox="1"/>
-          <p:nvPr/>
-        </p:nvSpPr>
-        <p:spPr>
-          <a:xfrm>
-            <a:off x="2784538" y="1690689"/>
-            <a:ext cx="3623552" cy="369332"/>
-          </a:xfrm>
-          <a:prstGeom prst="rect">
-            <a:avLst/>
-          </a:prstGeom>
-          <a:noFill/>
-        </p:spPr>
-        <p:txBody>
-          <a:bodyPr wrap="square" rtlCol="0">
-            <a:spAutoFit/>
-          </a:bodyPr>
-          <a:lstStyle/>
-          <a:p>
-            <a:pPr algn="ctr"/>
+            <a:pPr marL="285750" indent="-285750">
+              <a:buFont typeface="Arial" panose="020B0604020202020204" pitchFamily="34" charset="0"/>
+              <a:buChar char="•"/>
+            </a:pPr>
+            <a:r>
+              <a:rPr lang="en-US" b="1" dirty="0" err="1"/>
+              <a:t>n_neighbors</a:t>
+            </a:r>
+            <a:r>
+              <a:rPr lang="en-US" b="1" dirty="0"/>
+              <a:t>: </a:t>
+            </a:r>
             <a:r>
               <a:rPr lang="en-US" dirty="0"/>
-              <a:t>Number of Neighbors</a:t>
-            </a:r>
-          </a:p>
-        </p:txBody>
-      </p:sp>
-      <p:sp>
-        <p:nvSpPr>
-          <p:cNvPr id="30" name="TextBox 29">
-            <a:extLst>
-              <a:ext uri="{FF2B5EF4-FFF2-40B4-BE49-F238E27FC236}">
-                <a16:creationId xmlns:a16="http://schemas.microsoft.com/office/drawing/2014/main" id="{E8AB74C5-12CE-2745-9E46-4615A99DC5BA}"/>
-              </a:ext>
-            </a:extLst>
-          </p:cNvPr>
-          <p:cNvSpPr txBox="1"/>
-          <p:nvPr/>
-        </p:nvSpPr>
-        <p:spPr>
-          <a:xfrm rot="16200000">
-            <a:off x="632303" y="3670910"/>
-            <a:ext cx="2665379" cy="369332"/>
-          </a:xfrm>
-          <a:prstGeom prst="rect">
-            <a:avLst/>
-          </a:prstGeom>
-          <a:noFill/>
-        </p:spPr>
-        <p:txBody>
-          <a:bodyPr wrap="square" rtlCol="0">
-            <a:spAutoFit/>
-          </a:bodyPr>
-          <a:lstStyle/>
-          <a:p>
-            <a:pPr algn="ctr"/>
+              <a:t>The number of neighbors used by the classifier to make a decision.</a:t>
+            </a:r>
+          </a:p>
+          <a:p>
+            <a:pPr marL="285750" indent="-285750">
+              <a:buFont typeface="Arial" panose="020B0604020202020204" pitchFamily="34" charset="0"/>
+              <a:buChar char="•"/>
+            </a:pPr>
+            <a:r>
+              <a:rPr lang="en-US" b="1" dirty="0"/>
+              <a:t>weights: </a:t>
+            </a:r>
             <a:r>
               <a:rPr lang="en-US" dirty="0"/>
-              <a:t>p</a:t>
-            </a:r>
-          </a:p>
-        </p:txBody>
-      </p:sp>
-      <p:sp>
-        <p:nvSpPr>
-          <p:cNvPr id="32" name="TextBox 31">
-            <a:extLst>
-              <a:ext uri="{FF2B5EF4-FFF2-40B4-BE49-F238E27FC236}">
-                <a16:creationId xmlns:a16="http://schemas.microsoft.com/office/drawing/2014/main" id="{744F86F9-C31F-3E43-822C-E33DD778ABF4}"/>
-              </a:ext>
-            </a:extLst>
-          </p:cNvPr>
-          <p:cNvSpPr txBox="1"/>
-          <p:nvPr/>
-        </p:nvSpPr>
-        <p:spPr>
-          <a:xfrm>
-            <a:off x="1352139" y="5478101"/>
-            <a:ext cx="6488350" cy="646331"/>
-          </a:xfrm>
-          <a:prstGeom prst="rect">
-            <a:avLst/>
-          </a:prstGeom>
-          <a:noFill/>
-        </p:spPr>
-        <p:txBody>
-          <a:bodyPr wrap="square" rtlCol="0">
-            <a:spAutoFit/>
-          </a:bodyPr>
-          <a:lstStyle/>
-          <a:p>
+              <a:t>Parameter for applying weights to the nearest neighbors.</a:t>
+            </a:r>
+            <a:endParaRPr lang="en-US" b="1" dirty="0"/>
+          </a:p>
+          <a:p>
+            <a:pPr marL="285750" indent="-285750">
+              <a:buFont typeface="Arial" panose="020B0604020202020204" pitchFamily="34" charset="0"/>
+              <a:buChar char="•"/>
+            </a:pPr>
             <a:r>
               <a:rPr lang="en-US" b="1" dirty="0"/>
-              <a:t>Basic Idea: </a:t>
+              <a:t>p: </a:t>
             </a:r>
             <a:r>
               <a:rPr lang="en-US" dirty="0"/>
-              <a:t>Run all model parameter combinations (i.e., brute force) and choose the best one. </a:t>
-            </a:r>
+              <a:t>The power parameter for the distance metric.</a:t>
+            </a:r>
+            <a:endParaRPr lang="en-US" b="1" dirty="0"/>
           </a:p>
         </p:txBody>
       </p:sp>
     </p:spTree>
     <p:extLst>
       <p:ext uri="{BB962C8B-B14F-4D97-AF65-F5344CB8AC3E}">
-        <p14:creationId xmlns:p14="http://schemas.microsoft.com/office/powerpoint/2010/main" val="457177863"/>
+        <p14:creationId xmlns:p14="http://schemas.microsoft.com/office/powerpoint/2010/main" val="2363616868"/>
       </p:ext>
     </p:extLst>
   </p:cSld>
@@ -4454,7 +3731,7 @@
           <p:cNvPr id="2" name="Title 1">
             <a:extLst>
               <a:ext uri="{FF2B5EF4-FFF2-40B4-BE49-F238E27FC236}">
-                <a16:creationId xmlns:a16="http://schemas.microsoft.com/office/drawing/2014/main" id="{082E87D7-AB40-9646-B32D-392148866E9F}"/>
+                <a16:creationId xmlns:a16="http://schemas.microsoft.com/office/drawing/2014/main" id="{972AE955-DCD1-AD4E-8557-044028CC7B70}"/>
               </a:ext>
             </a:extLst>
           </p:cNvPr>
@@ -4467,683 +3744,1115 @@
         </p:nvSpPr>
         <p:spPr/>
         <p:txBody>
-          <a:bodyPr>
-            <a:normAutofit/>
-          </a:bodyPr>
+          <a:bodyPr/>
           <a:lstStyle/>
           <a:p>
             <a:pPr algn="ctr"/>
             <a:r>
-              <a:rPr lang="en-US" sz="4000" b="1" dirty="0">
+              <a:rPr lang="en-US" b="1" dirty="0">
                 <a:latin typeface="Arial" panose="020B0604020202020204" pitchFamily="34" charset="0"/>
                 <a:cs typeface="Arial" panose="020B0604020202020204" pitchFamily="34" charset="0"/>
               </a:rPr>
-              <a:t>Grid Search with </a:t>
-            </a:r>
-            <a:r>
-              <a:rPr lang="en-US" sz="4000" b="1" dirty="0" err="1">
-                <a:latin typeface="Arial" panose="020B0604020202020204" pitchFamily="34" charset="0"/>
-                <a:cs typeface="Arial" panose="020B0604020202020204" pitchFamily="34" charset="0"/>
-              </a:rPr>
-              <a:t>Scikit</a:t>
-            </a:r>
-            <a:endParaRPr lang="en-US" sz="4000" b="1" dirty="0">
-              <a:latin typeface="Arial" panose="020B0604020202020204" pitchFamily="34" charset="0"/>
-              <a:cs typeface="Arial" panose="020B0604020202020204" pitchFamily="34" charset="0"/>
-            </a:endParaRPr>
-          </a:p>
-        </p:txBody>
-      </p:sp>
-      <p:sp>
-        <p:nvSpPr>
-          <p:cNvPr id="3" name="TextBox 2">
-            <a:extLst>
-              <a:ext uri="{FF2B5EF4-FFF2-40B4-BE49-F238E27FC236}">
-                <a16:creationId xmlns:a16="http://schemas.microsoft.com/office/drawing/2014/main" id="{A6984746-606A-C847-B538-6E75D01055AD}"/>
-              </a:ext>
-            </a:extLst>
-          </p:cNvPr>
-          <p:cNvSpPr txBox="1"/>
-          <p:nvPr/>
-        </p:nvSpPr>
-        <p:spPr>
-          <a:xfrm>
-            <a:off x="897376" y="2159542"/>
-            <a:ext cx="7349247" cy="3693319"/>
-          </a:xfrm>
-          <a:prstGeom prst="rect">
-            <a:avLst/>
-          </a:prstGeom>
-          <a:solidFill>
-            <a:schemeClr val="bg1">
-              <a:lumMod val="85000"/>
-            </a:schemeClr>
-          </a:solidFill>
+              <a:t>Grid Search</a:t>
+            </a:r>
+          </a:p>
+        </p:txBody>
+      </p:sp>
+      <p:sp>
+        <p:nvSpPr>
+          <p:cNvPr id="5" name="Rectangle 4">
+            <a:extLst>
+              <a:ext uri="{FF2B5EF4-FFF2-40B4-BE49-F238E27FC236}">
+                <a16:creationId xmlns:a16="http://schemas.microsoft.com/office/drawing/2014/main" id="{EDDCCD85-179D-6346-A761-BBC44208C7C3}"/>
+              </a:ext>
+            </a:extLst>
+          </p:cNvPr>
+          <p:cNvSpPr/>
+          <p:nvPr/>
+        </p:nvSpPr>
+        <p:spPr>
+          <a:xfrm>
+            <a:off x="2723746" y="2522887"/>
+            <a:ext cx="535021" cy="2665379"/>
+          </a:xfrm>
+          <a:prstGeom prst="rect">
+            <a:avLst/>
+          </a:prstGeom>
+          <a:noFill/>
           <a:ln>
             <a:solidFill>
               <a:schemeClr val="tx1"/>
             </a:solidFill>
           </a:ln>
         </p:spPr>
+        <p:style>
+          <a:lnRef idx="2">
+            <a:schemeClr val="accent1">
+              <a:shade val="50000"/>
+            </a:schemeClr>
+          </a:lnRef>
+          <a:fillRef idx="1">
+            <a:schemeClr val="accent1"/>
+          </a:fillRef>
+          <a:effectRef idx="0">
+            <a:schemeClr val="accent1"/>
+          </a:effectRef>
+          <a:fontRef idx="minor">
+            <a:schemeClr val="lt1"/>
+          </a:fontRef>
+        </p:style>
+        <p:txBody>
+          <a:bodyPr rtlCol="0" anchor="ctr"/>
+          <a:lstStyle/>
+          <a:p>
+            <a:pPr algn="ctr"/>
+            <a:endParaRPr lang="en-US"/>
+          </a:p>
+        </p:txBody>
+      </p:sp>
+      <p:sp>
+        <p:nvSpPr>
+          <p:cNvPr id="6" name="Rectangle 5">
+            <a:extLst>
+              <a:ext uri="{FF2B5EF4-FFF2-40B4-BE49-F238E27FC236}">
+                <a16:creationId xmlns:a16="http://schemas.microsoft.com/office/drawing/2014/main" id="{DC6EBA87-333D-1540-917E-D06FC324625A}"/>
+              </a:ext>
+            </a:extLst>
+          </p:cNvPr>
+          <p:cNvSpPr/>
+          <p:nvPr/>
+        </p:nvSpPr>
+        <p:spPr>
+          <a:xfrm>
+            <a:off x="3258767" y="2522887"/>
+            <a:ext cx="535021" cy="2665379"/>
+          </a:xfrm>
+          <a:prstGeom prst="rect">
+            <a:avLst/>
+          </a:prstGeom>
+          <a:noFill/>
+          <a:ln>
+            <a:solidFill>
+              <a:schemeClr val="tx1"/>
+            </a:solidFill>
+          </a:ln>
+        </p:spPr>
+        <p:style>
+          <a:lnRef idx="2">
+            <a:schemeClr val="accent1">
+              <a:shade val="50000"/>
+            </a:schemeClr>
+          </a:lnRef>
+          <a:fillRef idx="1">
+            <a:schemeClr val="accent1"/>
+          </a:fillRef>
+          <a:effectRef idx="0">
+            <a:schemeClr val="accent1"/>
+          </a:effectRef>
+          <a:fontRef idx="minor">
+            <a:schemeClr val="lt1"/>
+          </a:fontRef>
+        </p:style>
+        <p:txBody>
+          <a:bodyPr rtlCol="0" anchor="ctr"/>
+          <a:lstStyle/>
+          <a:p>
+            <a:pPr algn="ctr"/>
+            <a:endParaRPr lang="en-US"/>
+          </a:p>
+        </p:txBody>
+      </p:sp>
+      <p:sp>
+        <p:nvSpPr>
+          <p:cNvPr id="7" name="Rectangle 6">
+            <a:extLst>
+              <a:ext uri="{FF2B5EF4-FFF2-40B4-BE49-F238E27FC236}">
+                <a16:creationId xmlns:a16="http://schemas.microsoft.com/office/drawing/2014/main" id="{76518D70-6490-D646-AA33-D2FE0045B7EB}"/>
+              </a:ext>
+            </a:extLst>
+          </p:cNvPr>
+          <p:cNvSpPr/>
+          <p:nvPr/>
+        </p:nvSpPr>
+        <p:spPr>
+          <a:xfrm>
+            <a:off x="3793788" y="2522887"/>
+            <a:ext cx="535021" cy="2665379"/>
+          </a:xfrm>
+          <a:prstGeom prst="rect">
+            <a:avLst/>
+          </a:prstGeom>
+          <a:noFill/>
+          <a:ln>
+            <a:solidFill>
+              <a:schemeClr val="tx1"/>
+            </a:solidFill>
+          </a:ln>
+        </p:spPr>
+        <p:style>
+          <a:lnRef idx="2">
+            <a:schemeClr val="accent1">
+              <a:shade val="50000"/>
+            </a:schemeClr>
+          </a:lnRef>
+          <a:fillRef idx="1">
+            <a:schemeClr val="accent1"/>
+          </a:fillRef>
+          <a:effectRef idx="0">
+            <a:schemeClr val="accent1"/>
+          </a:effectRef>
+          <a:fontRef idx="minor">
+            <a:schemeClr val="lt1"/>
+          </a:fontRef>
+        </p:style>
+        <p:txBody>
+          <a:bodyPr rtlCol="0" anchor="ctr"/>
+          <a:lstStyle/>
+          <a:p>
+            <a:pPr algn="ctr"/>
+            <a:endParaRPr lang="en-US"/>
+          </a:p>
+        </p:txBody>
+      </p:sp>
+      <p:sp>
+        <p:nvSpPr>
+          <p:cNvPr id="8" name="Rectangle 7">
+            <a:extLst>
+              <a:ext uri="{FF2B5EF4-FFF2-40B4-BE49-F238E27FC236}">
+                <a16:creationId xmlns:a16="http://schemas.microsoft.com/office/drawing/2014/main" id="{5D17E774-4584-1A4C-869E-AC6790209324}"/>
+              </a:ext>
+            </a:extLst>
+          </p:cNvPr>
+          <p:cNvSpPr/>
+          <p:nvPr/>
+        </p:nvSpPr>
+        <p:spPr>
+          <a:xfrm>
+            <a:off x="4328809" y="2522887"/>
+            <a:ext cx="535021" cy="2665379"/>
+          </a:xfrm>
+          <a:prstGeom prst="rect">
+            <a:avLst/>
+          </a:prstGeom>
+          <a:noFill/>
+          <a:ln>
+            <a:solidFill>
+              <a:schemeClr val="tx1"/>
+            </a:solidFill>
+          </a:ln>
+        </p:spPr>
+        <p:style>
+          <a:lnRef idx="2">
+            <a:schemeClr val="accent1">
+              <a:shade val="50000"/>
+            </a:schemeClr>
+          </a:lnRef>
+          <a:fillRef idx="1">
+            <a:schemeClr val="accent1"/>
+          </a:fillRef>
+          <a:effectRef idx="0">
+            <a:schemeClr val="accent1"/>
+          </a:effectRef>
+          <a:fontRef idx="minor">
+            <a:schemeClr val="lt1"/>
+          </a:fontRef>
+        </p:style>
+        <p:txBody>
+          <a:bodyPr rtlCol="0" anchor="ctr"/>
+          <a:lstStyle/>
+          <a:p>
+            <a:pPr algn="ctr"/>
+            <a:endParaRPr lang="en-US"/>
+          </a:p>
+        </p:txBody>
+      </p:sp>
+      <p:sp>
+        <p:nvSpPr>
+          <p:cNvPr id="9" name="Rectangle 8">
+            <a:extLst>
+              <a:ext uri="{FF2B5EF4-FFF2-40B4-BE49-F238E27FC236}">
+                <a16:creationId xmlns:a16="http://schemas.microsoft.com/office/drawing/2014/main" id="{46B8127C-A0AB-664C-8539-07990FD15080}"/>
+              </a:ext>
+            </a:extLst>
+          </p:cNvPr>
+          <p:cNvSpPr/>
+          <p:nvPr/>
+        </p:nvSpPr>
+        <p:spPr>
+          <a:xfrm>
+            <a:off x="4863830" y="2522887"/>
+            <a:ext cx="535021" cy="2665379"/>
+          </a:xfrm>
+          <a:prstGeom prst="rect">
+            <a:avLst/>
+          </a:prstGeom>
+          <a:noFill/>
+          <a:ln>
+            <a:solidFill>
+              <a:schemeClr val="tx1"/>
+            </a:solidFill>
+          </a:ln>
+        </p:spPr>
+        <p:style>
+          <a:lnRef idx="2">
+            <a:schemeClr val="accent1">
+              <a:shade val="50000"/>
+            </a:schemeClr>
+          </a:lnRef>
+          <a:fillRef idx="1">
+            <a:schemeClr val="accent1"/>
+          </a:fillRef>
+          <a:effectRef idx="0">
+            <a:schemeClr val="accent1"/>
+          </a:effectRef>
+          <a:fontRef idx="minor">
+            <a:schemeClr val="lt1"/>
+          </a:fontRef>
+        </p:style>
+        <p:txBody>
+          <a:bodyPr rtlCol="0" anchor="ctr"/>
+          <a:lstStyle/>
+          <a:p>
+            <a:pPr algn="ctr"/>
+            <a:endParaRPr lang="en-US"/>
+          </a:p>
+        </p:txBody>
+      </p:sp>
+      <p:sp>
+        <p:nvSpPr>
+          <p:cNvPr id="10" name="Rectangle 9">
+            <a:extLst>
+              <a:ext uri="{FF2B5EF4-FFF2-40B4-BE49-F238E27FC236}">
+                <a16:creationId xmlns:a16="http://schemas.microsoft.com/office/drawing/2014/main" id="{F0B2A49B-5B0D-F546-AD37-4D922AA27976}"/>
+              </a:ext>
+            </a:extLst>
+          </p:cNvPr>
+          <p:cNvSpPr/>
+          <p:nvPr/>
+        </p:nvSpPr>
+        <p:spPr>
+          <a:xfrm>
+            <a:off x="5398851" y="2522887"/>
+            <a:ext cx="535021" cy="2665379"/>
+          </a:xfrm>
+          <a:prstGeom prst="rect">
+            <a:avLst/>
+          </a:prstGeom>
+          <a:noFill/>
+          <a:ln>
+            <a:solidFill>
+              <a:schemeClr val="tx1"/>
+            </a:solidFill>
+          </a:ln>
+        </p:spPr>
+        <p:style>
+          <a:lnRef idx="2">
+            <a:schemeClr val="accent1">
+              <a:shade val="50000"/>
+            </a:schemeClr>
+          </a:lnRef>
+          <a:fillRef idx="1">
+            <a:schemeClr val="accent1"/>
+          </a:fillRef>
+          <a:effectRef idx="0">
+            <a:schemeClr val="accent1"/>
+          </a:effectRef>
+          <a:fontRef idx="minor">
+            <a:schemeClr val="lt1"/>
+          </a:fontRef>
+        </p:style>
+        <p:txBody>
+          <a:bodyPr rtlCol="0" anchor="ctr"/>
+          <a:lstStyle/>
+          <a:p>
+            <a:pPr algn="ctr"/>
+            <a:endParaRPr lang="en-US"/>
+          </a:p>
+        </p:txBody>
+      </p:sp>
+      <p:sp>
+        <p:nvSpPr>
+          <p:cNvPr id="11" name="Rectangle 10">
+            <a:extLst>
+              <a:ext uri="{FF2B5EF4-FFF2-40B4-BE49-F238E27FC236}">
+                <a16:creationId xmlns:a16="http://schemas.microsoft.com/office/drawing/2014/main" id="{D7D1E0C4-8772-254C-A50A-83166255462C}"/>
+              </a:ext>
+            </a:extLst>
+          </p:cNvPr>
+          <p:cNvSpPr/>
+          <p:nvPr/>
+        </p:nvSpPr>
+        <p:spPr>
+          <a:xfrm>
+            <a:off x="5933872" y="2522887"/>
+            <a:ext cx="535021" cy="2665379"/>
+          </a:xfrm>
+          <a:prstGeom prst="rect">
+            <a:avLst/>
+          </a:prstGeom>
+          <a:noFill/>
+          <a:ln>
+            <a:solidFill>
+              <a:schemeClr val="tx1"/>
+            </a:solidFill>
+          </a:ln>
+        </p:spPr>
+        <p:style>
+          <a:lnRef idx="2">
+            <a:schemeClr val="accent1">
+              <a:shade val="50000"/>
+            </a:schemeClr>
+          </a:lnRef>
+          <a:fillRef idx="1">
+            <a:schemeClr val="accent1"/>
+          </a:fillRef>
+          <a:effectRef idx="0">
+            <a:schemeClr val="accent1"/>
+          </a:effectRef>
+          <a:fontRef idx="minor">
+            <a:schemeClr val="lt1"/>
+          </a:fontRef>
+        </p:style>
+        <p:txBody>
+          <a:bodyPr rtlCol="0" anchor="ctr"/>
+          <a:lstStyle/>
+          <a:p>
+            <a:pPr algn="ctr"/>
+            <a:endParaRPr lang="en-US"/>
+          </a:p>
+        </p:txBody>
+      </p:sp>
+      <p:sp>
+        <p:nvSpPr>
+          <p:cNvPr id="14" name="Rectangle 13">
+            <a:extLst>
+              <a:ext uri="{FF2B5EF4-FFF2-40B4-BE49-F238E27FC236}">
+                <a16:creationId xmlns:a16="http://schemas.microsoft.com/office/drawing/2014/main" id="{314A2E46-4014-E24C-BC80-15E657BFBB29}"/>
+              </a:ext>
+            </a:extLst>
+          </p:cNvPr>
+          <p:cNvSpPr/>
+          <p:nvPr/>
+        </p:nvSpPr>
+        <p:spPr>
+          <a:xfrm rot="16200000">
+            <a:off x="4328808" y="1452844"/>
+            <a:ext cx="535021" cy="3745147"/>
+          </a:xfrm>
+          <a:prstGeom prst="rect">
+            <a:avLst/>
+          </a:prstGeom>
+          <a:noFill/>
+          <a:ln>
+            <a:solidFill>
+              <a:schemeClr val="tx1"/>
+            </a:solidFill>
+          </a:ln>
+        </p:spPr>
+        <p:style>
+          <a:lnRef idx="2">
+            <a:schemeClr val="accent1">
+              <a:shade val="50000"/>
+            </a:schemeClr>
+          </a:lnRef>
+          <a:fillRef idx="1">
+            <a:schemeClr val="accent1"/>
+          </a:fillRef>
+          <a:effectRef idx="0">
+            <a:schemeClr val="accent1"/>
+          </a:effectRef>
+          <a:fontRef idx="minor">
+            <a:schemeClr val="lt1"/>
+          </a:fontRef>
+        </p:style>
+        <p:txBody>
+          <a:bodyPr rtlCol="0" anchor="ctr"/>
+          <a:lstStyle/>
+          <a:p>
+            <a:pPr algn="ctr"/>
+            <a:endParaRPr lang="en-US"/>
+          </a:p>
+        </p:txBody>
+      </p:sp>
+      <p:sp>
+        <p:nvSpPr>
+          <p:cNvPr id="15" name="Rectangle 14">
+            <a:extLst>
+              <a:ext uri="{FF2B5EF4-FFF2-40B4-BE49-F238E27FC236}">
+                <a16:creationId xmlns:a16="http://schemas.microsoft.com/office/drawing/2014/main" id="{2AD22B75-2057-FD45-8A6B-28B8754D1A14}"/>
+              </a:ext>
+            </a:extLst>
+          </p:cNvPr>
+          <p:cNvSpPr/>
+          <p:nvPr/>
+        </p:nvSpPr>
+        <p:spPr>
+          <a:xfrm rot="16200000">
+            <a:off x="4328808" y="3048182"/>
+            <a:ext cx="535021" cy="3745147"/>
+          </a:xfrm>
+          <a:prstGeom prst="rect">
+            <a:avLst/>
+          </a:prstGeom>
+          <a:noFill/>
+          <a:ln>
+            <a:solidFill>
+              <a:schemeClr val="tx1"/>
+            </a:solidFill>
+          </a:ln>
+        </p:spPr>
+        <p:style>
+          <a:lnRef idx="2">
+            <a:schemeClr val="accent1">
+              <a:shade val="50000"/>
+            </a:schemeClr>
+          </a:lnRef>
+          <a:fillRef idx="1">
+            <a:schemeClr val="accent1"/>
+          </a:fillRef>
+          <a:effectRef idx="0">
+            <a:schemeClr val="accent1"/>
+          </a:effectRef>
+          <a:fontRef idx="minor">
+            <a:schemeClr val="lt1"/>
+          </a:fontRef>
+        </p:style>
+        <p:txBody>
+          <a:bodyPr rtlCol="0" anchor="ctr"/>
+          <a:lstStyle/>
+          <a:p>
+            <a:pPr algn="ctr"/>
+            <a:endParaRPr lang="en-US"/>
+          </a:p>
+        </p:txBody>
+      </p:sp>
+      <p:sp>
+        <p:nvSpPr>
+          <p:cNvPr id="16" name="Rectangle 15">
+            <a:extLst>
+              <a:ext uri="{FF2B5EF4-FFF2-40B4-BE49-F238E27FC236}">
+                <a16:creationId xmlns:a16="http://schemas.microsoft.com/office/drawing/2014/main" id="{787290DE-CCAD-1047-9835-7EB9A2DA204E}"/>
+              </a:ext>
+            </a:extLst>
+          </p:cNvPr>
+          <p:cNvSpPr/>
+          <p:nvPr/>
+        </p:nvSpPr>
+        <p:spPr>
+          <a:xfrm rot="16200000">
+            <a:off x="4328808" y="2513160"/>
+            <a:ext cx="535021" cy="3745147"/>
+          </a:xfrm>
+          <a:prstGeom prst="rect">
+            <a:avLst/>
+          </a:prstGeom>
+          <a:noFill/>
+          <a:ln>
+            <a:solidFill>
+              <a:schemeClr val="tx1"/>
+            </a:solidFill>
+          </a:ln>
+        </p:spPr>
+        <p:style>
+          <a:lnRef idx="2">
+            <a:schemeClr val="accent1">
+              <a:shade val="50000"/>
+            </a:schemeClr>
+          </a:lnRef>
+          <a:fillRef idx="1">
+            <a:schemeClr val="accent1"/>
+          </a:fillRef>
+          <a:effectRef idx="0">
+            <a:schemeClr val="accent1"/>
+          </a:effectRef>
+          <a:fontRef idx="minor">
+            <a:schemeClr val="lt1"/>
+          </a:fontRef>
+        </p:style>
+        <p:txBody>
+          <a:bodyPr rtlCol="0" anchor="ctr"/>
+          <a:lstStyle/>
+          <a:p>
+            <a:pPr algn="ctr"/>
+            <a:endParaRPr lang="en-US"/>
+          </a:p>
+        </p:txBody>
+      </p:sp>
+      <p:sp>
+        <p:nvSpPr>
+          <p:cNvPr id="17" name="TextBox 16">
+            <a:extLst>
+              <a:ext uri="{FF2B5EF4-FFF2-40B4-BE49-F238E27FC236}">
+                <a16:creationId xmlns:a16="http://schemas.microsoft.com/office/drawing/2014/main" id="{FDCE3F5F-6EDB-A74F-92E2-2C9B89CFABD2}"/>
+              </a:ext>
+            </a:extLst>
+          </p:cNvPr>
+          <p:cNvSpPr txBox="1"/>
+          <p:nvPr/>
+        </p:nvSpPr>
+        <p:spPr>
+          <a:xfrm>
+            <a:off x="2699426" y="2132175"/>
+            <a:ext cx="583660" cy="369332"/>
+          </a:xfrm>
+          <a:prstGeom prst="rect">
+            <a:avLst/>
+          </a:prstGeom>
+          <a:noFill/>
+        </p:spPr>
         <p:txBody>
           <a:bodyPr wrap="square" rtlCol="0">
             <a:spAutoFit/>
           </a:bodyPr>
           <a:lstStyle/>
           <a:p>
-            <a:r>
-              <a:rPr lang="en-US" b="1" dirty="0">
-                <a:solidFill>
-                  <a:schemeClr val="accent6">
-                    <a:lumMod val="75000"/>
-                  </a:schemeClr>
-                </a:solidFill>
-                <a:latin typeface="Courier" pitchFamily="2" charset="0"/>
-              </a:rPr>
-              <a:t>from</a:t>
-            </a:r>
-            <a:r>
-              <a:rPr lang="en-US" dirty="0">
-                <a:latin typeface="Courier" pitchFamily="2" charset="0"/>
-              </a:rPr>
-              <a:t> </a:t>
-            </a:r>
-            <a:r>
-              <a:rPr lang="en-US" dirty="0" err="1">
-                <a:latin typeface="Courier" pitchFamily="2" charset="0"/>
-              </a:rPr>
-              <a:t>sklearn.model_selection</a:t>
-            </a:r>
-            <a:r>
-              <a:rPr lang="en-US" dirty="0">
-                <a:latin typeface="Courier" pitchFamily="2" charset="0"/>
-              </a:rPr>
-              <a:t> </a:t>
-            </a:r>
-            <a:r>
-              <a:rPr lang="en-US" b="1" dirty="0">
-                <a:solidFill>
-                  <a:schemeClr val="accent6">
-                    <a:lumMod val="75000"/>
-                  </a:schemeClr>
-                </a:solidFill>
-                <a:latin typeface="Courier" pitchFamily="2" charset="0"/>
-              </a:rPr>
-              <a:t>import</a:t>
-            </a:r>
-            <a:r>
-              <a:rPr lang="en-US" dirty="0">
-                <a:latin typeface="Courier" pitchFamily="2" charset="0"/>
-              </a:rPr>
-              <a:t> </a:t>
-            </a:r>
-            <a:r>
-              <a:rPr lang="en-US" dirty="0" err="1">
-                <a:latin typeface="Courier" pitchFamily="2" charset="0"/>
-              </a:rPr>
-              <a:t>GridSearchCV</a:t>
-            </a:r>
-            <a:endParaRPr lang="en-US" dirty="0">
-              <a:latin typeface="Courier" pitchFamily="2" charset="0"/>
-            </a:endParaRPr>
-          </a:p>
-          <a:p>
-            <a:r>
-              <a:rPr lang="en-US" b="1" dirty="0">
-                <a:solidFill>
-                  <a:schemeClr val="accent6">
-                    <a:lumMod val="75000"/>
-                  </a:schemeClr>
-                </a:solidFill>
-                <a:latin typeface="Courier" pitchFamily="2" charset="0"/>
-              </a:rPr>
-              <a:t>from</a:t>
-            </a:r>
-            <a:r>
-              <a:rPr lang="en-US" dirty="0">
-                <a:latin typeface="Courier" pitchFamily="2" charset="0"/>
-              </a:rPr>
-              <a:t> </a:t>
-            </a:r>
-            <a:r>
-              <a:rPr lang="en-US" dirty="0" err="1">
-                <a:latin typeface="Courier" pitchFamily="2" charset="0"/>
-              </a:rPr>
-              <a:t>sklearn.neighbors</a:t>
-            </a:r>
-            <a:r>
-              <a:rPr lang="en-US" dirty="0">
-                <a:latin typeface="Courier" pitchFamily="2" charset="0"/>
-              </a:rPr>
-              <a:t> </a:t>
-            </a:r>
-            <a:r>
-              <a:rPr lang="en-US" b="1" dirty="0">
-                <a:solidFill>
-                  <a:schemeClr val="accent6">
-                    <a:lumMod val="75000"/>
-                  </a:schemeClr>
-                </a:solidFill>
-                <a:latin typeface="Courier" pitchFamily="2" charset="0"/>
-              </a:rPr>
-              <a:t>import</a:t>
-            </a:r>
-            <a:r>
-              <a:rPr lang="en-US" dirty="0">
-                <a:latin typeface="Courier" pitchFamily="2" charset="0"/>
-              </a:rPr>
-              <a:t> </a:t>
-            </a:r>
-            <a:r>
-              <a:rPr lang="en-US" dirty="0" err="1">
-                <a:latin typeface="Courier" pitchFamily="2" charset="0"/>
-              </a:rPr>
-              <a:t>KNeighborsClassifier</a:t>
-            </a:r>
-            <a:endParaRPr lang="en-US" dirty="0">
-              <a:latin typeface="Courier" pitchFamily="2" charset="0"/>
-            </a:endParaRPr>
-          </a:p>
-          <a:p>
-            <a:endParaRPr lang="en-US" dirty="0">
-              <a:latin typeface="Courier" pitchFamily="2" charset="0"/>
-            </a:endParaRPr>
-          </a:p>
-          <a:p>
-            <a:r>
-              <a:rPr lang="en-US" dirty="0">
-                <a:latin typeface="Courier" pitchFamily="2" charset="0"/>
-              </a:rPr>
-              <a:t>parameters = {</a:t>
-            </a:r>
-            <a:r>
-              <a:rPr lang="en-US" dirty="0">
-                <a:solidFill>
-                  <a:srgbClr val="FF0000"/>
-                </a:solidFill>
-                <a:latin typeface="Courier" pitchFamily="2" charset="0"/>
-              </a:rPr>
-              <a:t>'p’</a:t>
-            </a:r>
-            <a:r>
-              <a:rPr lang="en-US" dirty="0">
-                <a:latin typeface="Courier" pitchFamily="2" charset="0"/>
-              </a:rPr>
-              <a:t>:[</a:t>
-            </a:r>
-            <a:r>
-              <a:rPr lang="en-US" dirty="0">
-                <a:solidFill>
-                  <a:schemeClr val="accent6">
-                    <a:lumMod val="75000"/>
-                  </a:schemeClr>
-                </a:solidFill>
-                <a:latin typeface="Courier" pitchFamily="2" charset="0"/>
+            <a:pPr algn="ctr"/>
+            <a:r>
+              <a:rPr lang="en-US" dirty="0">
+                <a:latin typeface="Arial" panose="020B0604020202020204" pitchFamily="34" charset="0"/>
+                <a:cs typeface="Arial" panose="020B0604020202020204" pitchFamily="34" charset="0"/>
+              </a:rPr>
+              <a:t>3</a:t>
+            </a:r>
+          </a:p>
+        </p:txBody>
+      </p:sp>
+      <p:sp>
+        <p:nvSpPr>
+          <p:cNvPr id="18" name="TextBox 17">
+            <a:extLst>
+              <a:ext uri="{FF2B5EF4-FFF2-40B4-BE49-F238E27FC236}">
+                <a16:creationId xmlns:a16="http://schemas.microsoft.com/office/drawing/2014/main" id="{8AAC1BC6-66A7-2840-A22E-C926010664B7}"/>
+              </a:ext>
+            </a:extLst>
+          </p:cNvPr>
+          <p:cNvSpPr txBox="1"/>
+          <p:nvPr/>
+        </p:nvSpPr>
+        <p:spPr>
+          <a:xfrm>
+            <a:off x="3234447" y="2130568"/>
+            <a:ext cx="583660" cy="369332"/>
+          </a:xfrm>
+          <a:prstGeom prst="rect">
+            <a:avLst/>
+          </a:prstGeom>
+          <a:noFill/>
+        </p:spPr>
+        <p:txBody>
+          <a:bodyPr wrap="square" rtlCol="0">
+            <a:spAutoFit/>
+          </a:bodyPr>
+          <a:lstStyle/>
+          <a:p>
+            <a:pPr algn="ctr"/>
+            <a:r>
+              <a:rPr lang="en-US" dirty="0">
+                <a:latin typeface="Arial" panose="020B0604020202020204" pitchFamily="34" charset="0"/>
+                <a:cs typeface="Arial" panose="020B0604020202020204" pitchFamily="34" charset="0"/>
+              </a:rPr>
+              <a:t>5</a:t>
+            </a:r>
+          </a:p>
+        </p:txBody>
+      </p:sp>
+      <p:sp>
+        <p:nvSpPr>
+          <p:cNvPr id="19" name="TextBox 18">
+            <a:extLst>
+              <a:ext uri="{FF2B5EF4-FFF2-40B4-BE49-F238E27FC236}">
+                <a16:creationId xmlns:a16="http://schemas.microsoft.com/office/drawing/2014/main" id="{5D451D92-E842-AD42-AB70-A29EB166188F}"/>
+              </a:ext>
+            </a:extLst>
+          </p:cNvPr>
+          <p:cNvSpPr txBox="1"/>
+          <p:nvPr/>
+        </p:nvSpPr>
+        <p:spPr>
+          <a:xfrm>
+            <a:off x="3769468" y="2130568"/>
+            <a:ext cx="583660" cy="369332"/>
+          </a:xfrm>
+          <a:prstGeom prst="rect">
+            <a:avLst/>
+          </a:prstGeom>
+          <a:noFill/>
+        </p:spPr>
+        <p:txBody>
+          <a:bodyPr wrap="square" rtlCol="0">
+            <a:spAutoFit/>
+          </a:bodyPr>
+          <a:lstStyle/>
+          <a:p>
+            <a:pPr algn="ctr"/>
+            <a:r>
+              <a:rPr lang="en-US" dirty="0">
+                <a:latin typeface="Arial" panose="020B0604020202020204" pitchFamily="34" charset="0"/>
+                <a:cs typeface="Arial" panose="020B0604020202020204" pitchFamily="34" charset="0"/>
+              </a:rPr>
+              <a:t>7</a:t>
+            </a:r>
+          </a:p>
+        </p:txBody>
+      </p:sp>
+      <p:sp>
+        <p:nvSpPr>
+          <p:cNvPr id="20" name="TextBox 19">
+            <a:extLst>
+              <a:ext uri="{FF2B5EF4-FFF2-40B4-BE49-F238E27FC236}">
+                <a16:creationId xmlns:a16="http://schemas.microsoft.com/office/drawing/2014/main" id="{A01B83B6-E88A-5C46-AB70-EBD0B7819424}"/>
+              </a:ext>
+            </a:extLst>
+          </p:cNvPr>
+          <p:cNvSpPr txBox="1"/>
+          <p:nvPr/>
+        </p:nvSpPr>
+        <p:spPr>
+          <a:xfrm>
+            <a:off x="4304484" y="2133552"/>
+            <a:ext cx="583660" cy="369332"/>
+          </a:xfrm>
+          <a:prstGeom prst="rect">
+            <a:avLst/>
+          </a:prstGeom>
+          <a:noFill/>
+        </p:spPr>
+        <p:txBody>
+          <a:bodyPr wrap="square" rtlCol="0">
+            <a:spAutoFit/>
+          </a:bodyPr>
+          <a:lstStyle/>
+          <a:p>
+            <a:pPr algn="ctr"/>
+            <a:r>
+              <a:rPr lang="en-US" dirty="0">
+                <a:latin typeface="Arial" panose="020B0604020202020204" pitchFamily="34" charset="0"/>
+                <a:cs typeface="Arial" panose="020B0604020202020204" pitchFamily="34" charset="0"/>
+              </a:rPr>
+              <a:t>11</a:t>
+            </a:r>
+          </a:p>
+        </p:txBody>
+      </p:sp>
+      <p:sp>
+        <p:nvSpPr>
+          <p:cNvPr id="21" name="TextBox 20">
+            <a:extLst>
+              <a:ext uri="{FF2B5EF4-FFF2-40B4-BE49-F238E27FC236}">
+                <a16:creationId xmlns:a16="http://schemas.microsoft.com/office/drawing/2014/main" id="{1D42DB7C-6082-334B-A3B6-FBA078BD3F64}"/>
+              </a:ext>
+            </a:extLst>
+          </p:cNvPr>
+          <p:cNvSpPr txBox="1"/>
+          <p:nvPr/>
+        </p:nvSpPr>
+        <p:spPr>
+          <a:xfrm>
+            <a:off x="4839510" y="2127585"/>
+            <a:ext cx="583660" cy="369332"/>
+          </a:xfrm>
+          <a:prstGeom prst="rect">
+            <a:avLst/>
+          </a:prstGeom>
+          <a:noFill/>
+        </p:spPr>
+        <p:txBody>
+          <a:bodyPr wrap="square" rtlCol="0">
+            <a:spAutoFit/>
+          </a:bodyPr>
+          <a:lstStyle/>
+          <a:p>
+            <a:pPr algn="ctr"/>
+            <a:r>
+              <a:rPr lang="en-US" dirty="0">
+                <a:latin typeface="Arial" panose="020B0604020202020204" pitchFamily="34" charset="0"/>
+                <a:cs typeface="Arial" panose="020B0604020202020204" pitchFamily="34" charset="0"/>
+              </a:rPr>
+              <a:t>13</a:t>
+            </a:r>
+          </a:p>
+        </p:txBody>
+      </p:sp>
+      <p:sp>
+        <p:nvSpPr>
+          <p:cNvPr id="22" name="TextBox 21">
+            <a:extLst>
+              <a:ext uri="{FF2B5EF4-FFF2-40B4-BE49-F238E27FC236}">
+                <a16:creationId xmlns:a16="http://schemas.microsoft.com/office/drawing/2014/main" id="{D2FF32C5-E57C-EB41-ADE4-761E6D8ACC40}"/>
+              </a:ext>
+            </a:extLst>
+          </p:cNvPr>
+          <p:cNvSpPr txBox="1"/>
+          <p:nvPr/>
+        </p:nvSpPr>
+        <p:spPr>
+          <a:xfrm>
+            <a:off x="5374531" y="2127585"/>
+            <a:ext cx="583660" cy="369332"/>
+          </a:xfrm>
+          <a:prstGeom prst="rect">
+            <a:avLst/>
+          </a:prstGeom>
+          <a:noFill/>
+        </p:spPr>
+        <p:txBody>
+          <a:bodyPr wrap="square" rtlCol="0">
+            <a:spAutoFit/>
+          </a:bodyPr>
+          <a:lstStyle/>
+          <a:p>
+            <a:pPr algn="ctr"/>
+            <a:r>
+              <a:rPr lang="en-US" dirty="0">
+                <a:latin typeface="Arial" panose="020B0604020202020204" pitchFamily="34" charset="0"/>
+                <a:cs typeface="Arial" panose="020B0604020202020204" pitchFamily="34" charset="0"/>
+              </a:rPr>
+              <a:t>15</a:t>
+            </a:r>
+          </a:p>
+        </p:txBody>
+      </p:sp>
+      <p:sp>
+        <p:nvSpPr>
+          <p:cNvPr id="23" name="TextBox 22">
+            <a:extLst>
+              <a:ext uri="{FF2B5EF4-FFF2-40B4-BE49-F238E27FC236}">
+                <a16:creationId xmlns:a16="http://schemas.microsoft.com/office/drawing/2014/main" id="{EABDB788-230E-0B4B-9275-A6BBB3F98E5E}"/>
+              </a:ext>
+            </a:extLst>
+          </p:cNvPr>
+          <p:cNvSpPr txBox="1"/>
+          <p:nvPr/>
+        </p:nvSpPr>
+        <p:spPr>
+          <a:xfrm>
+            <a:off x="5909552" y="2127585"/>
+            <a:ext cx="583660" cy="369332"/>
+          </a:xfrm>
+          <a:prstGeom prst="rect">
+            <a:avLst/>
+          </a:prstGeom>
+          <a:noFill/>
+        </p:spPr>
+        <p:txBody>
+          <a:bodyPr wrap="square" rtlCol="0">
+            <a:spAutoFit/>
+          </a:bodyPr>
+          <a:lstStyle/>
+          <a:p>
+            <a:pPr algn="ctr"/>
+            <a:r>
+              <a:rPr lang="en-US" dirty="0">
+                <a:latin typeface="Arial" panose="020B0604020202020204" pitchFamily="34" charset="0"/>
+                <a:cs typeface="Arial" panose="020B0604020202020204" pitchFamily="34" charset="0"/>
+              </a:rPr>
+              <a:t>17</a:t>
+            </a:r>
+          </a:p>
+        </p:txBody>
+      </p:sp>
+      <p:sp>
+        <p:nvSpPr>
+          <p:cNvPr id="24" name="TextBox 23">
+            <a:extLst>
+              <a:ext uri="{FF2B5EF4-FFF2-40B4-BE49-F238E27FC236}">
+                <a16:creationId xmlns:a16="http://schemas.microsoft.com/office/drawing/2014/main" id="{D97F3E31-24BF-784B-8902-B2AC9670B119}"/>
+              </a:ext>
+            </a:extLst>
+          </p:cNvPr>
+          <p:cNvSpPr txBox="1"/>
+          <p:nvPr/>
+        </p:nvSpPr>
+        <p:spPr>
+          <a:xfrm>
+            <a:off x="1994172" y="2600709"/>
+            <a:ext cx="583660" cy="369332"/>
+          </a:xfrm>
+          <a:prstGeom prst="rect">
+            <a:avLst/>
+          </a:prstGeom>
+          <a:noFill/>
+        </p:spPr>
+        <p:txBody>
+          <a:bodyPr wrap="square" rtlCol="0">
+            <a:spAutoFit/>
+          </a:bodyPr>
+          <a:lstStyle/>
+          <a:p>
+            <a:pPr algn="r"/>
+            <a:r>
+              <a:rPr lang="en-US" dirty="0">
+                <a:latin typeface="Arial" panose="020B0604020202020204" pitchFamily="34" charset="0"/>
+                <a:cs typeface="Arial" panose="020B0604020202020204" pitchFamily="34" charset="0"/>
               </a:rPr>
               <a:t>1</a:t>
             </a:r>
-            <a:r>
-              <a:rPr lang="en-US" dirty="0">
-                <a:latin typeface="Courier" pitchFamily="2" charset="0"/>
-              </a:rPr>
-              <a:t>,</a:t>
-            </a:r>
-            <a:r>
-              <a:rPr lang="en-US" dirty="0">
-                <a:solidFill>
-                  <a:schemeClr val="accent6">
-                    <a:lumMod val="75000"/>
-                  </a:schemeClr>
-                </a:solidFill>
-                <a:latin typeface="Courier" pitchFamily="2" charset="0"/>
+          </a:p>
+        </p:txBody>
+      </p:sp>
+      <p:sp>
+        <p:nvSpPr>
+          <p:cNvPr id="25" name="TextBox 24">
+            <a:extLst>
+              <a:ext uri="{FF2B5EF4-FFF2-40B4-BE49-F238E27FC236}">
+                <a16:creationId xmlns:a16="http://schemas.microsoft.com/office/drawing/2014/main" id="{E7F4C346-6BD8-8A49-99FD-344A09CB2B04}"/>
+              </a:ext>
+            </a:extLst>
+          </p:cNvPr>
+          <p:cNvSpPr txBox="1"/>
+          <p:nvPr/>
+        </p:nvSpPr>
+        <p:spPr>
+          <a:xfrm>
+            <a:off x="1994172" y="3140752"/>
+            <a:ext cx="583660" cy="369332"/>
+          </a:xfrm>
+          <a:prstGeom prst="rect">
+            <a:avLst/>
+          </a:prstGeom>
+          <a:noFill/>
+        </p:spPr>
+        <p:txBody>
+          <a:bodyPr wrap="square" rtlCol="0">
+            <a:spAutoFit/>
+          </a:bodyPr>
+          <a:lstStyle/>
+          <a:p>
+            <a:pPr algn="r"/>
+            <a:r>
+              <a:rPr lang="en-US" dirty="0">
+                <a:latin typeface="Arial" panose="020B0604020202020204" pitchFamily="34" charset="0"/>
+                <a:cs typeface="Arial" panose="020B0604020202020204" pitchFamily="34" charset="0"/>
               </a:rPr>
               <a:t>2</a:t>
             </a:r>
-            <a:r>
-              <a:rPr lang="en-US" dirty="0">
-                <a:latin typeface="Courier" pitchFamily="2" charset="0"/>
-              </a:rPr>
-              <a:t>,</a:t>
-            </a:r>
-            <a:r>
-              <a:rPr lang="en-US" dirty="0">
-                <a:solidFill>
-                  <a:schemeClr val="accent6">
-                    <a:lumMod val="75000"/>
-                  </a:schemeClr>
-                </a:solidFill>
-                <a:latin typeface="Courier" pitchFamily="2" charset="0"/>
+          </a:p>
+        </p:txBody>
+      </p:sp>
+      <p:sp>
+        <p:nvSpPr>
+          <p:cNvPr id="26" name="TextBox 25">
+            <a:extLst>
+              <a:ext uri="{FF2B5EF4-FFF2-40B4-BE49-F238E27FC236}">
+                <a16:creationId xmlns:a16="http://schemas.microsoft.com/office/drawing/2014/main" id="{CAF8AC23-4EB0-2146-9C8B-9B8DE5F5D4CE}"/>
+              </a:ext>
+            </a:extLst>
+          </p:cNvPr>
+          <p:cNvSpPr txBox="1"/>
+          <p:nvPr/>
+        </p:nvSpPr>
+        <p:spPr>
+          <a:xfrm>
+            <a:off x="1994172" y="3670910"/>
+            <a:ext cx="583660" cy="369332"/>
+          </a:xfrm>
+          <a:prstGeom prst="rect">
+            <a:avLst/>
+          </a:prstGeom>
+          <a:noFill/>
+        </p:spPr>
+        <p:txBody>
+          <a:bodyPr wrap="square" rtlCol="0">
+            <a:spAutoFit/>
+          </a:bodyPr>
+          <a:lstStyle/>
+          <a:p>
+            <a:pPr algn="r"/>
+            <a:r>
+              <a:rPr lang="en-US" dirty="0">
+                <a:latin typeface="Arial" panose="020B0604020202020204" pitchFamily="34" charset="0"/>
+                <a:cs typeface="Arial" panose="020B0604020202020204" pitchFamily="34" charset="0"/>
               </a:rPr>
               <a:t>3</a:t>
             </a:r>
-            <a:r>
-              <a:rPr lang="en-US" dirty="0">
-                <a:latin typeface="Courier" pitchFamily="2" charset="0"/>
-              </a:rPr>
-              <a:t>,</a:t>
-            </a:r>
-            <a:r>
-              <a:rPr lang="en-US" dirty="0">
-                <a:solidFill>
-                  <a:schemeClr val="accent6">
-                    <a:lumMod val="75000"/>
-                  </a:schemeClr>
-                </a:solidFill>
-                <a:latin typeface="Courier" pitchFamily="2" charset="0"/>
+          </a:p>
+        </p:txBody>
+      </p:sp>
+      <p:sp>
+        <p:nvSpPr>
+          <p:cNvPr id="27" name="TextBox 26">
+            <a:extLst>
+              <a:ext uri="{FF2B5EF4-FFF2-40B4-BE49-F238E27FC236}">
+                <a16:creationId xmlns:a16="http://schemas.microsoft.com/office/drawing/2014/main" id="{66C48F77-E284-154D-85CB-5FB2106AF07F}"/>
+              </a:ext>
+            </a:extLst>
+          </p:cNvPr>
+          <p:cNvSpPr txBox="1"/>
+          <p:nvPr/>
+        </p:nvSpPr>
+        <p:spPr>
+          <a:xfrm>
+            <a:off x="1994172" y="4201067"/>
+            <a:ext cx="583660" cy="369332"/>
+          </a:xfrm>
+          <a:prstGeom prst="rect">
+            <a:avLst/>
+          </a:prstGeom>
+          <a:noFill/>
+        </p:spPr>
+        <p:txBody>
+          <a:bodyPr wrap="square" rtlCol="0">
+            <a:spAutoFit/>
+          </a:bodyPr>
+          <a:lstStyle/>
+          <a:p>
+            <a:pPr algn="r"/>
+            <a:r>
+              <a:rPr lang="en-US" dirty="0">
+                <a:latin typeface="Arial" panose="020B0604020202020204" pitchFamily="34" charset="0"/>
+                <a:cs typeface="Arial" panose="020B0604020202020204" pitchFamily="34" charset="0"/>
               </a:rPr>
               <a:t>4</a:t>
             </a:r>
-            <a:r>
-              <a:rPr lang="en-US" dirty="0">
-                <a:latin typeface="Courier" pitchFamily="2" charset="0"/>
-              </a:rPr>
-              <a:t>,</a:t>
-            </a:r>
-            <a:r>
-              <a:rPr lang="en-US" dirty="0">
-                <a:solidFill>
-                  <a:schemeClr val="accent6">
-                    <a:lumMod val="75000"/>
-                  </a:schemeClr>
-                </a:solidFill>
-                <a:latin typeface="Courier" pitchFamily="2" charset="0"/>
+          </a:p>
+        </p:txBody>
+      </p:sp>
+      <p:sp>
+        <p:nvSpPr>
+          <p:cNvPr id="28" name="TextBox 27">
+            <a:extLst>
+              <a:ext uri="{FF2B5EF4-FFF2-40B4-BE49-F238E27FC236}">
+                <a16:creationId xmlns:a16="http://schemas.microsoft.com/office/drawing/2014/main" id="{B86CCE63-D264-C94C-A37E-FD3465AA81C6}"/>
+              </a:ext>
+            </a:extLst>
+          </p:cNvPr>
+          <p:cNvSpPr txBox="1"/>
+          <p:nvPr/>
+        </p:nvSpPr>
+        <p:spPr>
+          <a:xfrm>
+            <a:off x="1989309" y="4731224"/>
+            <a:ext cx="583660" cy="369332"/>
+          </a:xfrm>
+          <a:prstGeom prst="rect">
+            <a:avLst/>
+          </a:prstGeom>
+          <a:noFill/>
+        </p:spPr>
+        <p:txBody>
+          <a:bodyPr wrap="square" rtlCol="0">
+            <a:spAutoFit/>
+          </a:bodyPr>
+          <a:lstStyle/>
+          <a:p>
+            <a:pPr algn="r"/>
+            <a:r>
+              <a:rPr lang="en-US" dirty="0">
+                <a:latin typeface="Arial" panose="020B0604020202020204" pitchFamily="34" charset="0"/>
+                <a:cs typeface="Arial" panose="020B0604020202020204" pitchFamily="34" charset="0"/>
               </a:rPr>
               <a:t>5</a:t>
             </a:r>
-            <a:r>
-              <a:rPr lang="en-US" dirty="0">
-                <a:latin typeface="Courier" pitchFamily="2" charset="0"/>
-              </a:rPr>
-              <a:t>],</a:t>
-            </a:r>
-          </a:p>
-          <a:p>
-            <a:r>
-              <a:rPr lang="en-US" dirty="0">
-                <a:latin typeface="Courier" pitchFamily="2" charset="0"/>
-              </a:rPr>
-              <a:t>              </a:t>
-            </a:r>
-            <a:r>
-              <a:rPr lang="en-US" dirty="0">
-                <a:solidFill>
-                  <a:srgbClr val="FF0000"/>
-                </a:solidFill>
-                <a:latin typeface="Courier" pitchFamily="2" charset="0"/>
-              </a:rPr>
-              <a:t>'</a:t>
-            </a:r>
-            <a:r>
-              <a:rPr lang="en-US" dirty="0" err="1">
-                <a:solidFill>
-                  <a:srgbClr val="FF0000"/>
-                </a:solidFill>
-                <a:latin typeface="Courier" pitchFamily="2" charset="0"/>
-              </a:rPr>
-              <a:t>n_neighbors</a:t>
-            </a:r>
-            <a:r>
-              <a:rPr lang="en-US" dirty="0">
-                <a:solidFill>
-                  <a:srgbClr val="FF0000"/>
-                </a:solidFill>
-                <a:latin typeface="Courier" pitchFamily="2" charset="0"/>
-              </a:rPr>
-              <a:t>’</a:t>
-            </a:r>
-            <a:r>
-              <a:rPr lang="en-US" dirty="0">
-                <a:latin typeface="Courier" pitchFamily="2" charset="0"/>
-              </a:rPr>
-              <a:t>:[</a:t>
-            </a:r>
-            <a:r>
-              <a:rPr lang="en-US" dirty="0">
-                <a:solidFill>
-                  <a:schemeClr val="accent6">
-                    <a:lumMod val="75000"/>
-                  </a:schemeClr>
-                </a:solidFill>
-                <a:latin typeface="Courier" pitchFamily="2" charset="0"/>
-              </a:rPr>
-              <a:t>3</a:t>
-            </a:r>
-            <a:r>
-              <a:rPr lang="en-US" dirty="0">
-                <a:latin typeface="Courier" pitchFamily="2" charset="0"/>
-              </a:rPr>
-              <a:t>,</a:t>
-            </a:r>
-            <a:r>
-              <a:rPr lang="en-US" dirty="0">
-                <a:solidFill>
-                  <a:schemeClr val="accent6">
-                    <a:lumMod val="75000"/>
-                  </a:schemeClr>
-                </a:solidFill>
-                <a:latin typeface="Courier" pitchFamily="2" charset="0"/>
-              </a:rPr>
-              <a:t>5</a:t>
-            </a:r>
-            <a:r>
-              <a:rPr lang="en-US" dirty="0">
-                <a:latin typeface="Courier" pitchFamily="2" charset="0"/>
-              </a:rPr>
-              <a:t>,</a:t>
-            </a:r>
-            <a:r>
-              <a:rPr lang="en-US" dirty="0">
-                <a:solidFill>
-                  <a:schemeClr val="accent6">
-                    <a:lumMod val="75000"/>
-                  </a:schemeClr>
-                </a:solidFill>
-                <a:latin typeface="Courier" pitchFamily="2" charset="0"/>
-              </a:rPr>
-              <a:t>7</a:t>
-            </a:r>
-            <a:r>
-              <a:rPr lang="en-US" dirty="0">
-                <a:latin typeface="Courier" pitchFamily="2" charset="0"/>
-              </a:rPr>
-              <a:t>,</a:t>
-            </a:r>
-            <a:r>
-              <a:rPr lang="en-US" dirty="0">
-                <a:solidFill>
-                  <a:schemeClr val="accent6">
-                    <a:lumMod val="75000"/>
-                  </a:schemeClr>
-                </a:solidFill>
-                <a:latin typeface="Courier" pitchFamily="2" charset="0"/>
-              </a:rPr>
-              <a:t>11</a:t>
-            </a:r>
-            <a:r>
-              <a:rPr lang="en-US" dirty="0">
-                <a:latin typeface="Courier" pitchFamily="2" charset="0"/>
-              </a:rPr>
-              <a:t>,</a:t>
-            </a:r>
-            <a:r>
-              <a:rPr lang="en-US" dirty="0">
-                <a:solidFill>
-                  <a:schemeClr val="accent6">
-                    <a:lumMod val="75000"/>
-                  </a:schemeClr>
-                </a:solidFill>
-                <a:latin typeface="Courier" pitchFamily="2" charset="0"/>
-              </a:rPr>
-              <a:t>13</a:t>
-            </a:r>
-            <a:r>
-              <a:rPr lang="en-US" dirty="0">
-                <a:latin typeface="Courier" pitchFamily="2" charset="0"/>
-              </a:rPr>
-              <a:t>,</a:t>
-            </a:r>
-            <a:r>
-              <a:rPr lang="en-US" dirty="0">
-                <a:solidFill>
-                  <a:schemeClr val="accent6">
-                    <a:lumMod val="75000"/>
-                  </a:schemeClr>
-                </a:solidFill>
-                <a:latin typeface="Courier" pitchFamily="2" charset="0"/>
-              </a:rPr>
-              <a:t>15</a:t>
-            </a:r>
-            <a:r>
-              <a:rPr lang="en-US" dirty="0">
-                <a:latin typeface="Courier" pitchFamily="2" charset="0"/>
-              </a:rPr>
-              <a:t>,</a:t>
-            </a:r>
-            <a:r>
-              <a:rPr lang="en-US" dirty="0">
-                <a:solidFill>
-                  <a:schemeClr val="accent6">
-                    <a:lumMod val="75000"/>
-                  </a:schemeClr>
-                </a:solidFill>
-                <a:latin typeface="Courier" pitchFamily="2" charset="0"/>
-              </a:rPr>
-              <a:t>17</a:t>
-            </a:r>
-            <a:r>
-              <a:rPr lang="en-US" dirty="0">
-                <a:latin typeface="Courier" pitchFamily="2" charset="0"/>
-              </a:rPr>
-              <a:t>]}</a:t>
-            </a:r>
-          </a:p>
-          <a:p>
-            <a:endParaRPr lang="en-US" dirty="0">
-              <a:latin typeface="Courier" pitchFamily="2" charset="0"/>
-            </a:endParaRPr>
-          </a:p>
-          <a:p>
-            <a:r>
-              <a:rPr lang="en-US" dirty="0" err="1">
-                <a:latin typeface="Courier" pitchFamily="2" charset="0"/>
-              </a:rPr>
-              <a:t>knn</a:t>
-            </a:r>
-            <a:r>
-              <a:rPr lang="en-US" dirty="0">
-                <a:latin typeface="Courier" pitchFamily="2" charset="0"/>
-              </a:rPr>
-              <a:t> </a:t>
-            </a:r>
-            <a:r>
-              <a:rPr lang="en-US" dirty="0">
-                <a:solidFill>
-                  <a:srgbClr val="9437FF"/>
-                </a:solidFill>
-                <a:latin typeface="Courier" pitchFamily="2" charset="0"/>
-              </a:rPr>
-              <a:t>=</a:t>
-            </a:r>
-            <a:r>
-              <a:rPr lang="en-US" dirty="0">
-                <a:latin typeface="Courier" pitchFamily="2" charset="0"/>
-              </a:rPr>
-              <a:t> </a:t>
-            </a:r>
-            <a:r>
-              <a:rPr lang="en-US" dirty="0" err="1">
-                <a:latin typeface="Courier" pitchFamily="2" charset="0"/>
-              </a:rPr>
-              <a:t>KNeighborsClassifier</a:t>
-            </a:r>
-            <a:r>
-              <a:rPr lang="en-US" dirty="0">
-                <a:latin typeface="Courier" pitchFamily="2" charset="0"/>
-              </a:rPr>
-              <a:t>()</a:t>
-            </a:r>
-          </a:p>
-          <a:p>
-            <a:endParaRPr lang="en-US" dirty="0">
-              <a:latin typeface="Courier" pitchFamily="2" charset="0"/>
-            </a:endParaRPr>
-          </a:p>
-          <a:p>
-            <a:r>
-              <a:rPr lang="en-US" dirty="0" err="1">
-                <a:latin typeface="Courier" pitchFamily="2" charset="0"/>
-              </a:rPr>
-              <a:t>gsc</a:t>
-            </a:r>
-            <a:r>
-              <a:rPr lang="en-US" dirty="0">
-                <a:latin typeface="Courier" pitchFamily="2" charset="0"/>
-              </a:rPr>
-              <a:t> </a:t>
-            </a:r>
-            <a:r>
-              <a:rPr lang="en-US" dirty="0">
-                <a:solidFill>
-                  <a:srgbClr val="9437FF"/>
-                </a:solidFill>
-                <a:latin typeface="Courier" pitchFamily="2" charset="0"/>
-              </a:rPr>
-              <a:t>=</a:t>
-            </a:r>
-            <a:r>
-              <a:rPr lang="en-US" dirty="0">
-                <a:latin typeface="Courier" pitchFamily="2" charset="0"/>
-              </a:rPr>
-              <a:t> </a:t>
-            </a:r>
-            <a:r>
-              <a:rPr lang="en-US" dirty="0" err="1">
-                <a:latin typeface="Courier" pitchFamily="2" charset="0"/>
-              </a:rPr>
-              <a:t>GridSearchCV</a:t>
-            </a:r>
-            <a:r>
-              <a:rPr lang="en-US" dirty="0">
-                <a:latin typeface="Courier" pitchFamily="2" charset="0"/>
-              </a:rPr>
-              <a:t>(</a:t>
-            </a:r>
-            <a:r>
-              <a:rPr lang="en-US" dirty="0" err="1">
-                <a:latin typeface="Courier" pitchFamily="2" charset="0"/>
-              </a:rPr>
-              <a:t>knn</a:t>
-            </a:r>
-            <a:r>
-              <a:rPr lang="en-US" dirty="0">
-                <a:latin typeface="Courier" pitchFamily="2" charset="0"/>
-              </a:rPr>
-              <a:t>, parameters)</a:t>
-            </a:r>
-          </a:p>
-          <a:p>
-            <a:r>
-              <a:rPr lang="en-US" dirty="0" err="1">
-                <a:latin typeface="Courier" pitchFamily="2" charset="0"/>
-              </a:rPr>
-              <a:t>gsc.fit</a:t>
-            </a:r>
-            <a:r>
-              <a:rPr lang="en-US" dirty="0">
-                <a:latin typeface="Courier" pitchFamily="2" charset="0"/>
-              </a:rPr>
-              <a:t>(</a:t>
-            </a:r>
-            <a:r>
-              <a:rPr lang="en-US" dirty="0" err="1">
-                <a:latin typeface="Courier" pitchFamily="2" charset="0"/>
-              </a:rPr>
-              <a:t>gs_data</a:t>
-            </a:r>
-            <a:r>
-              <a:rPr lang="en-US" dirty="0">
-                <a:latin typeface="Courier" pitchFamily="2" charset="0"/>
-              </a:rPr>
-              <a:t>, </a:t>
-            </a:r>
-            <a:r>
-              <a:rPr lang="en-US" dirty="0" err="1">
-                <a:latin typeface="Courier" pitchFamily="2" charset="0"/>
-              </a:rPr>
-              <a:t>gs_target</a:t>
-            </a:r>
-            <a:r>
-              <a:rPr lang="en-US" dirty="0">
-                <a:latin typeface="Courier" pitchFamily="2" charset="0"/>
-              </a:rPr>
-              <a:t>)</a:t>
-            </a:r>
-          </a:p>
-          <a:p>
-            <a:endParaRPr lang="en-US" dirty="0">
-              <a:latin typeface="Courier" pitchFamily="2" charset="0"/>
-            </a:endParaRPr>
-          </a:p>
-          <a:p>
-            <a:r>
-              <a:rPr lang="en-US" dirty="0" err="1">
-                <a:latin typeface="Courier" pitchFamily="2" charset="0"/>
-              </a:rPr>
-              <a:t>gsc.cv_results</a:t>
-            </a:r>
-            <a:r>
-              <a:rPr lang="en-US" dirty="0">
-                <a:latin typeface="Courier" pitchFamily="2" charset="0"/>
-              </a:rPr>
-              <a:t>_[</a:t>
-            </a:r>
-            <a:r>
-              <a:rPr lang="en-US" dirty="0">
-                <a:solidFill>
-                  <a:srgbClr val="FF0000"/>
-                </a:solidFill>
-                <a:latin typeface="Courier" pitchFamily="2" charset="0"/>
-              </a:rPr>
-              <a:t>'</a:t>
-            </a:r>
-            <a:r>
-              <a:rPr lang="en-US" dirty="0" err="1">
-                <a:solidFill>
-                  <a:srgbClr val="FF0000"/>
-                </a:solidFill>
-                <a:latin typeface="Courier" pitchFamily="2" charset="0"/>
-              </a:rPr>
-              <a:t>mean_test_score</a:t>
-            </a:r>
-            <a:r>
-              <a:rPr lang="en-US" dirty="0">
-                <a:solidFill>
-                  <a:srgbClr val="FF0000"/>
-                </a:solidFill>
-                <a:latin typeface="Courier" pitchFamily="2" charset="0"/>
-              </a:rPr>
-              <a:t>']</a:t>
-            </a:r>
-          </a:p>
-          <a:p>
-            <a:r>
-              <a:rPr lang="en-US" dirty="0" err="1">
-                <a:latin typeface="Courier" pitchFamily="2" charset="0"/>
-              </a:rPr>
-              <a:t>gsc.cv_results</a:t>
-            </a:r>
-            <a:r>
-              <a:rPr lang="en-US" dirty="0">
-                <a:latin typeface="Courier" pitchFamily="2" charset="0"/>
-              </a:rPr>
-              <a:t>_[</a:t>
-            </a:r>
-            <a:r>
-              <a:rPr lang="en-US" dirty="0">
-                <a:solidFill>
-                  <a:srgbClr val="FF0000"/>
-                </a:solidFill>
-                <a:latin typeface="Courier" pitchFamily="2" charset="0"/>
-              </a:rPr>
-              <a:t>'</a:t>
-            </a:r>
-            <a:r>
-              <a:rPr lang="en-US" dirty="0" err="1">
-                <a:solidFill>
-                  <a:srgbClr val="FF0000"/>
-                </a:solidFill>
-                <a:latin typeface="Courier" pitchFamily="2" charset="0"/>
-              </a:rPr>
-              <a:t>params</a:t>
-            </a:r>
-            <a:r>
-              <a:rPr lang="en-US" dirty="0">
-                <a:solidFill>
-                  <a:srgbClr val="FF0000"/>
-                </a:solidFill>
-                <a:latin typeface="Courier" pitchFamily="2" charset="0"/>
-              </a:rPr>
-              <a:t>']</a:t>
+          </a:p>
+        </p:txBody>
+      </p:sp>
+      <p:sp>
+        <p:nvSpPr>
+          <p:cNvPr id="29" name="TextBox 28">
+            <a:extLst>
+              <a:ext uri="{FF2B5EF4-FFF2-40B4-BE49-F238E27FC236}">
+                <a16:creationId xmlns:a16="http://schemas.microsoft.com/office/drawing/2014/main" id="{93964888-A517-6049-A4FC-F473F8F7DF07}"/>
+              </a:ext>
+            </a:extLst>
+          </p:cNvPr>
+          <p:cNvSpPr txBox="1"/>
+          <p:nvPr/>
+        </p:nvSpPr>
+        <p:spPr>
+          <a:xfrm>
+            <a:off x="2784538" y="1690689"/>
+            <a:ext cx="3623552" cy="369332"/>
+          </a:xfrm>
+          <a:prstGeom prst="rect">
+            <a:avLst/>
+          </a:prstGeom>
+          <a:noFill/>
+        </p:spPr>
+        <p:txBody>
+          <a:bodyPr wrap="square" rtlCol="0">
+            <a:spAutoFit/>
+          </a:bodyPr>
+          <a:lstStyle/>
+          <a:p>
+            <a:pPr algn="ctr"/>
+            <a:r>
+              <a:rPr lang="en-US" dirty="0"/>
+              <a:t>Number of Neighbors</a:t>
+            </a:r>
+          </a:p>
+        </p:txBody>
+      </p:sp>
+      <p:sp>
+        <p:nvSpPr>
+          <p:cNvPr id="30" name="TextBox 29">
+            <a:extLst>
+              <a:ext uri="{FF2B5EF4-FFF2-40B4-BE49-F238E27FC236}">
+                <a16:creationId xmlns:a16="http://schemas.microsoft.com/office/drawing/2014/main" id="{E8AB74C5-12CE-2745-9E46-4615A99DC5BA}"/>
+              </a:ext>
+            </a:extLst>
+          </p:cNvPr>
+          <p:cNvSpPr txBox="1"/>
+          <p:nvPr/>
+        </p:nvSpPr>
+        <p:spPr>
+          <a:xfrm rot="16200000">
+            <a:off x="632303" y="3670910"/>
+            <a:ext cx="2665379" cy="369332"/>
+          </a:xfrm>
+          <a:prstGeom prst="rect">
+            <a:avLst/>
+          </a:prstGeom>
+          <a:noFill/>
+        </p:spPr>
+        <p:txBody>
+          <a:bodyPr wrap="square" rtlCol="0">
+            <a:spAutoFit/>
+          </a:bodyPr>
+          <a:lstStyle/>
+          <a:p>
+            <a:pPr algn="ctr"/>
+            <a:r>
+              <a:rPr lang="en-US" dirty="0"/>
+              <a:t>p</a:t>
+            </a:r>
+          </a:p>
+        </p:txBody>
+      </p:sp>
+      <p:sp>
+        <p:nvSpPr>
+          <p:cNvPr id="32" name="TextBox 31">
+            <a:extLst>
+              <a:ext uri="{FF2B5EF4-FFF2-40B4-BE49-F238E27FC236}">
+                <a16:creationId xmlns:a16="http://schemas.microsoft.com/office/drawing/2014/main" id="{744F86F9-C31F-3E43-822C-E33DD778ABF4}"/>
+              </a:ext>
+            </a:extLst>
+          </p:cNvPr>
+          <p:cNvSpPr txBox="1"/>
+          <p:nvPr/>
+        </p:nvSpPr>
+        <p:spPr>
+          <a:xfrm>
+            <a:off x="1352139" y="5478101"/>
+            <a:ext cx="6488350" cy="646331"/>
+          </a:xfrm>
+          <a:prstGeom prst="rect">
+            <a:avLst/>
+          </a:prstGeom>
+          <a:noFill/>
+        </p:spPr>
+        <p:txBody>
+          <a:bodyPr wrap="square" rtlCol="0">
+            <a:spAutoFit/>
+          </a:bodyPr>
+          <a:lstStyle/>
+          <a:p>
+            <a:r>
+              <a:rPr lang="en-US" b="1" dirty="0"/>
+              <a:t>Basic Idea: </a:t>
+            </a:r>
+            <a:r>
+              <a:rPr lang="en-US" dirty="0"/>
+              <a:t>Run all model parameter combinations (i.e., brute force) and choose the best one. </a:t>
             </a:r>
           </a:p>
         </p:txBody>
@@ -5151,7 +4860,7 @@
     </p:spTree>
     <p:extLst>
       <p:ext uri="{BB962C8B-B14F-4D97-AF65-F5344CB8AC3E}">
-        <p14:creationId xmlns:p14="http://schemas.microsoft.com/office/powerpoint/2010/main" val="3037421272"/>
+        <p14:creationId xmlns:p14="http://schemas.microsoft.com/office/powerpoint/2010/main" val="457177863"/>
       </p:ext>
     </p:extLst>
   </p:cSld>
@@ -5183,7 +4892,7 @@
           <p:cNvPr id="2" name="Title 1">
             <a:extLst>
               <a:ext uri="{FF2B5EF4-FFF2-40B4-BE49-F238E27FC236}">
-                <a16:creationId xmlns:a16="http://schemas.microsoft.com/office/drawing/2014/main" id="{E68184F9-8D22-A943-A590-F272E9A58BA8}"/>
+                <a16:creationId xmlns:a16="http://schemas.microsoft.com/office/drawing/2014/main" id="{082E87D7-AB40-9646-B32D-392148866E9F}"/>
               </a:ext>
             </a:extLst>
           </p:cNvPr>
@@ -5196,676 +4905,683 @@
         </p:nvSpPr>
         <p:spPr/>
         <p:txBody>
-          <a:bodyPr/>
+          <a:bodyPr>
+            <a:normAutofit/>
+          </a:bodyPr>
           <a:lstStyle/>
           <a:p>
             <a:pPr algn="ctr"/>
             <a:r>
-              <a:rPr lang="en-US" b="1" dirty="0">
+              <a:rPr lang="en-US" sz="4000" b="1" dirty="0">
                 <a:latin typeface="Arial" panose="020B0604020202020204" pitchFamily="34" charset="0"/>
                 <a:cs typeface="Arial" panose="020B0604020202020204" pitchFamily="34" charset="0"/>
               </a:rPr>
-              <a:t>Confusion Matrix</a:t>
-            </a:r>
-          </a:p>
-        </p:txBody>
-      </p:sp>
-      <p:sp>
-        <p:nvSpPr>
-          <p:cNvPr id="3" name="Rectangle 2">
-            <a:extLst>
-              <a:ext uri="{FF2B5EF4-FFF2-40B4-BE49-F238E27FC236}">
-                <a16:creationId xmlns:a16="http://schemas.microsoft.com/office/drawing/2014/main" id="{6BFCD425-60FC-DB43-9471-BD8B36FFCA41}"/>
-              </a:ext>
-            </a:extLst>
-          </p:cNvPr>
-          <p:cNvSpPr/>
-          <p:nvPr/>
-        </p:nvSpPr>
-        <p:spPr>
-          <a:xfrm>
-            <a:off x="3472778" y="1896895"/>
-            <a:ext cx="1293778" cy="1293778"/>
+              <a:t>Grid Search with </a:t>
+            </a:r>
+            <a:r>
+              <a:rPr lang="en-US" sz="4000" b="1" dirty="0" err="1">
+                <a:latin typeface="Arial" panose="020B0604020202020204" pitchFamily="34" charset="0"/>
+                <a:cs typeface="Arial" panose="020B0604020202020204" pitchFamily="34" charset="0"/>
+              </a:rPr>
+              <a:t>Scikit</a:t>
+            </a:r>
+            <a:endParaRPr lang="en-US" sz="4000" b="1" dirty="0">
+              <a:latin typeface="Arial" panose="020B0604020202020204" pitchFamily="34" charset="0"/>
+              <a:cs typeface="Arial" panose="020B0604020202020204" pitchFamily="34" charset="0"/>
+            </a:endParaRPr>
+          </a:p>
+        </p:txBody>
+      </p:sp>
+      <p:sp>
+        <p:nvSpPr>
+          <p:cNvPr id="3" name="TextBox 2">
+            <a:extLst>
+              <a:ext uri="{FF2B5EF4-FFF2-40B4-BE49-F238E27FC236}">
+                <a16:creationId xmlns:a16="http://schemas.microsoft.com/office/drawing/2014/main" id="{A6984746-606A-C847-B538-6E75D01055AD}"/>
+              </a:ext>
+            </a:extLst>
+          </p:cNvPr>
+          <p:cNvSpPr txBox="1"/>
+          <p:nvPr/>
+        </p:nvSpPr>
+        <p:spPr>
+          <a:xfrm>
+            <a:off x="897376" y="2159542"/>
+            <a:ext cx="7349247" cy="3693319"/>
           </a:xfrm>
           <a:prstGeom prst="rect">
             <a:avLst/>
           </a:prstGeom>
           <a:solidFill>
-            <a:schemeClr val="accent1">
-              <a:lumMod val="75000"/>
+            <a:schemeClr val="bg1">
+              <a:lumMod val="85000"/>
             </a:schemeClr>
           </a:solidFill>
-          <a:ln w="25400">
+          <a:ln>
             <a:solidFill>
               <a:schemeClr val="tx1"/>
             </a:solidFill>
           </a:ln>
         </p:spPr>
-        <p:style>
-          <a:lnRef idx="2">
-            <a:schemeClr val="accent1">
-              <a:shade val="50000"/>
-            </a:schemeClr>
-          </a:lnRef>
-          <a:fillRef idx="1">
-            <a:schemeClr val="accent1"/>
-          </a:fillRef>
-          <a:effectRef idx="0">
-            <a:schemeClr val="accent1"/>
-          </a:effectRef>
-          <a:fontRef idx="minor">
-            <a:schemeClr val="lt1"/>
-          </a:fontRef>
-        </p:style>
-        <p:txBody>
-          <a:bodyPr rtlCol="0" anchor="ctr"/>
-          <a:lstStyle/>
-          <a:p>
-            <a:pPr algn="ctr"/>
-            <a:endParaRPr lang="en-US"/>
-          </a:p>
-        </p:txBody>
-      </p:sp>
-      <p:sp>
-        <p:nvSpPr>
-          <p:cNvPr id="4" name="Rectangle 3">
-            <a:extLst>
-              <a:ext uri="{FF2B5EF4-FFF2-40B4-BE49-F238E27FC236}">
-                <a16:creationId xmlns:a16="http://schemas.microsoft.com/office/drawing/2014/main" id="{CF3109F3-FB3E-7941-A3E4-62AFDB57E62F}"/>
-              </a:ext>
-            </a:extLst>
-          </p:cNvPr>
-          <p:cNvSpPr/>
-          <p:nvPr/>
-        </p:nvSpPr>
-        <p:spPr>
-          <a:xfrm>
-            <a:off x="4766556" y="3190673"/>
-            <a:ext cx="1293778" cy="1293778"/>
-          </a:xfrm>
-          <a:prstGeom prst="rect">
-            <a:avLst/>
-          </a:prstGeom>
-          <a:solidFill>
-            <a:schemeClr val="accent1">
-              <a:lumMod val="60000"/>
-              <a:lumOff val="40000"/>
-            </a:schemeClr>
-          </a:solidFill>
-          <a:ln w="25400">
-            <a:solidFill>
-              <a:schemeClr val="tx1"/>
-            </a:solidFill>
-          </a:ln>
-        </p:spPr>
-        <p:style>
-          <a:lnRef idx="2">
-            <a:schemeClr val="accent1">
-              <a:shade val="50000"/>
-            </a:schemeClr>
-          </a:lnRef>
-          <a:fillRef idx="1">
-            <a:schemeClr val="accent1"/>
-          </a:fillRef>
-          <a:effectRef idx="0">
-            <a:schemeClr val="accent1"/>
-          </a:effectRef>
-          <a:fontRef idx="minor">
-            <a:schemeClr val="lt1"/>
-          </a:fontRef>
-        </p:style>
-        <p:txBody>
-          <a:bodyPr rtlCol="0" anchor="ctr"/>
-          <a:lstStyle/>
-          <a:p>
-            <a:pPr algn="ctr"/>
-            <a:endParaRPr lang="en-US"/>
-          </a:p>
-        </p:txBody>
-      </p:sp>
-      <p:sp>
-        <p:nvSpPr>
-          <p:cNvPr id="5" name="Rectangle 4">
-            <a:extLst>
-              <a:ext uri="{FF2B5EF4-FFF2-40B4-BE49-F238E27FC236}">
-                <a16:creationId xmlns:a16="http://schemas.microsoft.com/office/drawing/2014/main" id="{AB9A4D04-3177-FA44-8507-74FFB8114F1C}"/>
-              </a:ext>
-            </a:extLst>
-          </p:cNvPr>
-          <p:cNvSpPr/>
-          <p:nvPr/>
-        </p:nvSpPr>
-        <p:spPr>
-          <a:xfrm>
-            <a:off x="3472778" y="3190673"/>
-            <a:ext cx="1293778" cy="1293778"/>
-          </a:xfrm>
-          <a:prstGeom prst="rect">
-            <a:avLst/>
-          </a:prstGeom>
-          <a:solidFill>
-            <a:schemeClr val="accent1">
-              <a:lumMod val="40000"/>
-              <a:lumOff val="60000"/>
-            </a:schemeClr>
-          </a:solidFill>
-          <a:ln w="25400">
-            <a:solidFill>
-              <a:schemeClr val="tx1"/>
-            </a:solidFill>
-          </a:ln>
-        </p:spPr>
-        <p:style>
-          <a:lnRef idx="2">
-            <a:schemeClr val="accent1">
-              <a:shade val="50000"/>
-            </a:schemeClr>
-          </a:lnRef>
-          <a:fillRef idx="1">
-            <a:schemeClr val="accent1"/>
-          </a:fillRef>
-          <a:effectRef idx="0">
-            <a:schemeClr val="accent1"/>
-          </a:effectRef>
-          <a:fontRef idx="minor">
-            <a:schemeClr val="lt1"/>
-          </a:fontRef>
-        </p:style>
-        <p:txBody>
-          <a:bodyPr rtlCol="0" anchor="ctr"/>
-          <a:lstStyle/>
-          <a:p>
-            <a:pPr algn="ctr"/>
-            <a:endParaRPr lang="en-US"/>
-          </a:p>
-        </p:txBody>
-      </p:sp>
-      <p:sp>
-        <p:nvSpPr>
-          <p:cNvPr id="6" name="Rectangle 5">
-            <a:extLst>
-              <a:ext uri="{FF2B5EF4-FFF2-40B4-BE49-F238E27FC236}">
-                <a16:creationId xmlns:a16="http://schemas.microsoft.com/office/drawing/2014/main" id="{A17CDD01-2EAC-684A-809D-F409A941874C}"/>
-              </a:ext>
-            </a:extLst>
-          </p:cNvPr>
-          <p:cNvSpPr/>
-          <p:nvPr/>
-        </p:nvSpPr>
-        <p:spPr>
-          <a:xfrm>
-            <a:off x="4766556" y="1899834"/>
-            <a:ext cx="1293778" cy="1293778"/>
-          </a:xfrm>
-          <a:prstGeom prst="rect">
-            <a:avLst/>
-          </a:prstGeom>
-          <a:solidFill>
-            <a:schemeClr val="accent1">
-              <a:lumMod val="20000"/>
-              <a:lumOff val="80000"/>
-            </a:schemeClr>
-          </a:solidFill>
-          <a:ln w="25400">
-            <a:solidFill>
-              <a:schemeClr val="tx1"/>
-            </a:solidFill>
-          </a:ln>
-        </p:spPr>
-        <p:style>
-          <a:lnRef idx="2">
-            <a:schemeClr val="accent1">
-              <a:shade val="50000"/>
-            </a:schemeClr>
-          </a:lnRef>
-          <a:fillRef idx="1">
-            <a:schemeClr val="accent1"/>
-          </a:fillRef>
-          <a:effectRef idx="0">
-            <a:schemeClr val="accent1"/>
-          </a:effectRef>
-          <a:fontRef idx="minor">
-            <a:schemeClr val="lt1"/>
-          </a:fontRef>
-        </p:style>
-        <p:txBody>
-          <a:bodyPr rtlCol="0" anchor="ctr"/>
-          <a:lstStyle/>
-          <a:p>
-            <a:pPr algn="ctr"/>
-            <a:endParaRPr lang="en-US"/>
-          </a:p>
-        </p:txBody>
-      </p:sp>
-      <p:sp>
-        <p:nvSpPr>
-          <p:cNvPr id="7" name="TextBox 6">
-            <a:extLst>
-              <a:ext uri="{FF2B5EF4-FFF2-40B4-BE49-F238E27FC236}">
-                <a16:creationId xmlns:a16="http://schemas.microsoft.com/office/drawing/2014/main" id="{7CFFDFFB-218A-7148-8069-21772E9A0D1A}"/>
-              </a:ext>
-            </a:extLst>
-          </p:cNvPr>
-          <p:cNvSpPr txBox="1"/>
-          <p:nvPr/>
-        </p:nvSpPr>
-        <p:spPr>
-          <a:xfrm>
-            <a:off x="2274453" y="2359118"/>
-            <a:ext cx="1102873" cy="369332"/>
-          </a:xfrm>
-          <a:prstGeom prst="rect">
-            <a:avLst/>
-          </a:prstGeom>
-          <a:noFill/>
-        </p:spPr>
         <p:txBody>
           <a:bodyPr wrap="square" rtlCol="0">
             <a:spAutoFit/>
           </a:bodyPr>
           <a:lstStyle/>
           <a:p>
-            <a:pPr algn="r"/>
-            <a:r>
-              <a:rPr lang="en-US" dirty="0">
-                <a:latin typeface="Arial" panose="020B0604020202020204" pitchFamily="34" charset="0"/>
-                <a:cs typeface="Arial" panose="020B0604020202020204" pitchFamily="34" charset="0"/>
-              </a:rPr>
-              <a:t>Class A</a:t>
-            </a:r>
-          </a:p>
-        </p:txBody>
-      </p:sp>
-      <p:sp>
-        <p:nvSpPr>
-          <p:cNvPr id="8" name="TextBox 7">
-            <a:extLst>
-              <a:ext uri="{FF2B5EF4-FFF2-40B4-BE49-F238E27FC236}">
-                <a16:creationId xmlns:a16="http://schemas.microsoft.com/office/drawing/2014/main" id="{CCB1FF85-4FEE-844F-B163-1911491AF73F}"/>
-              </a:ext>
-            </a:extLst>
-          </p:cNvPr>
-          <p:cNvSpPr txBox="1"/>
-          <p:nvPr/>
-        </p:nvSpPr>
-        <p:spPr>
-          <a:xfrm>
-            <a:off x="2274452" y="3652896"/>
-            <a:ext cx="1102873" cy="369332"/>
-          </a:xfrm>
-          <a:prstGeom prst="rect">
-            <a:avLst/>
-          </a:prstGeom>
-          <a:noFill/>
-        </p:spPr>
-        <p:txBody>
-          <a:bodyPr wrap="square" rtlCol="0">
-            <a:spAutoFit/>
-          </a:bodyPr>
-          <a:lstStyle/>
-          <a:p>
-            <a:pPr algn="r"/>
-            <a:r>
-              <a:rPr lang="en-US" dirty="0">
-                <a:latin typeface="Arial" panose="020B0604020202020204" pitchFamily="34" charset="0"/>
-                <a:cs typeface="Arial" panose="020B0604020202020204" pitchFamily="34" charset="0"/>
-              </a:rPr>
-              <a:t>Class B</a:t>
-            </a:r>
-          </a:p>
-        </p:txBody>
-      </p:sp>
-      <p:sp>
-        <p:nvSpPr>
-          <p:cNvPr id="9" name="TextBox 8">
-            <a:extLst>
-              <a:ext uri="{FF2B5EF4-FFF2-40B4-BE49-F238E27FC236}">
-                <a16:creationId xmlns:a16="http://schemas.microsoft.com/office/drawing/2014/main" id="{DADAA805-3A2B-1E4D-A82E-676F213D28C6}"/>
-              </a:ext>
-            </a:extLst>
-          </p:cNvPr>
-          <p:cNvSpPr txBox="1"/>
-          <p:nvPr/>
-        </p:nvSpPr>
-        <p:spPr>
-          <a:xfrm>
-            <a:off x="3568230" y="4567614"/>
-            <a:ext cx="1102873" cy="369332"/>
-          </a:xfrm>
-          <a:prstGeom prst="rect">
-            <a:avLst/>
-          </a:prstGeom>
-          <a:noFill/>
-        </p:spPr>
-        <p:txBody>
-          <a:bodyPr wrap="square" rtlCol="0">
-            <a:spAutoFit/>
-          </a:bodyPr>
-          <a:lstStyle/>
-          <a:p>
-            <a:pPr algn="ctr"/>
-            <a:r>
-              <a:rPr lang="en-US" dirty="0">
-                <a:latin typeface="Arial" panose="020B0604020202020204" pitchFamily="34" charset="0"/>
-                <a:cs typeface="Arial" panose="020B0604020202020204" pitchFamily="34" charset="0"/>
-              </a:rPr>
-              <a:t>Class A</a:t>
-            </a:r>
-          </a:p>
-        </p:txBody>
-      </p:sp>
-      <p:sp>
-        <p:nvSpPr>
-          <p:cNvPr id="10" name="TextBox 9">
-            <a:extLst>
-              <a:ext uri="{FF2B5EF4-FFF2-40B4-BE49-F238E27FC236}">
-                <a16:creationId xmlns:a16="http://schemas.microsoft.com/office/drawing/2014/main" id="{5CE2F01E-2C36-9A48-999C-8613A6555828}"/>
-              </a:ext>
-            </a:extLst>
-          </p:cNvPr>
-          <p:cNvSpPr txBox="1"/>
-          <p:nvPr/>
-        </p:nvSpPr>
-        <p:spPr>
-          <a:xfrm>
-            <a:off x="4862008" y="4567614"/>
-            <a:ext cx="1102873" cy="369332"/>
-          </a:xfrm>
-          <a:prstGeom prst="rect">
-            <a:avLst/>
-          </a:prstGeom>
-          <a:noFill/>
-        </p:spPr>
-        <p:txBody>
-          <a:bodyPr wrap="square" rtlCol="0">
-            <a:spAutoFit/>
-          </a:bodyPr>
-          <a:lstStyle/>
-          <a:p>
-            <a:pPr algn="ctr"/>
-            <a:r>
-              <a:rPr lang="en-US" dirty="0">
-                <a:latin typeface="Arial" panose="020B0604020202020204" pitchFamily="34" charset="0"/>
-                <a:cs typeface="Arial" panose="020B0604020202020204" pitchFamily="34" charset="0"/>
-              </a:rPr>
-              <a:t>Class B</a:t>
-            </a:r>
-          </a:p>
-        </p:txBody>
-      </p:sp>
-      <p:sp>
-        <p:nvSpPr>
-          <p:cNvPr id="11" name="TextBox 10">
-            <a:extLst>
-              <a:ext uri="{FF2B5EF4-FFF2-40B4-BE49-F238E27FC236}">
-                <a16:creationId xmlns:a16="http://schemas.microsoft.com/office/drawing/2014/main" id="{899EDB7A-C616-4F42-9E02-E9A5C9203594}"/>
-              </a:ext>
-            </a:extLst>
-          </p:cNvPr>
-          <p:cNvSpPr txBox="1"/>
-          <p:nvPr/>
-        </p:nvSpPr>
-        <p:spPr>
-          <a:xfrm rot="16200000">
-            <a:off x="1364916" y="3006007"/>
-            <a:ext cx="1819072" cy="369332"/>
-          </a:xfrm>
-          <a:prstGeom prst="rect">
-            <a:avLst/>
-          </a:prstGeom>
-          <a:noFill/>
-        </p:spPr>
-        <p:txBody>
-          <a:bodyPr wrap="square" rtlCol="0">
-            <a:spAutoFit/>
-          </a:bodyPr>
-          <a:lstStyle/>
-          <a:p>
-            <a:pPr algn="ctr"/>
-            <a:r>
-              <a:rPr lang="en-US" dirty="0">
-                <a:latin typeface="Arial" panose="020B0604020202020204" pitchFamily="34" charset="0"/>
-                <a:cs typeface="Arial" panose="020B0604020202020204" pitchFamily="34" charset="0"/>
-              </a:rPr>
-              <a:t>True Label</a:t>
-            </a:r>
-          </a:p>
-        </p:txBody>
-      </p:sp>
-      <p:sp>
-        <p:nvSpPr>
-          <p:cNvPr id="12" name="TextBox 11">
-            <a:extLst>
-              <a:ext uri="{FF2B5EF4-FFF2-40B4-BE49-F238E27FC236}">
-                <a16:creationId xmlns:a16="http://schemas.microsoft.com/office/drawing/2014/main" id="{1E94280F-7350-A443-AC45-8263977344B9}"/>
-              </a:ext>
-            </a:extLst>
-          </p:cNvPr>
-          <p:cNvSpPr txBox="1"/>
-          <p:nvPr/>
-        </p:nvSpPr>
-        <p:spPr>
-          <a:xfrm>
-            <a:off x="3855193" y="4899804"/>
-            <a:ext cx="1819072" cy="369332"/>
-          </a:xfrm>
-          <a:prstGeom prst="rect">
-            <a:avLst/>
-          </a:prstGeom>
-          <a:noFill/>
-        </p:spPr>
-        <p:txBody>
-          <a:bodyPr wrap="square" rtlCol="0">
-            <a:spAutoFit/>
-          </a:bodyPr>
-          <a:lstStyle/>
-          <a:p>
-            <a:pPr algn="ctr"/>
-            <a:r>
-              <a:rPr lang="en-US" dirty="0">
-                <a:latin typeface="Arial" panose="020B0604020202020204" pitchFamily="34" charset="0"/>
-                <a:cs typeface="Arial" panose="020B0604020202020204" pitchFamily="34" charset="0"/>
-              </a:rPr>
-              <a:t>Predicted Label</a:t>
-            </a:r>
-          </a:p>
-        </p:txBody>
-      </p:sp>
-      <p:sp>
-        <p:nvSpPr>
-          <p:cNvPr id="13" name="TextBox 12">
-            <a:extLst>
-              <a:ext uri="{FF2B5EF4-FFF2-40B4-BE49-F238E27FC236}">
-                <a16:creationId xmlns:a16="http://schemas.microsoft.com/office/drawing/2014/main" id="{E1DED320-C95C-6443-BD42-1CB43ADA583B}"/>
-              </a:ext>
-            </a:extLst>
-          </p:cNvPr>
-          <p:cNvSpPr txBox="1"/>
-          <p:nvPr/>
-        </p:nvSpPr>
-        <p:spPr>
-          <a:xfrm>
-            <a:off x="3628421" y="2359118"/>
-            <a:ext cx="982493" cy="369332"/>
-          </a:xfrm>
-          <a:prstGeom prst="rect">
-            <a:avLst/>
-          </a:prstGeom>
-          <a:noFill/>
-        </p:spPr>
-        <p:txBody>
-          <a:bodyPr wrap="square" rtlCol="0">
-            <a:spAutoFit/>
-          </a:bodyPr>
-          <a:lstStyle/>
-          <a:p>
-            <a:pPr algn="ctr"/>
-            <a:r>
-              <a:rPr lang="en-US" dirty="0">
+            <a:r>
+              <a:rPr lang="en-US" b="1" dirty="0">
                 <a:solidFill>
-                  <a:schemeClr val="bg1"/>
+                  <a:schemeClr val="accent6">
+                    <a:lumMod val="75000"/>
+                  </a:schemeClr>
                 </a:solidFill>
-                <a:latin typeface="Arial" panose="020B0604020202020204" pitchFamily="34" charset="0"/>
-                <a:cs typeface="Arial" panose="020B0604020202020204" pitchFamily="34" charset="0"/>
-              </a:rPr>
-              <a:t>80</a:t>
-            </a:r>
-          </a:p>
-        </p:txBody>
-      </p:sp>
-      <p:sp>
-        <p:nvSpPr>
-          <p:cNvPr id="14" name="TextBox 13">
-            <a:extLst>
-              <a:ext uri="{FF2B5EF4-FFF2-40B4-BE49-F238E27FC236}">
-                <a16:creationId xmlns:a16="http://schemas.microsoft.com/office/drawing/2014/main" id="{A6DCEA92-D09A-3C47-B656-68867CE99154}"/>
-              </a:ext>
-            </a:extLst>
-          </p:cNvPr>
-          <p:cNvSpPr txBox="1"/>
-          <p:nvPr/>
-        </p:nvSpPr>
-        <p:spPr>
-          <a:xfrm>
-            <a:off x="4922199" y="2359118"/>
-            <a:ext cx="982493" cy="369332"/>
-          </a:xfrm>
-          <a:prstGeom prst="rect">
-            <a:avLst/>
-          </a:prstGeom>
-          <a:noFill/>
-        </p:spPr>
-        <p:txBody>
-          <a:bodyPr wrap="square" rtlCol="0">
-            <a:spAutoFit/>
-          </a:bodyPr>
-          <a:lstStyle/>
-          <a:p>
-            <a:pPr algn="ctr"/>
-            <a:r>
-              <a:rPr lang="en-US" dirty="0">
-                <a:latin typeface="Arial" panose="020B0604020202020204" pitchFamily="34" charset="0"/>
-                <a:cs typeface="Arial" panose="020B0604020202020204" pitchFamily="34" charset="0"/>
-              </a:rPr>
-              <a:t>20</a:t>
-            </a:r>
-          </a:p>
-        </p:txBody>
-      </p:sp>
-      <p:sp>
-        <p:nvSpPr>
-          <p:cNvPr id="15" name="TextBox 14">
-            <a:extLst>
-              <a:ext uri="{FF2B5EF4-FFF2-40B4-BE49-F238E27FC236}">
-                <a16:creationId xmlns:a16="http://schemas.microsoft.com/office/drawing/2014/main" id="{A03F5E05-B263-2643-A4B1-77E1C7D06672}"/>
-              </a:ext>
-            </a:extLst>
-          </p:cNvPr>
-          <p:cNvSpPr txBox="1"/>
-          <p:nvPr/>
-        </p:nvSpPr>
-        <p:spPr>
-          <a:xfrm>
-            <a:off x="3628419" y="3653214"/>
-            <a:ext cx="982493" cy="369332"/>
-          </a:xfrm>
-          <a:prstGeom prst="rect">
-            <a:avLst/>
-          </a:prstGeom>
-          <a:noFill/>
-        </p:spPr>
-        <p:txBody>
-          <a:bodyPr wrap="square" rtlCol="0">
-            <a:spAutoFit/>
-          </a:bodyPr>
-          <a:lstStyle/>
-          <a:p>
-            <a:pPr algn="ctr"/>
-            <a:r>
-              <a:rPr lang="en-US" dirty="0">
-                <a:latin typeface="Arial" panose="020B0604020202020204" pitchFamily="34" charset="0"/>
-                <a:cs typeface="Arial" panose="020B0604020202020204" pitchFamily="34" charset="0"/>
-              </a:rPr>
-              <a:t>40</a:t>
-            </a:r>
-          </a:p>
-        </p:txBody>
-      </p:sp>
-      <p:sp>
-        <p:nvSpPr>
-          <p:cNvPr id="16" name="TextBox 15">
-            <a:extLst>
-              <a:ext uri="{FF2B5EF4-FFF2-40B4-BE49-F238E27FC236}">
-                <a16:creationId xmlns:a16="http://schemas.microsoft.com/office/drawing/2014/main" id="{699502BB-C22B-894E-B7E1-9ED68511F78F}"/>
-              </a:ext>
-            </a:extLst>
-          </p:cNvPr>
-          <p:cNvSpPr txBox="1"/>
-          <p:nvPr/>
-        </p:nvSpPr>
-        <p:spPr>
-          <a:xfrm>
-            <a:off x="4951378" y="3649957"/>
-            <a:ext cx="982493" cy="369332"/>
-          </a:xfrm>
-          <a:prstGeom prst="rect">
-            <a:avLst/>
-          </a:prstGeom>
-          <a:noFill/>
-        </p:spPr>
-        <p:txBody>
-          <a:bodyPr wrap="square" rtlCol="0">
-            <a:spAutoFit/>
-          </a:bodyPr>
-          <a:lstStyle/>
-          <a:p>
-            <a:pPr algn="ctr"/>
-            <a:r>
-              <a:rPr lang="en-US" dirty="0">
-                <a:latin typeface="Arial" panose="020B0604020202020204" pitchFamily="34" charset="0"/>
-                <a:cs typeface="Arial" panose="020B0604020202020204" pitchFamily="34" charset="0"/>
-              </a:rPr>
-              <a:t>60</a:t>
-            </a:r>
-          </a:p>
-        </p:txBody>
-      </p:sp>
-      <p:sp>
-        <p:nvSpPr>
-          <p:cNvPr id="18" name="TextBox 17">
-            <a:extLst>
-              <a:ext uri="{FF2B5EF4-FFF2-40B4-BE49-F238E27FC236}">
-                <a16:creationId xmlns:a16="http://schemas.microsoft.com/office/drawing/2014/main" id="{435A1754-0E65-3D40-B97D-05C6CC995294}"/>
-              </a:ext>
-            </a:extLst>
-          </p:cNvPr>
-          <p:cNvSpPr txBox="1"/>
-          <p:nvPr/>
-        </p:nvSpPr>
-        <p:spPr>
-          <a:xfrm>
-            <a:off x="1014716" y="5499823"/>
-            <a:ext cx="7500026" cy="369332"/>
-          </a:xfrm>
-          <a:prstGeom prst="rect">
-            <a:avLst/>
-          </a:prstGeom>
-          <a:noFill/>
-        </p:spPr>
-        <p:txBody>
-          <a:bodyPr wrap="square" rtlCol="0">
-            <a:spAutoFit/>
-          </a:bodyPr>
-          <a:lstStyle/>
-          <a:p>
-            <a:pPr algn="ctr"/>
-            <a:r>
-              <a:rPr lang="en-US" dirty="0"/>
-              <a:t>Accuracy = 80+60/(80+20+40+60) = 140/200 = 0.70 = </a:t>
-            </a:r>
-            <a:r>
-              <a:rPr lang="en-US" b="1" dirty="0"/>
-              <a:t>70%</a:t>
+                <a:latin typeface="Courier" pitchFamily="2" charset="0"/>
+              </a:rPr>
+              <a:t>from</a:t>
+            </a:r>
+            <a:r>
+              <a:rPr lang="en-US" dirty="0">
+                <a:latin typeface="Courier" pitchFamily="2" charset="0"/>
+              </a:rPr>
+              <a:t> </a:t>
+            </a:r>
+            <a:r>
+              <a:rPr lang="en-US" dirty="0" err="1">
+                <a:latin typeface="Courier" pitchFamily="2" charset="0"/>
+              </a:rPr>
+              <a:t>sklearn.model_selection</a:t>
+            </a:r>
+            <a:r>
+              <a:rPr lang="en-US" dirty="0">
+                <a:latin typeface="Courier" pitchFamily="2" charset="0"/>
+              </a:rPr>
+              <a:t> </a:t>
+            </a:r>
+            <a:r>
+              <a:rPr lang="en-US" b="1" dirty="0">
+                <a:solidFill>
+                  <a:schemeClr val="accent6">
+                    <a:lumMod val="75000"/>
+                  </a:schemeClr>
+                </a:solidFill>
+                <a:latin typeface="Courier" pitchFamily="2" charset="0"/>
+              </a:rPr>
+              <a:t>import</a:t>
+            </a:r>
+            <a:r>
+              <a:rPr lang="en-US" dirty="0">
+                <a:latin typeface="Courier" pitchFamily="2" charset="0"/>
+              </a:rPr>
+              <a:t> </a:t>
+            </a:r>
+            <a:r>
+              <a:rPr lang="en-US" dirty="0" err="1">
+                <a:latin typeface="Courier" pitchFamily="2" charset="0"/>
+              </a:rPr>
+              <a:t>GridSearchCV</a:t>
+            </a:r>
+            <a:endParaRPr lang="en-US" dirty="0">
+              <a:latin typeface="Courier" pitchFamily="2" charset="0"/>
+            </a:endParaRPr>
+          </a:p>
+          <a:p>
+            <a:r>
+              <a:rPr lang="en-US" b="1" dirty="0">
+                <a:solidFill>
+                  <a:schemeClr val="accent6">
+                    <a:lumMod val="75000"/>
+                  </a:schemeClr>
+                </a:solidFill>
+                <a:latin typeface="Courier" pitchFamily="2" charset="0"/>
+              </a:rPr>
+              <a:t>from</a:t>
+            </a:r>
+            <a:r>
+              <a:rPr lang="en-US" dirty="0">
+                <a:latin typeface="Courier" pitchFamily="2" charset="0"/>
+              </a:rPr>
+              <a:t> </a:t>
+            </a:r>
+            <a:r>
+              <a:rPr lang="en-US" dirty="0" err="1">
+                <a:latin typeface="Courier" pitchFamily="2" charset="0"/>
+              </a:rPr>
+              <a:t>sklearn.neighbors</a:t>
+            </a:r>
+            <a:r>
+              <a:rPr lang="en-US" dirty="0">
+                <a:latin typeface="Courier" pitchFamily="2" charset="0"/>
+              </a:rPr>
+              <a:t> </a:t>
+            </a:r>
+            <a:r>
+              <a:rPr lang="en-US" b="1" dirty="0">
+                <a:solidFill>
+                  <a:schemeClr val="accent6">
+                    <a:lumMod val="75000"/>
+                  </a:schemeClr>
+                </a:solidFill>
+                <a:latin typeface="Courier" pitchFamily="2" charset="0"/>
+              </a:rPr>
+              <a:t>import</a:t>
+            </a:r>
+            <a:r>
+              <a:rPr lang="en-US" dirty="0">
+                <a:latin typeface="Courier" pitchFamily="2" charset="0"/>
+              </a:rPr>
+              <a:t> </a:t>
+            </a:r>
+            <a:r>
+              <a:rPr lang="en-US" dirty="0" err="1">
+                <a:latin typeface="Courier" pitchFamily="2" charset="0"/>
+              </a:rPr>
+              <a:t>KNeighborsClassifier</a:t>
+            </a:r>
+            <a:endParaRPr lang="en-US" dirty="0">
+              <a:latin typeface="Courier" pitchFamily="2" charset="0"/>
+            </a:endParaRPr>
+          </a:p>
+          <a:p>
+            <a:endParaRPr lang="en-US" dirty="0">
+              <a:latin typeface="Courier" pitchFamily="2" charset="0"/>
+            </a:endParaRPr>
+          </a:p>
+          <a:p>
+            <a:r>
+              <a:rPr lang="en-US" dirty="0">
+                <a:latin typeface="Courier" pitchFamily="2" charset="0"/>
+              </a:rPr>
+              <a:t>parameters = {</a:t>
+            </a:r>
+            <a:r>
+              <a:rPr lang="en-US" dirty="0">
+                <a:solidFill>
+                  <a:srgbClr val="FF0000"/>
+                </a:solidFill>
+                <a:latin typeface="Courier" pitchFamily="2" charset="0"/>
+              </a:rPr>
+              <a:t>'p’</a:t>
+            </a:r>
+            <a:r>
+              <a:rPr lang="en-US" dirty="0">
+                <a:latin typeface="Courier" pitchFamily="2" charset="0"/>
+              </a:rPr>
+              <a:t>:[</a:t>
+            </a:r>
+            <a:r>
+              <a:rPr lang="en-US" dirty="0">
+                <a:solidFill>
+                  <a:schemeClr val="accent6">
+                    <a:lumMod val="75000"/>
+                  </a:schemeClr>
+                </a:solidFill>
+                <a:latin typeface="Courier" pitchFamily="2" charset="0"/>
+              </a:rPr>
+              <a:t>1</a:t>
+            </a:r>
+            <a:r>
+              <a:rPr lang="en-US" dirty="0">
+                <a:latin typeface="Courier" pitchFamily="2" charset="0"/>
+              </a:rPr>
+              <a:t>,</a:t>
+            </a:r>
+            <a:r>
+              <a:rPr lang="en-US" dirty="0">
+                <a:solidFill>
+                  <a:schemeClr val="accent6">
+                    <a:lumMod val="75000"/>
+                  </a:schemeClr>
+                </a:solidFill>
+                <a:latin typeface="Courier" pitchFamily="2" charset="0"/>
+              </a:rPr>
+              <a:t>2</a:t>
+            </a:r>
+            <a:r>
+              <a:rPr lang="en-US" dirty="0">
+                <a:latin typeface="Courier" pitchFamily="2" charset="0"/>
+              </a:rPr>
+              <a:t>,</a:t>
+            </a:r>
+            <a:r>
+              <a:rPr lang="en-US" dirty="0">
+                <a:solidFill>
+                  <a:schemeClr val="accent6">
+                    <a:lumMod val="75000"/>
+                  </a:schemeClr>
+                </a:solidFill>
+                <a:latin typeface="Courier" pitchFamily="2" charset="0"/>
+              </a:rPr>
+              <a:t>3</a:t>
+            </a:r>
+            <a:r>
+              <a:rPr lang="en-US" dirty="0">
+                <a:latin typeface="Courier" pitchFamily="2" charset="0"/>
+              </a:rPr>
+              <a:t>,</a:t>
+            </a:r>
+            <a:r>
+              <a:rPr lang="en-US" dirty="0">
+                <a:solidFill>
+                  <a:schemeClr val="accent6">
+                    <a:lumMod val="75000"/>
+                  </a:schemeClr>
+                </a:solidFill>
+                <a:latin typeface="Courier" pitchFamily="2" charset="0"/>
+              </a:rPr>
+              <a:t>4</a:t>
+            </a:r>
+            <a:r>
+              <a:rPr lang="en-US" dirty="0">
+                <a:latin typeface="Courier" pitchFamily="2" charset="0"/>
+              </a:rPr>
+              <a:t>,</a:t>
+            </a:r>
+            <a:r>
+              <a:rPr lang="en-US" dirty="0">
+                <a:solidFill>
+                  <a:schemeClr val="accent6">
+                    <a:lumMod val="75000"/>
+                  </a:schemeClr>
+                </a:solidFill>
+                <a:latin typeface="Courier" pitchFamily="2" charset="0"/>
+              </a:rPr>
+              <a:t>5</a:t>
+            </a:r>
+            <a:r>
+              <a:rPr lang="en-US" dirty="0">
+                <a:latin typeface="Courier" pitchFamily="2" charset="0"/>
+              </a:rPr>
+              <a:t>],</a:t>
+            </a:r>
+          </a:p>
+          <a:p>
+            <a:r>
+              <a:rPr lang="en-US" dirty="0">
+                <a:latin typeface="Courier" pitchFamily="2" charset="0"/>
+              </a:rPr>
+              <a:t>              </a:t>
+            </a:r>
+            <a:r>
+              <a:rPr lang="en-US" dirty="0">
+                <a:solidFill>
+                  <a:srgbClr val="FF0000"/>
+                </a:solidFill>
+                <a:latin typeface="Courier" pitchFamily="2" charset="0"/>
+              </a:rPr>
+              <a:t>'</a:t>
+            </a:r>
+            <a:r>
+              <a:rPr lang="en-US" dirty="0" err="1">
+                <a:solidFill>
+                  <a:srgbClr val="FF0000"/>
+                </a:solidFill>
+                <a:latin typeface="Courier" pitchFamily="2" charset="0"/>
+              </a:rPr>
+              <a:t>n_neighbors</a:t>
+            </a:r>
+            <a:r>
+              <a:rPr lang="en-US" dirty="0">
+                <a:solidFill>
+                  <a:srgbClr val="FF0000"/>
+                </a:solidFill>
+                <a:latin typeface="Courier" pitchFamily="2" charset="0"/>
+              </a:rPr>
+              <a:t>’</a:t>
+            </a:r>
+            <a:r>
+              <a:rPr lang="en-US" dirty="0">
+                <a:latin typeface="Courier" pitchFamily="2" charset="0"/>
+              </a:rPr>
+              <a:t>:[</a:t>
+            </a:r>
+            <a:r>
+              <a:rPr lang="en-US" dirty="0">
+                <a:solidFill>
+                  <a:schemeClr val="accent6">
+                    <a:lumMod val="75000"/>
+                  </a:schemeClr>
+                </a:solidFill>
+                <a:latin typeface="Courier" pitchFamily="2" charset="0"/>
+              </a:rPr>
+              <a:t>3</a:t>
+            </a:r>
+            <a:r>
+              <a:rPr lang="en-US" dirty="0">
+                <a:latin typeface="Courier" pitchFamily="2" charset="0"/>
+              </a:rPr>
+              <a:t>,</a:t>
+            </a:r>
+            <a:r>
+              <a:rPr lang="en-US" dirty="0">
+                <a:solidFill>
+                  <a:schemeClr val="accent6">
+                    <a:lumMod val="75000"/>
+                  </a:schemeClr>
+                </a:solidFill>
+                <a:latin typeface="Courier" pitchFamily="2" charset="0"/>
+              </a:rPr>
+              <a:t>5</a:t>
+            </a:r>
+            <a:r>
+              <a:rPr lang="en-US" dirty="0">
+                <a:latin typeface="Courier" pitchFamily="2" charset="0"/>
+              </a:rPr>
+              <a:t>,</a:t>
+            </a:r>
+            <a:r>
+              <a:rPr lang="en-US" dirty="0">
+                <a:solidFill>
+                  <a:schemeClr val="accent6">
+                    <a:lumMod val="75000"/>
+                  </a:schemeClr>
+                </a:solidFill>
+                <a:latin typeface="Courier" pitchFamily="2" charset="0"/>
+              </a:rPr>
+              <a:t>7</a:t>
+            </a:r>
+            <a:r>
+              <a:rPr lang="en-US" dirty="0">
+                <a:latin typeface="Courier" pitchFamily="2" charset="0"/>
+              </a:rPr>
+              <a:t>,</a:t>
+            </a:r>
+            <a:r>
+              <a:rPr lang="en-US" dirty="0">
+                <a:solidFill>
+                  <a:schemeClr val="accent6">
+                    <a:lumMod val="75000"/>
+                  </a:schemeClr>
+                </a:solidFill>
+                <a:latin typeface="Courier" pitchFamily="2" charset="0"/>
+              </a:rPr>
+              <a:t>11</a:t>
+            </a:r>
+            <a:r>
+              <a:rPr lang="en-US" dirty="0">
+                <a:latin typeface="Courier" pitchFamily="2" charset="0"/>
+              </a:rPr>
+              <a:t>,</a:t>
+            </a:r>
+            <a:r>
+              <a:rPr lang="en-US" dirty="0">
+                <a:solidFill>
+                  <a:schemeClr val="accent6">
+                    <a:lumMod val="75000"/>
+                  </a:schemeClr>
+                </a:solidFill>
+                <a:latin typeface="Courier" pitchFamily="2" charset="0"/>
+              </a:rPr>
+              <a:t>13</a:t>
+            </a:r>
+            <a:r>
+              <a:rPr lang="en-US" dirty="0">
+                <a:latin typeface="Courier" pitchFamily="2" charset="0"/>
+              </a:rPr>
+              <a:t>,</a:t>
+            </a:r>
+            <a:r>
+              <a:rPr lang="en-US" dirty="0">
+                <a:solidFill>
+                  <a:schemeClr val="accent6">
+                    <a:lumMod val="75000"/>
+                  </a:schemeClr>
+                </a:solidFill>
+                <a:latin typeface="Courier" pitchFamily="2" charset="0"/>
+              </a:rPr>
+              <a:t>15</a:t>
+            </a:r>
+            <a:r>
+              <a:rPr lang="en-US" dirty="0">
+                <a:latin typeface="Courier" pitchFamily="2" charset="0"/>
+              </a:rPr>
+              <a:t>,</a:t>
+            </a:r>
+            <a:r>
+              <a:rPr lang="en-US" dirty="0">
+                <a:solidFill>
+                  <a:schemeClr val="accent6">
+                    <a:lumMod val="75000"/>
+                  </a:schemeClr>
+                </a:solidFill>
+                <a:latin typeface="Courier" pitchFamily="2" charset="0"/>
+              </a:rPr>
+              <a:t>17</a:t>
+            </a:r>
+            <a:r>
+              <a:rPr lang="en-US" dirty="0">
+                <a:latin typeface="Courier" pitchFamily="2" charset="0"/>
+              </a:rPr>
+              <a:t>]}</a:t>
+            </a:r>
+          </a:p>
+          <a:p>
+            <a:endParaRPr lang="en-US" dirty="0">
+              <a:latin typeface="Courier" pitchFamily="2" charset="0"/>
+            </a:endParaRPr>
+          </a:p>
+          <a:p>
+            <a:r>
+              <a:rPr lang="en-US" dirty="0" err="1">
+                <a:latin typeface="Courier" pitchFamily="2" charset="0"/>
+              </a:rPr>
+              <a:t>knn</a:t>
+            </a:r>
+            <a:r>
+              <a:rPr lang="en-US" dirty="0">
+                <a:latin typeface="Courier" pitchFamily="2" charset="0"/>
+              </a:rPr>
+              <a:t> </a:t>
+            </a:r>
+            <a:r>
+              <a:rPr lang="en-US" dirty="0">
+                <a:solidFill>
+                  <a:srgbClr val="9437FF"/>
+                </a:solidFill>
+                <a:latin typeface="Courier" pitchFamily="2" charset="0"/>
+              </a:rPr>
+              <a:t>=</a:t>
+            </a:r>
+            <a:r>
+              <a:rPr lang="en-US" dirty="0">
+                <a:latin typeface="Courier" pitchFamily="2" charset="0"/>
+              </a:rPr>
+              <a:t> </a:t>
+            </a:r>
+            <a:r>
+              <a:rPr lang="en-US" dirty="0" err="1">
+                <a:latin typeface="Courier" pitchFamily="2" charset="0"/>
+              </a:rPr>
+              <a:t>KNeighborsClassifier</a:t>
+            </a:r>
+            <a:r>
+              <a:rPr lang="en-US" dirty="0">
+                <a:latin typeface="Courier" pitchFamily="2" charset="0"/>
+              </a:rPr>
+              <a:t>()</a:t>
+            </a:r>
+          </a:p>
+          <a:p>
+            <a:endParaRPr lang="en-US" dirty="0">
+              <a:latin typeface="Courier" pitchFamily="2" charset="0"/>
+            </a:endParaRPr>
+          </a:p>
+          <a:p>
+            <a:r>
+              <a:rPr lang="en-US" dirty="0" err="1">
+                <a:latin typeface="Courier" pitchFamily="2" charset="0"/>
+              </a:rPr>
+              <a:t>gsc</a:t>
+            </a:r>
+            <a:r>
+              <a:rPr lang="en-US" dirty="0">
+                <a:latin typeface="Courier" pitchFamily="2" charset="0"/>
+              </a:rPr>
+              <a:t> </a:t>
+            </a:r>
+            <a:r>
+              <a:rPr lang="en-US" dirty="0">
+                <a:solidFill>
+                  <a:srgbClr val="9437FF"/>
+                </a:solidFill>
+                <a:latin typeface="Courier" pitchFamily="2" charset="0"/>
+              </a:rPr>
+              <a:t>=</a:t>
+            </a:r>
+            <a:r>
+              <a:rPr lang="en-US" dirty="0">
+                <a:latin typeface="Courier" pitchFamily="2" charset="0"/>
+              </a:rPr>
+              <a:t> </a:t>
+            </a:r>
+            <a:r>
+              <a:rPr lang="en-US" dirty="0" err="1">
+                <a:latin typeface="Courier" pitchFamily="2" charset="0"/>
+              </a:rPr>
+              <a:t>GridSearchCV</a:t>
+            </a:r>
+            <a:r>
+              <a:rPr lang="en-US" dirty="0">
+                <a:latin typeface="Courier" pitchFamily="2" charset="0"/>
+              </a:rPr>
+              <a:t>(</a:t>
+            </a:r>
+            <a:r>
+              <a:rPr lang="en-US" dirty="0" err="1">
+                <a:latin typeface="Courier" pitchFamily="2" charset="0"/>
+              </a:rPr>
+              <a:t>knn</a:t>
+            </a:r>
+            <a:r>
+              <a:rPr lang="en-US" dirty="0">
+                <a:latin typeface="Courier" pitchFamily="2" charset="0"/>
+              </a:rPr>
+              <a:t>, parameters)</a:t>
+            </a:r>
+          </a:p>
+          <a:p>
+            <a:r>
+              <a:rPr lang="en-US" dirty="0" err="1">
+                <a:latin typeface="Courier" pitchFamily="2" charset="0"/>
+              </a:rPr>
+              <a:t>gsc.fit</a:t>
+            </a:r>
+            <a:r>
+              <a:rPr lang="en-US" dirty="0">
+                <a:latin typeface="Courier" pitchFamily="2" charset="0"/>
+              </a:rPr>
+              <a:t>(</a:t>
+            </a:r>
+            <a:r>
+              <a:rPr lang="en-US" dirty="0" err="1">
+                <a:latin typeface="Courier" pitchFamily="2" charset="0"/>
+              </a:rPr>
+              <a:t>gs_data</a:t>
+            </a:r>
+            <a:r>
+              <a:rPr lang="en-US" dirty="0">
+                <a:latin typeface="Courier" pitchFamily="2" charset="0"/>
+              </a:rPr>
+              <a:t>, </a:t>
+            </a:r>
+            <a:r>
+              <a:rPr lang="en-US" dirty="0" err="1">
+                <a:latin typeface="Courier" pitchFamily="2" charset="0"/>
+              </a:rPr>
+              <a:t>gs_target</a:t>
+            </a:r>
+            <a:r>
+              <a:rPr lang="en-US" dirty="0">
+                <a:latin typeface="Courier" pitchFamily="2" charset="0"/>
+              </a:rPr>
+              <a:t>)</a:t>
+            </a:r>
+          </a:p>
+          <a:p>
+            <a:endParaRPr lang="en-US" dirty="0">
+              <a:latin typeface="Courier" pitchFamily="2" charset="0"/>
+            </a:endParaRPr>
+          </a:p>
+          <a:p>
+            <a:r>
+              <a:rPr lang="en-US" dirty="0" err="1">
+                <a:latin typeface="Courier" pitchFamily="2" charset="0"/>
+              </a:rPr>
+              <a:t>gsc.cv_results</a:t>
+            </a:r>
+            <a:r>
+              <a:rPr lang="en-US" dirty="0">
+                <a:latin typeface="Courier" pitchFamily="2" charset="0"/>
+              </a:rPr>
+              <a:t>_[</a:t>
+            </a:r>
+            <a:r>
+              <a:rPr lang="en-US" dirty="0">
+                <a:solidFill>
+                  <a:srgbClr val="FF0000"/>
+                </a:solidFill>
+                <a:latin typeface="Courier" pitchFamily="2" charset="0"/>
+              </a:rPr>
+              <a:t>'</a:t>
+            </a:r>
+            <a:r>
+              <a:rPr lang="en-US" dirty="0" err="1">
+                <a:solidFill>
+                  <a:srgbClr val="FF0000"/>
+                </a:solidFill>
+                <a:latin typeface="Courier" pitchFamily="2" charset="0"/>
+              </a:rPr>
+              <a:t>mean_test_score</a:t>
+            </a:r>
+            <a:r>
+              <a:rPr lang="en-US" dirty="0">
+                <a:solidFill>
+                  <a:srgbClr val="FF0000"/>
+                </a:solidFill>
+                <a:latin typeface="Courier" pitchFamily="2" charset="0"/>
+              </a:rPr>
+              <a:t>']</a:t>
+            </a:r>
+          </a:p>
+          <a:p>
+            <a:r>
+              <a:rPr lang="en-US" dirty="0" err="1">
+                <a:latin typeface="Courier" pitchFamily="2" charset="0"/>
+              </a:rPr>
+              <a:t>gsc.cv_results</a:t>
+            </a:r>
+            <a:r>
+              <a:rPr lang="en-US" dirty="0">
+                <a:latin typeface="Courier" pitchFamily="2" charset="0"/>
+              </a:rPr>
+              <a:t>_[</a:t>
+            </a:r>
+            <a:r>
+              <a:rPr lang="en-US" dirty="0">
+                <a:solidFill>
+                  <a:srgbClr val="FF0000"/>
+                </a:solidFill>
+                <a:latin typeface="Courier" pitchFamily="2" charset="0"/>
+              </a:rPr>
+              <a:t>'</a:t>
+            </a:r>
+            <a:r>
+              <a:rPr lang="en-US" dirty="0" err="1">
+                <a:solidFill>
+                  <a:srgbClr val="FF0000"/>
+                </a:solidFill>
+                <a:latin typeface="Courier" pitchFamily="2" charset="0"/>
+              </a:rPr>
+              <a:t>params</a:t>
+            </a:r>
+            <a:r>
+              <a:rPr lang="en-US" dirty="0">
+                <a:solidFill>
+                  <a:srgbClr val="FF0000"/>
+                </a:solidFill>
+                <a:latin typeface="Courier" pitchFamily="2" charset="0"/>
+              </a:rPr>
+              <a:t>']</a:t>
             </a:r>
           </a:p>
         </p:txBody>
@@ -5873,7 +5589,7 @@
     </p:spTree>
     <p:extLst>
       <p:ext uri="{BB962C8B-B14F-4D97-AF65-F5344CB8AC3E}">
-        <p14:creationId xmlns:p14="http://schemas.microsoft.com/office/powerpoint/2010/main" val="1196827585"/>
+        <p14:creationId xmlns:p14="http://schemas.microsoft.com/office/powerpoint/2010/main" val="3037421272"/>
       </p:ext>
     </p:extLst>
   </p:cSld>
@@ -5927,7 +5643,7 @@
                 <a:latin typeface="Arial" panose="020B0604020202020204" pitchFamily="34" charset="0"/>
                 <a:cs typeface="Arial" panose="020B0604020202020204" pitchFamily="34" charset="0"/>
               </a:rPr>
-              <a:t>Accuracy Can Be Misleading</a:t>
+              <a:t>Confusion Matrix</a:t>
             </a:r>
           </a:p>
         </p:txBody>
@@ -5937,7 +5653,7 @@
           <p:cNvPr id="3" name="Rectangle 2">
             <a:extLst>
               <a:ext uri="{FF2B5EF4-FFF2-40B4-BE49-F238E27FC236}">
-                <a16:creationId xmlns:a16="http://schemas.microsoft.com/office/drawing/2014/main" id="{49EBF012-214B-844D-A16C-8E6F90E21BA6}"/>
+                <a16:creationId xmlns:a16="http://schemas.microsoft.com/office/drawing/2014/main" id="{6BFCD425-60FC-DB43-9471-BD8B36FFCA41}"/>
               </a:ext>
             </a:extLst>
           </p:cNvPr>
@@ -5946,7 +5662,7 @@
         </p:nvSpPr>
         <p:spPr>
           <a:xfrm>
-            <a:off x="3472778" y="1896892"/>
+            <a:off x="3472778" y="1896895"/>
             <a:ext cx="1293778" cy="1293778"/>
           </a:xfrm>
           <a:prstGeom prst="rect">
@@ -5954,7 +5670,7 @@
           </a:prstGeom>
           <a:solidFill>
             <a:schemeClr val="accent1">
-              <a:lumMod val="50000"/>
+              <a:lumMod val="75000"/>
             </a:schemeClr>
           </a:solidFill>
           <a:ln w="25400">
@@ -5993,7 +5709,7 @@
           <p:cNvPr id="4" name="Rectangle 3">
             <a:extLst>
               <a:ext uri="{FF2B5EF4-FFF2-40B4-BE49-F238E27FC236}">
-                <a16:creationId xmlns:a16="http://schemas.microsoft.com/office/drawing/2014/main" id="{6FB3C45D-52C1-6042-A13D-A95F6887D0BE}"/>
+                <a16:creationId xmlns:a16="http://schemas.microsoft.com/office/drawing/2014/main" id="{CF3109F3-FB3E-7941-A3E4-62AFDB57E62F}"/>
               </a:ext>
             </a:extLst>
           </p:cNvPr>
@@ -6002,14 +5718,17 @@
         </p:nvSpPr>
         <p:spPr>
           <a:xfrm>
-            <a:off x="4766556" y="3190670"/>
+            <a:off x="4766556" y="3190673"/>
             <a:ext cx="1293778" cy="1293778"/>
           </a:xfrm>
           <a:prstGeom prst="rect">
             <a:avLst/>
           </a:prstGeom>
           <a:solidFill>
-            <a:schemeClr val="bg1"/>
+            <a:schemeClr val="accent1">
+              <a:lumMod val="60000"/>
+              <a:lumOff val="40000"/>
+            </a:schemeClr>
           </a:solidFill>
           <a:ln w="25400">
             <a:solidFill>
@@ -6047,7 +5766,7 @@
           <p:cNvPr id="5" name="Rectangle 4">
             <a:extLst>
               <a:ext uri="{FF2B5EF4-FFF2-40B4-BE49-F238E27FC236}">
-                <a16:creationId xmlns:a16="http://schemas.microsoft.com/office/drawing/2014/main" id="{2FEFE786-2606-AD45-AB58-111AA11C3CCB}"/>
+                <a16:creationId xmlns:a16="http://schemas.microsoft.com/office/drawing/2014/main" id="{AB9A4D04-3177-FA44-8507-74FFB8114F1C}"/>
               </a:ext>
             </a:extLst>
           </p:cNvPr>
@@ -6056,7 +5775,7 @@
         </p:nvSpPr>
         <p:spPr>
           <a:xfrm>
-            <a:off x="3472778" y="3190670"/>
+            <a:off x="3472778" y="3190673"/>
             <a:ext cx="1293778" cy="1293778"/>
           </a:xfrm>
           <a:prstGeom prst="rect">
@@ -6064,7 +5783,8 @@
           </a:prstGeom>
           <a:solidFill>
             <a:schemeClr val="accent1">
-              <a:lumMod val="50000"/>
+              <a:lumMod val="40000"/>
+              <a:lumOff val="60000"/>
             </a:schemeClr>
           </a:solidFill>
           <a:ln w="25400">
@@ -6103,7 +5823,7 @@
           <p:cNvPr id="6" name="Rectangle 5">
             <a:extLst>
               <a:ext uri="{FF2B5EF4-FFF2-40B4-BE49-F238E27FC236}">
-                <a16:creationId xmlns:a16="http://schemas.microsoft.com/office/drawing/2014/main" id="{05B0EF84-C6E3-7A4E-92B5-D3FB24410969}"/>
+                <a16:creationId xmlns:a16="http://schemas.microsoft.com/office/drawing/2014/main" id="{A17CDD01-2EAC-684A-809D-F409A941874C}"/>
               </a:ext>
             </a:extLst>
           </p:cNvPr>
@@ -6112,14 +5832,17 @@
         </p:nvSpPr>
         <p:spPr>
           <a:xfrm>
-            <a:off x="4766556" y="1899831"/>
+            <a:off x="4766556" y="1899834"/>
             <a:ext cx="1293778" cy="1293778"/>
           </a:xfrm>
           <a:prstGeom prst="rect">
             <a:avLst/>
           </a:prstGeom>
           <a:solidFill>
-            <a:schemeClr val="bg1"/>
+            <a:schemeClr val="accent1">
+              <a:lumMod val="20000"/>
+              <a:lumOff val="80000"/>
+            </a:schemeClr>
           </a:solidFill>
           <a:ln w="25400">
             <a:solidFill>
@@ -6157,7 +5880,7 @@
           <p:cNvPr id="7" name="TextBox 6">
             <a:extLst>
               <a:ext uri="{FF2B5EF4-FFF2-40B4-BE49-F238E27FC236}">
-                <a16:creationId xmlns:a16="http://schemas.microsoft.com/office/drawing/2014/main" id="{DBB7C706-BC1C-FB4E-AE0B-9E2C1DBFDA09}"/>
+                <a16:creationId xmlns:a16="http://schemas.microsoft.com/office/drawing/2014/main" id="{7CFFDFFB-218A-7148-8069-21772E9A0D1A}"/>
               </a:ext>
             </a:extLst>
           </p:cNvPr>
@@ -6166,7 +5889,7 @@
         </p:nvSpPr>
         <p:spPr>
           <a:xfrm>
-            <a:off x="2274453" y="2359115"/>
+            <a:off x="2274453" y="2359118"/>
             <a:ext cx="1102873" cy="369332"/>
           </a:xfrm>
           <a:prstGeom prst="rect">
@@ -6196,7 +5919,7 @@
           <p:cNvPr id="8" name="TextBox 7">
             <a:extLst>
               <a:ext uri="{FF2B5EF4-FFF2-40B4-BE49-F238E27FC236}">
-                <a16:creationId xmlns:a16="http://schemas.microsoft.com/office/drawing/2014/main" id="{2B571F86-3185-7F45-9275-319117C8F6AC}"/>
+                <a16:creationId xmlns:a16="http://schemas.microsoft.com/office/drawing/2014/main" id="{CCB1FF85-4FEE-844F-B163-1911491AF73F}"/>
               </a:ext>
             </a:extLst>
           </p:cNvPr>
@@ -6205,7 +5928,7 @@
         </p:nvSpPr>
         <p:spPr>
           <a:xfrm>
-            <a:off x="2274452" y="3652893"/>
+            <a:off x="2274452" y="3652896"/>
             <a:ext cx="1102873" cy="369332"/>
           </a:xfrm>
           <a:prstGeom prst="rect">
@@ -6235,7 +5958,7 @@
           <p:cNvPr id="9" name="TextBox 8">
             <a:extLst>
               <a:ext uri="{FF2B5EF4-FFF2-40B4-BE49-F238E27FC236}">
-                <a16:creationId xmlns:a16="http://schemas.microsoft.com/office/drawing/2014/main" id="{AA7583F0-C9A5-EA4C-AC6D-047E9094A88F}"/>
+                <a16:creationId xmlns:a16="http://schemas.microsoft.com/office/drawing/2014/main" id="{DADAA805-3A2B-1E4D-A82E-676F213D28C6}"/>
               </a:ext>
             </a:extLst>
           </p:cNvPr>
@@ -6244,7 +5967,7 @@
         </p:nvSpPr>
         <p:spPr>
           <a:xfrm>
-            <a:off x="3568230" y="4567611"/>
+            <a:off x="3568230" y="4567614"/>
             <a:ext cx="1102873" cy="369332"/>
           </a:xfrm>
           <a:prstGeom prst="rect">
@@ -6274,7 +5997,7 @@
           <p:cNvPr id="10" name="TextBox 9">
             <a:extLst>
               <a:ext uri="{FF2B5EF4-FFF2-40B4-BE49-F238E27FC236}">
-                <a16:creationId xmlns:a16="http://schemas.microsoft.com/office/drawing/2014/main" id="{8C0DB0FC-878B-1E40-B2F6-8EC887287828}"/>
+                <a16:creationId xmlns:a16="http://schemas.microsoft.com/office/drawing/2014/main" id="{5CE2F01E-2C36-9A48-999C-8613A6555828}"/>
               </a:ext>
             </a:extLst>
           </p:cNvPr>
@@ -6283,7 +6006,7 @@
         </p:nvSpPr>
         <p:spPr>
           <a:xfrm>
-            <a:off x="4862008" y="4567611"/>
+            <a:off x="4862008" y="4567614"/>
             <a:ext cx="1102873" cy="369332"/>
           </a:xfrm>
           <a:prstGeom prst="rect">
@@ -6313,7 +6036,7 @@
           <p:cNvPr id="11" name="TextBox 10">
             <a:extLst>
               <a:ext uri="{FF2B5EF4-FFF2-40B4-BE49-F238E27FC236}">
-                <a16:creationId xmlns:a16="http://schemas.microsoft.com/office/drawing/2014/main" id="{FAE10E3B-4FDB-4A47-A708-45C744A5C4CB}"/>
+                <a16:creationId xmlns:a16="http://schemas.microsoft.com/office/drawing/2014/main" id="{899EDB7A-C616-4F42-9E02-E9A5C9203594}"/>
               </a:ext>
             </a:extLst>
           </p:cNvPr>
@@ -6322,7 +6045,7 @@
         </p:nvSpPr>
         <p:spPr>
           <a:xfrm rot="16200000">
-            <a:off x="1364916" y="3006004"/>
+            <a:off x="1364916" y="3006007"/>
             <a:ext cx="1819072" cy="369332"/>
           </a:xfrm>
           <a:prstGeom prst="rect">
@@ -6352,7 +6075,7 @@
           <p:cNvPr id="12" name="TextBox 11">
             <a:extLst>
               <a:ext uri="{FF2B5EF4-FFF2-40B4-BE49-F238E27FC236}">
-                <a16:creationId xmlns:a16="http://schemas.microsoft.com/office/drawing/2014/main" id="{26BBE0D2-387E-0B42-BD74-D04C48EEE741}"/>
+                <a16:creationId xmlns:a16="http://schemas.microsoft.com/office/drawing/2014/main" id="{1E94280F-7350-A443-AC45-8263977344B9}"/>
               </a:ext>
             </a:extLst>
           </p:cNvPr>
@@ -6361,7 +6084,7 @@
         </p:nvSpPr>
         <p:spPr>
           <a:xfrm>
-            <a:off x="3855193" y="4899801"/>
+            <a:off x="3855193" y="4899804"/>
             <a:ext cx="1819072" cy="369332"/>
           </a:xfrm>
           <a:prstGeom prst="rect">
@@ -6391,7 +6114,7 @@
           <p:cNvPr id="13" name="TextBox 12">
             <a:extLst>
               <a:ext uri="{FF2B5EF4-FFF2-40B4-BE49-F238E27FC236}">
-                <a16:creationId xmlns:a16="http://schemas.microsoft.com/office/drawing/2014/main" id="{1690EF65-0CE3-5B4B-97D5-93AD732A65F6}"/>
+                <a16:creationId xmlns:a16="http://schemas.microsoft.com/office/drawing/2014/main" id="{E1DED320-C95C-6443-BD42-1CB43ADA583B}"/>
               </a:ext>
             </a:extLst>
           </p:cNvPr>
@@ -6400,7 +6123,7 @@
         </p:nvSpPr>
         <p:spPr>
           <a:xfrm>
-            <a:off x="3628421" y="2359115"/>
+            <a:off x="3628421" y="2359118"/>
             <a:ext cx="982493" cy="369332"/>
           </a:xfrm>
           <a:prstGeom prst="rect">
@@ -6423,7 +6146,7 @@
                 <a:latin typeface="Arial" panose="020B0604020202020204" pitchFamily="34" charset="0"/>
                 <a:cs typeface="Arial" panose="020B0604020202020204" pitchFamily="34" charset="0"/>
               </a:rPr>
-              <a:t>90</a:t>
+              <a:t>80</a:t>
             </a:r>
           </a:p>
         </p:txBody>
@@ -6433,7 +6156,7 @@
           <p:cNvPr id="14" name="TextBox 13">
             <a:extLst>
               <a:ext uri="{FF2B5EF4-FFF2-40B4-BE49-F238E27FC236}">
-                <a16:creationId xmlns:a16="http://schemas.microsoft.com/office/drawing/2014/main" id="{9FB2C852-4C48-8B4F-9FE0-48CE6F715532}"/>
+                <a16:creationId xmlns:a16="http://schemas.microsoft.com/office/drawing/2014/main" id="{A6DCEA92-D09A-3C47-B656-68867CE99154}"/>
               </a:ext>
             </a:extLst>
           </p:cNvPr>
@@ -6442,7 +6165,7 @@
         </p:nvSpPr>
         <p:spPr>
           <a:xfrm>
-            <a:off x="4922199" y="2359115"/>
+            <a:off x="4922199" y="2359118"/>
             <a:ext cx="982493" cy="369332"/>
           </a:xfrm>
           <a:prstGeom prst="rect">
@@ -6462,7 +6185,7 @@
                 <a:latin typeface="Arial" panose="020B0604020202020204" pitchFamily="34" charset="0"/>
                 <a:cs typeface="Arial" panose="020B0604020202020204" pitchFamily="34" charset="0"/>
               </a:rPr>
-              <a:t>0</a:t>
+              <a:t>20</a:t>
             </a:r>
           </a:p>
         </p:txBody>
@@ -6472,7 +6195,7 @@
           <p:cNvPr id="15" name="TextBox 14">
             <a:extLst>
               <a:ext uri="{FF2B5EF4-FFF2-40B4-BE49-F238E27FC236}">
-                <a16:creationId xmlns:a16="http://schemas.microsoft.com/office/drawing/2014/main" id="{6A2558B9-FE72-CD4A-B9A8-E7654B232445}"/>
+                <a16:creationId xmlns:a16="http://schemas.microsoft.com/office/drawing/2014/main" id="{A03F5E05-B263-2643-A4B1-77E1C7D06672}"/>
               </a:ext>
             </a:extLst>
           </p:cNvPr>
@@ -6481,7 +6204,7 @@
         </p:nvSpPr>
         <p:spPr>
           <a:xfrm>
-            <a:off x="3628419" y="3653211"/>
+            <a:off x="3628419" y="3653214"/>
             <a:ext cx="982493" cy="369332"/>
           </a:xfrm>
           <a:prstGeom prst="rect">
@@ -6498,13 +6221,10 @@
             <a:pPr algn="ctr"/>
             <a:r>
               <a:rPr lang="en-US" dirty="0">
-                <a:solidFill>
-                  <a:schemeClr val="bg1"/>
-                </a:solidFill>
                 <a:latin typeface="Arial" panose="020B0604020202020204" pitchFamily="34" charset="0"/>
                 <a:cs typeface="Arial" panose="020B0604020202020204" pitchFamily="34" charset="0"/>
               </a:rPr>
-              <a:t>10</a:t>
+              <a:t>40</a:t>
             </a:r>
           </a:p>
         </p:txBody>
@@ -6514,7 +6234,7 @@
           <p:cNvPr id="16" name="TextBox 15">
             <a:extLst>
               <a:ext uri="{FF2B5EF4-FFF2-40B4-BE49-F238E27FC236}">
-                <a16:creationId xmlns:a16="http://schemas.microsoft.com/office/drawing/2014/main" id="{0305E440-BBEB-A048-926E-47C36BDB9057}"/>
+                <a16:creationId xmlns:a16="http://schemas.microsoft.com/office/drawing/2014/main" id="{699502BB-C22B-894E-B7E1-9ED68511F78F}"/>
               </a:ext>
             </a:extLst>
           </p:cNvPr>
@@ -6523,7 +6243,7 @@
         </p:nvSpPr>
         <p:spPr>
           <a:xfrm>
-            <a:off x="4951378" y="3649954"/>
+            <a:off x="4951378" y="3649957"/>
             <a:ext cx="982493" cy="369332"/>
           </a:xfrm>
           <a:prstGeom prst="rect">
@@ -6543,17 +6263,17 @@
                 <a:latin typeface="Arial" panose="020B0604020202020204" pitchFamily="34" charset="0"/>
                 <a:cs typeface="Arial" panose="020B0604020202020204" pitchFamily="34" charset="0"/>
               </a:rPr>
-              <a:t>0</a:t>
-            </a:r>
-          </a:p>
-        </p:txBody>
-      </p:sp>
-      <p:sp>
-        <p:nvSpPr>
-          <p:cNvPr id="17" name="TextBox 16">
-            <a:extLst>
-              <a:ext uri="{FF2B5EF4-FFF2-40B4-BE49-F238E27FC236}">
-                <a16:creationId xmlns:a16="http://schemas.microsoft.com/office/drawing/2014/main" id="{FE3E04AF-63AB-E74A-BF5B-73D9E24072C5}"/>
+              <a:t>60</a:t>
+            </a:r>
+          </a:p>
+        </p:txBody>
+      </p:sp>
+      <p:sp>
+        <p:nvSpPr>
+          <p:cNvPr id="18" name="TextBox 17">
+            <a:extLst>
+              <a:ext uri="{FF2B5EF4-FFF2-40B4-BE49-F238E27FC236}">
+                <a16:creationId xmlns:a16="http://schemas.microsoft.com/office/drawing/2014/main" id="{435A1754-0E65-3D40-B97D-05C6CC995294}"/>
               </a:ext>
             </a:extLst>
           </p:cNvPr>
@@ -6579,11 +6299,11 @@
             <a:pPr algn="ctr"/>
             <a:r>
               <a:rPr lang="en-US" dirty="0"/>
-              <a:t>Accuracy = 90+0/(90+0+10+0) = 90/100 = 0.90 = </a:t>
+              <a:t>Accuracy = 80+60/(80+20+40+60) = 140/200 = 0.70 = </a:t>
             </a:r>
             <a:r>
               <a:rPr lang="en-US" b="1" dirty="0"/>
-              <a:t>90%</a:t>
+              <a:t>70%</a:t>
             </a:r>
           </a:p>
         </p:txBody>
@@ -6591,7 +6311,7 @@
     </p:spTree>
     <p:extLst>
       <p:ext uri="{BB962C8B-B14F-4D97-AF65-F5344CB8AC3E}">
-        <p14:creationId xmlns:p14="http://schemas.microsoft.com/office/powerpoint/2010/main" val="3838078740"/>
+        <p14:creationId xmlns:p14="http://schemas.microsoft.com/office/powerpoint/2010/main" val="1196827585"/>
       </p:ext>
     </p:extLst>
   </p:cSld>
@@ -6623,7 +6343,7 @@
           <p:cNvPr id="2" name="Title 1">
             <a:extLst>
               <a:ext uri="{FF2B5EF4-FFF2-40B4-BE49-F238E27FC236}">
-                <a16:creationId xmlns:a16="http://schemas.microsoft.com/office/drawing/2014/main" id="{E5388A8E-65A9-8E4C-A233-5A6D83A8022D}"/>
+                <a16:creationId xmlns:a16="http://schemas.microsoft.com/office/drawing/2014/main" id="{E68184F9-8D22-A943-A590-F272E9A58BA8}"/>
               </a:ext>
             </a:extLst>
           </p:cNvPr>
@@ -6645,7 +6365,7 @@
                 <a:latin typeface="Arial" panose="020B0604020202020204" pitchFamily="34" charset="0"/>
                 <a:cs typeface="Arial" panose="020B0604020202020204" pitchFamily="34" charset="0"/>
               </a:rPr>
-              <a:t>Other Metrics</a:t>
+              <a:t>Accuracy Can Be Misleading</a:t>
             </a:r>
           </a:p>
         </p:txBody>
@@ -6655,7 +6375,7 @@
           <p:cNvPr id="3" name="Rectangle 2">
             <a:extLst>
               <a:ext uri="{FF2B5EF4-FFF2-40B4-BE49-F238E27FC236}">
-                <a16:creationId xmlns:a16="http://schemas.microsoft.com/office/drawing/2014/main" id="{70DC358D-38B0-B540-AF27-18B8596E13F0}"/>
+                <a16:creationId xmlns:a16="http://schemas.microsoft.com/office/drawing/2014/main" id="{49EBF012-214B-844D-A16C-8E6F90E21BA6}"/>
               </a:ext>
             </a:extLst>
           </p:cNvPr>
@@ -6664,7 +6384,63 @@
         </p:nvSpPr>
         <p:spPr>
           <a:xfrm>
-            <a:off x="1546702" y="2303534"/>
+            <a:off x="3472778" y="1896892"/>
+            <a:ext cx="1293778" cy="1293778"/>
+          </a:xfrm>
+          <a:prstGeom prst="rect">
+            <a:avLst/>
+          </a:prstGeom>
+          <a:solidFill>
+            <a:schemeClr val="accent1">
+              <a:lumMod val="50000"/>
+            </a:schemeClr>
+          </a:solidFill>
+          <a:ln w="25400">
+            <a:solidFill>
+              <a:schemeClr val="tx1"/>
+            </a:solidFill>
+          </a:ln>
+        </p:spPr>
+        <p:style>
+          <a:lnRef idx="2">
+            <a:schemeClr val="accent1">
+              <a:shade val="50000"/>
+            </a:schemeClr>
+          </a:lnRef>
+          <a:fillRef idx="1">
+            <a:schemeClr val="accent1"/>
+          </a:fillRef>
+          <a:effectRef idx="0">
+            <a:schemeClr val="accent1"/>
+          </a:effectRef>
+          <a:fontRef idx="minor">
+            <a:schemeClr val="lt1"/>
+          </a:fontRef>
+        </p:style>
+        <p:txBody>
+          <a:bodyPr rtlCol="0" anchor="ctr"/>
+          <a:lstStyle/>
+          <a:p>
+            <a:pPr algn="ctr"/>
+            <a:endParaRPr lang="en-US"/>
+          </a:p>
+        </p:txBody>
+      </p:sp>
+      <p:sp>
+        <p:nvSpPr>
+          <p:cNvPr id="4" name="Rectangle 3">
+            <a:extLst>
+              <a:ext uri="{FF2B5EF4-FFF2-40B4-BE49-F238E27FC236}">
+                <a16:creationId xmlns:a16="http://schemas.microsoft.com/office/drawing/2014/main" id="{6FB3C45D-52C1-6042-A13D-A95F6887D0BE}"/>
+              </a:ext>
+            </a:extLst>
+          </p:cNvPr>
+          <p:cNvSpPr/>
+          <p:nvPr/>
+        </p:nvSpPr>
+        <p:spPr>
+          <a:xfrm>
+            <a:off x="4766556" y="3190670"/>
             <a:ext cx="1293778" cy="1293778"/>
           </a:xfrm>
           <a:prstGeom prst="rect">
@@ -6706,10 +6482,10 @@
       </p:sp>
       <p:sp>
         <p:nvSpPr>
-          <p:cNvPr id="4" name="Rectangle 3">
-            <a:extLst>
-              <a:ext uri="{FF2B5EF4-FFF2-40B4-BE49-F238E27FC236}">
-                <a16:creationId xmlns:a16="http://schemas.microsoft.com/office/drawing/2014/main" id="{E20D3E29-DA61-C347-B529-4C9C431634AA}"/>
+          <p:cNvPr id="5" name="Rectangle 4">
+            <a:extLst>
+              <a:ext uri="{FF2B5EF4-FFF2-40B4-BE49-F238E27FC236}">
+                <a16:creationId xmlns:a16="http://schemas.microsoft.com/office/drawing/2014/main" id="{2FEFE786-2606-AD45-AB58-111AA11C3CCB}"/>
               </a:ext>
             </a:extLst>
           </p:cNvPr>
@@ -6718,7 +6494,63 @@
         </p:nvSpPr>
         <p:spPr>
           <a:xfrm>
-            <a:off x="2840480" y="3597312"/>
+            <a:off x="3472778" y="3190670"/>
+            <a:ext cx="1293778" cy="1293778"/>
+          </a:xfrm>
+          <a:prstGeom prst="rect">
+            <a:avLst/>
+          </a:prstGeom>
+          <a:solidFill>
+            <a:schemeClr val="accent1">
+              <a:lumMod val="50000"/>
+            </a:schemeClr>
+          </a:solidFill>
+          <a:ln w="25400">
+            <a:solidFill>
+              <a:schemeClr val="tx1"/>
+            </a:solidFill>
+          </a:ln>
+        </p:spPr>
+        <p:style>
+          <a:lnRef idx="2">
+            <a:schemeClr val="accent1">
+              <a:shade val="50000"/>
+            </a:schemeClr>
+          </a:lnRef>
+          <a:fillRef idx="1">
+            <a:schemeClr val="accent1"/>
+          </a:fillRef>
+          <a:effectRef idx="0">
+            <a:schemeClr val="accent1"/>
+          </a:effectRef>
+          <a:fontRef idx="minor">
+            <a:schemeClr val="lt1"/>
+          </a:fontRef>
+        </p:style>
+        <p:txBody>
+          <a:bodyPr rtlCol="0" anchor="ctr"/>
+          <a:lstStyle/>
+          <a:p>
+            <a:pPr algn="ctr"/>
+            <a:endParaRPr lang="en-US"/>
+          </a:p>
+        </p:txBody>
+      </p:sp>
+      <p:sp>
+        <p:nvSpPr>
+          <p:cNvPr id="6" name="Rectangle 5">
+            <a:extLst>
+              <a:ext uri="{FF2B5EF4-FFF2-40B4-BE49-F238E27FC236}">
+                <a16:creationId xmlns:a16="http://schemas.microsoft.com/office/drawing/2014/main" id="{05B0EF84-C6E3-7A4E-92B5-D3FB24410969}"/>
+              </a:ext>
+            </a:extLst>
+          </p:cNvPr>
+          <p:cNvSpPr/>
+          <p:nvPr/>
+        </p:nvSpPr>
+        <p:spPr>
+          <a:xfrm>
+            <a:off x="4766556" y="1899831"/>
             <a:ext cx="1293778" cy="1293778"/>
           </a:xfrm>
           <a:prstGeom prst="rect">
@@ -6760,10 +6592,508 @@
       </p:sp>
       <p:sp>
         <p:nvSpPr>
-          <p:cNvPr id="5" name="Rectangle 4">
-            <a:extLst>
-              <a:ext uri="{FF2B5EF4-FFF2-40B4-BE49-F238E27FC236}">
-                <a16:creationId xmlns:a16="http://schemas.microsoft.com/office/drawing/2014/main" id="{9CB09ADA-9E89-6A4D-8FD8-2AF86F6C0D26}"/>
+          <p:cNvPr id="7" name="TextBox 6">
+            <a:extLst>
+              <a:ext uri="{FF2B5EF4-FFF2-40B4-BE49-F238E27FC236}">
+                <a16:creationId xmlns:a16="http://schemas.microsoft.com/office/drawing/2014/main" id="{DBB7C706-BC1C-FB4E-AE0B-9E2C1DBFDA09}"/>
+              </a:ext>
+            </a:extLst>
+          </p:cNvPr>
+          <p:cNvSpPr txBox="1"/>
+          <p:nvPr/>
+        </p:nvSpPr>
+        <p:spPr>
+          <a:xfrm>
+            <a:off x="2274453" y="2359115"/>
+            <a:ext cx="1102873" cy="369332"/>
+          </a:xfrm>
+          <a:prstGeom prst="rect">
+            <a:avLst/>
+          </a:prstGeom>
+          <a:noFill/>
+        </p:spPr>
+        <p:txBody>
+          <a:bodyPr wrap="square" rtlCol="0">
+            <a:spAutoFit/>
+          </a:bodyPr>
+          <a:lstStyle/>
+          <a:p>
+            <a:pPr algn="r"/>
+            <a:r>
+              <a:rPr lang="en-US" dirty="0">
+                <a:latin typeface="Arial" panose="020B0604020202020204" pitchFamily="34" charset="0"/>
+                <a:cs typeface="Arial" panose="020B0604020202020204" pitchFamily="34" charset="0"/>
+              </a:rPr>
+              <a:t>Class A</a:t>
+            </a:r>
+          </a:p>
+        </p:txBody>
+      </p:sp>
+      <p:sp>
+        <p:nvSpPr>
+          <p:cNvPr id="8" name="TextBox 7">
+            <a:extLst>
+              <a:ext uri="{FF2B5EF4-FFF2-40B4-BE49-F238E27FC236}">
+                <a16:creationId xmlns:a16="http://schemas.microsoft.com/office/drawing/2014/main" id="{2B571F86-3185-7F45-9275-319117C8F6AC}"/>
+              </a:ext>
+            </a:extLst>
+          </p:cNvPr>
+          <p:cNvSpPr txBox="1"/>
+          <p:nvPr/>
+        </p:nvSpPr>
+        <p:spPr>
+          <a:xfrm>
+            <a:off x="2274452" y="3652893"/>
+            <a:ext cx="1102873" cy="369332"/>
+          </a:xfrm>
+          <a:prstGeom prst="rect">
+            <a:avLst/>
+          </a:prstGeom>
+          <a:noFill/>
+        </p:spPr>
+        <p:txBody>
+          <a:bodyPr wrap="square" rtlCol="0">
+            <a:spAutoFit/>
+          </a:bodyPr>
+          <a:lstStyle/>
+          <a:p>
+            <a:pPr algn="r"/>
+            <a:r>
+              <a:rPr lang="en-US" dirty="0">
+                <a:latin typeface="Arial" panose="020B0604020202020204" pitchFamily="34" charset="0"/>
+                <a:cs typeface="Arial" panose="020B0604020202020204" pitchFamily="34" charset="0"/>
+              </a:rPr>
+              <a:t>Class B</a:t>
+            </a:r>
+          </a:p>
+        </p:txBody>
+      </p:sp>
+      <p:sp>
+        <p:nvSpPr>
+          <p:cNvPr id="9" name="TextBox 8">
+            <a:extLst>
+              <a:ext uri="{FF2B5EF4-FFF2-40B4-BE49-F238E27FC236}">
+                <a16:creationId xmlns:a16="http://schemas.microsoft.com/office/drawing/2014/main" id="{AA7583F0-C9A5-EA4C-AC6D-047E9094A88F}"/>
+              </a:ext>
+            </a:extLst>
+          </p:cNvPr>
+          <p:cNvSpPr txBox="1"/>
+          <p:nvPr/>
+        </p:nvSpPr>
+        <p:spPr>
+          <a:xfrm>
+            <a:off x="3568230" y="4567611"/>
+            <a:ext cx="1102873" cy="369332"/>
+          </a:xfrm>
+          <a:prstGeom prst="rect">
+            <a:avLst/>
+          </a:prstGeom>
+          <a:noFill/>
+        </p:spPr>
+        <p:txBody>
+          <a:bodyPr wrap="square" rtlCol="0">
+            <a:spAutoFit/>
+          </a:bodyPr>
+          <a:lstStyle/>
+          <a:p>
+            <a:pPr algn="ctr"/>
+            <a:r>
+              <a:rPr lang="en-US" dirty="0">
+                <a:latin typeface="Arial" panose="020B0604020202020204" pitchFamily="34" charset="0"/>
+                <a:cs typeface="Arial" panose="020B0604020202020204" pitchFamily="34" charset="0"/>
+              </a:rPr>
+              <a:t>Class A</a:t>
+            </a:r>
+          </a:p>
+        </p:txBody>
+      </p:sp>
+      <p:sp>
+        <p:nvSpPr>
+          <p:cNvPr id="10" name="TextBox 9">
+            <a:extLst>
+              <a:ext uri="{FF2B5EF4-FFF2-40B4-BE49-F238E27FC236}">
+                <a16:creationId xmlns:a16="http://schemas.microsoft.com/office/drawing/2014/main" id="{8C0DB0FC-878B-1E40-B2F6-8EC887287828}"/>
+              </a:ext>
+            </a:extLst>
+          </p:cNvPr>
+          <p:cNvSpPr txBox="1"/>
+          <p:nvPr/>
+        </p:nvSpPr>
+        <p:spPr>
+          <a:xfrm>
+            <a:off x="4862008" y="4567611"/>
+            <a:ext cx="1102873" cy="369332"/>
+          </a:xfrm>
+          <a:prstGeom prst="rect">
+            <a:avLst/>
+          </a:prstGeom>
+          <a:noFill/>
+        </p:spPr>
+        <p:txBody>
+          <a:bodyPr wrap="square" rtlCol="0">
+            <a:spAutoFit/>
+          </a:bodyPr>
+          <a:lstStyle/>
+          <a:p>
+            <a:pPr algn="ctr"/>
+            <a:r>
+              <a:rPr lang="en-US" dirty="0">
+                <a:latin typeface="Arial" panose="020B0604020202020204" pitchFamily="34" charset="0"/>
+                <a:cs typeface="Arial" panose="020B0604020202020204" pitchFamily="34" charset="0"/>
+              </a:rPr>
+              <a:t>Class B</a:t>
+            </a:r>
+          </a:p>
+        </p:txBody>
+      </p:sp>
+      <p:sp>
+        <p:nvSpPr>
+          <p:cNvPr id="11" name="TextBox 10">
+            <a:extLst>
+              <a:ext uri="{FF2B5EF4-FFF2-40B4-BE49-F238E27FC236}">
+                <a16:creationId xmlns:a16="http://schemas.microsoft.com/office/drawing/2014/main" id="{FAE10E3B-4FDB-4A47-A708-45C744A5C4CB}"/>
+              </a:ext>
+            </a:extLst>
+          </p:cNvPr>
+          <p:cNvSpPr txBox="1"/>
+          <p:nvPr/>
+        </p:nvSpPr>
+        <p:spPr>
+          <a:xfrm rot="16200000">
+            <a:off x="1364916" y="3006004"/>
+            <a:ext cx="1819072" cy="369332"/>
+          </a:xfrm>
+          <a:prstGeom prst="rect">
+            <a:avLst/>
+          </a:prstGeom>
+          <a:noFill/>
+        </p:spPr>
+        <p:txBody>
+          <a:bodyPr wrap="square" rtlCol="0">
+            <a:spAutoFit/>
+          </a:bodyPr>
+          <a:lstStyle/>
+          <a:p>
+            <a:pPr algn="ctr"/>
+            <a:r>
+              <a:rPr lang="en-US" dirty="0">
+                <a:latin typeface="Arial" panose="020B0604020202020204" pitchFamily="34" charset="0"/>
+                <a:cs typeface="Arial" panose="020B0604020202020204" pitchFamily="34" charset="0"/>
+              </a:rPr>
+              <a:t>True Label</a:t>
+            </a:r>
+          </a:p>
+        </p:txBody>
+      </p:sp>
+      <p:sp>
+        <p:nvSpPr>
+          <p:cNvPr id="12" name="TextBox 11">
+            <a:extLst>
+              <a:ext uri="{FF2B5EF4-FFF2-40B4-BE49-F238E27FC236}">
+                <a16:creationId xmlns:a16="http://schemas.microsoft.com/office/drawing/2014/main" id="{26BBE0D2-387E-0B42-BD74-D04C48EEE741}"/>
+              </a:ext>
+            </a:extLst>
+          </p:cNvPr>
+          <p:cNvSpPr txBox="1"/>
+          <p:nvPr/>
+        </p:nvSpPr>
+        <p:spPr>
+          <a:xfrm>
+            <a:off x="3855193" y="4899801"/>
+            <a:ext cx="1819072" cy="369332"/>
+          </a:xfrm>
+          <a:prstGeom prst="rect">
+            <a:avLst/>
+          </a:prstGeom>
+          <a:noFill/>
+        </p:spPr>
+        <p:txBody>
+          <a:bodyPr wrap="square" rtlCol="0">
+            <a:spAutoFit/>
+          </a:bodyPr>
+          <a:lstStyle/>
+          <a:p>
+            <a:pPr algn="ctr"/>
+            <a:r>
+              <a:rPr lang="en-US" dirty="0">
+                <a:latin typeface="Arial" panose="020B0604020202020204" pitchFamily="34" charset="0"/>
+                <a:cs typeface="Arial" panose="020B0604020202020204" pitchFamily="34" charset="0"/>
+              </a:rPr>
+              <a:t>Predicted Label</a:t>
+            </a:r>
+          </a:p>
+        </p:txBody>
+      </p:sp>
+      <p:sp>
+        <p:nvSpPr>
+          <p:cNvPr id="13" name="TextBox 12">
+            <a:extLst>
+              <a:ext uri="{FF2B5EF4-FFF2-40B4-BE49-F238E27FC236}">
+                <a16:creationId xmlns:a16="http://schemas.microsoft.com/office/drawing/2014/main" id="{1690EF65-0CE3-5B4B-97D5-93AD732A65F6}"/>
+              </a:ext>
+            </a:extLst>
+          </p:cNvPr>
+          <p:cNvSpPr txBox="1"/>
+          <p:nvPr/>
+        </p:nvSpPr>
+        <p:spPr>
+          <a:xfrm>
+            <a:off x="3628421" y="2359115"/>
+            <a:ext cx="982493" cy="369332"/>
+          </a:xfrm>
+          <a:prstGeom prst="rect">
+            <a:avLst/>
+          </a:prstGeom>
+          <a:noFill/>
+        </p:spPr>
+        <p:txBody>
+          <a:bodyPr wrap="square" rtlCol="0">
+            <a:spAutoFit/>
+          </a:bodyPr>
+          <a:lstStyle/>
+          <a:p>
+            <a:pPr algn="ctr"/>
+            <a:r>
+              <a:rPr lang="en-US" dirty="0">
+                <a:solidFill>
+                  <a:schemeClr val="bg1"/>
+                </a:solidFill>
+                <a:latin typeface="Arial" panose="020B0604020202020204" pitchFamily="34" charset="0"/>
+                <a:cs typeface="Arial" panose="020B0604020202020204" pitchFamily="34" charset="0"/>
+              </a:rPr>
+              <a:t>90</a:t>
+            </a:r>
+          </a:p>
+        </p:txBody>
+      </p:sp>
+      <p:sp>
+        <p:nvSpPr>
+          <p:cNvPr id="14" name="TextBox 13">
+            <a:extLst>
+              <a:ext uri="{FF2B5EF4-FFF2-40B4-BE49-F238E27FC236}">
+                <a16:creationId xmlns:a16="http://schemas.microsoft.com/office/drawing/2014/main" id="{9FB2C852-4C48-8B4F-9FE0-48CE6F715532}"/>
+              </a:ext>
+            </a:extLst>
+          </p:cNvPr>
+          <p:cNvSpPr txBox="1"/>
+          <p:nvPr/>
+        </p:nvSpPr>
+        <p:spPr>
+          <a:xfrm>
+            <a:off x="4922199" y="2359115"/>
+            <a:ext cx="982493" cy="369332"/>
+          </a:xfrm>
+          <a:prstGeom prst="rect">
+            <a:avLst/>
+          </a:prstGeom>
+          <a:noFill/>
+        </p:spPr>
+        <p:txBody>
+          <a:bodyPr wrap="square" rtlCol="0">
+            <a:spAutoFit/>
+          </a:bodyPr>
+          <a:lstStyle/>
+          <a:p>
+            <a:pPr algn="ctr"/>
+            <a:r>
+              <a:rPr lang="en-US" dirty="0">
+                <a:latin typeface="Arial" panose="020B0604020202020204" pitchFamily="34" charset="0"/>
+                <a:cs typeface="Arial" panose="020B0604020202020204" pitchFamily="34" charset="0"/>
+              </a:rPr>
+              <a:t>0</a:t>
+            </a:r>
+          </a:p>
+        </p:txBody>
+      </p:sp>
+      <p:sp>
+        <p:nvSpPr>
+          <p:cNvPr id="15" name="TextBox 14">
+            <a:extLst>
+              <a:ext uri="{FF2B5EF4-FFF2-40B4-BE49-F238E27FC236}">
+                <a16:creationId xmlns:a16="http://schemas.microsoft.com/office/drawing/2014/main" id="{6A2558B9-FE72-CD4A-B9A8-E7654B232445}"/>
+              </a:ext>
+            </a:extLst>
+          </p:cNvPr>
+          <p:cNvSpPr txBox="1"/>
+          <p:nvPr/>
+        </p:nvSpPr>
+        <p:spPr>
+          <a:xfrm>
+            <a:off x="3628419" y="3653211"/>
+            <a:ext cx="982493" cy="369332"/>
+          </a:xfrm>
+          <a:prstGeom prst="rect">
+            <a:avLst/>
+          </a:prstGeom>
+          <a:noFill/>
+        </p:spPr>
+        <p:txBody>
+          <a:bodyPr wrap="square" rtlCol="0">
+            <a:spAutoFit/>
+          </a:bodyPr>
+          <a:lstStyle/>
+          <a:p>
+            <a:pPr algn="ctr"/>
+            <a:r>
+              <a:rPr lang="en-US" dirty="0">
+                <a:solidFill>
+                  <a:schemeClr val="bg1"/>
+                </a:solidFill>
+                <a:latin typeface="Arial" panose="020B0604020202020204" pitchFamily="34" charset="0"/>
+                <a:cs typeface="Arial" panose="020B0604020202020204" pitchFamily="34" charset="0"/>
+              </a:rPr>
+              <a:t>10</a:t>
+            </a:r>
+          </a:p>
+        </p:txBody>
+      </p:sp>
+      <p:sp>
+        <p:nvSpPr>
+          <p:cNvPr id="16" name="TextBox 15">
+            <a:extLst>
+              <a:ext uri="{FF2B5EF4-FFF2-40B4-BE49-F238E27FC236}">
+                <a16:creationId xmlns:a16="http://schemas.microsoft.com/office/drawing/2014/main" id="{0305E440-BBEB-A048-926E-47C36BDB9057}"/>
+              </a:ext>
+            </a:extLst>
+          </p:cNvPr>
+          <p:cNvSpPr txBox="1"/>
+          <p:nvPr/>
+        </p:nvSpPr>
+        <p:spPr>
+          <a:xfrm>
+            <a:off x="4951378" y="3649954"/>
+            <a:ext cx="982493" cy="369332"/>
+          </a:xfrm>
+          <a:prstGeom prst="rect">
+            <a:avLst/>
+          </a:prstGeom>
+          <a:noFill/>
+        </p:spPr>
+        <p:txBody>
+          <a:bodyPr wrap="square" rtlCol="0">
+            <a:spAutoFit/>
+          </a:bodyPr>
+          <a:lstStyle/>
+          <a:p>
+            <a:pPr algn="ctr"/>
+            <a:r>
+              <a:rPr lang="en-US" dirty="0">
+                <a:latin typeface="Arial" panose="020B0604020202020204" pitchFamily="34" charset="0"/>
+                <a:cs typeface="Arial" panose="020B0604020202020204" pitchFamily="34" charset="0"/>
+              </a:rPr>
+              <a:t>0</a:t>
+            </a:r>
+          </a:p>
+        </p:txBody>
+      </p:sp>
+      <p:sp>
+        <p:nvSpPr>
+          <p:cNvPr id="17" name="TextBox 16">
+            <a:extLst>
+              <a:ext uri="{FF2B5EF4-FFF2-40B4-BE49-F238E27FC236}">
+                <a16:creationId xmlns:a16="http://schemas.microsoft.com/office/drawing/2014/main" id="{FE3E04AF-63AB-E74A-BF5B-73D9E24072C5}"/>
+              </a:ext>
+            </a:extLst>
+          </p:cNvPr>
+          <p:cNvSpPr txBox="1"/>
+          <p:nvPr/>
+        </p:nvSpPr>
+        <p:spPr>
+          <a:xfrm>
+            <a:off x="1014716" y="5499823"/>
+            <a:ext cx="7500026" cy="369332"/>
+          </a:xfrm>
+          <a:prstGeom prst="rect">
+            <a:avLst/>
+          </a:prstGeom>
+          <a:noFill/>
+        </p:spPr>
+        <p:txBody>
+          <a:bodyPr wrap="square" rtlCol="0">
+            <a:spAutoFit/>
+          </a:bodyPr>
+          <a:lstStyle/>
+          <a:p>
+            <a:pPr algn="ctr"/>
+            <a:r>
+              <a:rPr lang="en-US" dirty="0"/>
+              <a:t>Accuracy = 90+0/(90+0+10+0) = 90/100 = 0.90 = </a:t>
+            </a:r>
+            <a:r>
+              <a:rPr lang="en-US" b="1" dirty="0"/>
+              <a:t>90%</a:t>
+            </a:r>
+          </a:p>
+        </p:txBody>
+      </p:sp>
+    </p:spTree>
+    <p:extLst>
+      <p:ext uri="{BB962C8B-B14F-4D97-AF65-F5344CB8AC3E}">
+        <p14:creationId xmlns:p14="http://schemas.microsoft.com/office/powerpoint/2010/main" val="3838078740"/>
+      </p:ext>
+    </p:extLst>
+  </p:cSld>
+  <p:clrMapOvr>
+    <a:masterClrMapping/>
+  </p:clrMapOvr>
+</p:sld>
+</file>
+
+<file path=ppt/slides/slide16.xml><?xml version="1.0" encoding="utf-8"?>
+<p:sld xmlns:a="http://schemas.openxmlformats.org/drawingml/2006/main" xmlns:r="http://schemas.openxmlformats.org/officeDocument/2006/relationships" xmlns:p="http://schemas.openxmlformats.org/presentationml/2006/main">
+  <p:cSld>
+    <p:spTree>
+      <p:nvGrpSpPr>
+        <p:cNvPr id="1" name=""/>
+        <p:cNvGrpSpPr/>
+        <p:nvPr/>
+      </p:nvGrpSpPr>
+      <p:grpSpPr>
+        <a:xfrm>
+          <a:off x="0" y="0"/>
+          <a:ext cx="0" cy="0"/>
+          <a:chOff x="0" y="0"/>
+          <a:chExt cx="0" cy="0"/>
+        </a:xfrm>
+      </p:grpSpPr>
+      <p:sp>
+        <p:nvSpPr>
+          <p:cNvPr id="2" name="Title 1">
+            <a:extLst>
+              <a:ext uri="{FF2B5EF4-FFF2-40B4-BE49-F238E27FC236}">
+                <a16:creationId xmlns:a16="http://schemas.microsoft.com/office/drawing/2014/main" id="{E5388A8E-65A9-8E4C-A233-5A6D83A8022D}"/>
+              </a:ext>
+            </a:extLst>
+          </p:cNvPr>
+          <p:cNvSpPr>
+            <a:spLocks noGrp="1"/>
+          </p:cNvSpPr>
+          <p:nvPr>
+            <p:ph type="title"/>
+          </p:nvPr>
+        </p:nvSpPr>
+        <p:spPr/>
+        <p:txBody>
+          <a:bodyPr/>
+          <a:lstStyle/>
+          <a:p>
+            <a:pPr algn="ctr"/>
+            <a:r>
+              <a:rPr lang="en-US" b="1" dirty="0">
+                <a:latin typeface="Arial" panose="020B0604020202020204" pitchFamily="34" charset="0"/>
+                <a:cs typeface="Arial" panose="020B0604020202020204" pitchFamily="34" charset="0"/>
+              </a:rPr>
+              <a:t>Other Metrics</a:t>
+            </a:r>
+          </a:p>
+        </p:txBody>
+      </p:sp>
+      <p:sp>
+        <p:nvSpPr>
+          <p:cNvPr id="3" name="Rectangle 2">
+            <a:extLst>
+              <a:ext uri="{FF2B5EF4-FFF2-40B4-BE49-F238E27FC236}">
+                <a16:creationId xmlns:a16="http://schemas.microsoft.com/office/drawing/2014/main" id="{70DC358D-38B0-B540-AF27-18B8596E13F0}"/>
               </a:ext>
             </a:extLst>
           </p:cNvPr>
@@ -6772,7 +7102,7 @@
         </p:nvSpPr>
         <p:spPr>
           <a:xfrm>
-            <a:off x="1546702" y="3597312"/>
+            <a:off x="1546702" y="2303534"/>
             <a:ext cx="1293778" cy="1293778"/>
           </a:xfrm>
           <a:prstGeom prst="rect">
@@ -6814,10 +7144,10 @@
       </p:sp>
       <p:sp>
         <p:nvSpPr>
-          <p:cNvPr id="6" name="Rectangle 5">
-            <a:extLst>
-              <a:ext uri="{FF2B5EF4-FFF2-40B4-BE49-F238E27FC236}">
-                <a16:creationId xmlns:a16="http://schemas.microsoft.com/office/drawing/2014/main" id="{7E209DFD-82A4-CF4B-AF5E-7642E6C41A96}"/>
+          <p:cNvPr id="4" name="Rectangle 3">
+            <a:extLst>
+              <a:ext uri="{FF2B5EF4-FFF2-40B4-BE49-F238E27FC236}">
+                <a16:creationId xmlns:a16="http://schemas.microsoft.com/office/drawing/2014/main" id="{E20D3E29-DA61-C347-B529-4C9C431634AA}"/>
               </a:ext>
             </a:extLst>
           </p:cNvPr>
@@ -6826,7 +7156,7 @@
         </p:nvSpPr>
         <p:spPr>
           <a:xfrm>
-            <a:off x="2840480" y="2306473"/>
+            <a:off x="2840480" y="3597312"/>
             <a:ext cx="1293778" cy="1293778"/>
           </a:xfrm>
           <a:prstGeom prst="rect">
@@ -6868,6 +7198,114 @@
       </p:sp>
       <p:sp>
         <p:nvSpPr>
+          <p:cNvPr id="5" name="Rectangle 4">
+            <a:extLst>
+              <a:ext uri="{FF2B5EF4-FFF2-40B4-BE49-F238E27FC236}">
+                <a16:creationId xmlns:a16="http://schemas.microsoft.com/office/drawing/2014/main" id="{9CB09ADA-9E89-6A4D-8FD8-2AF86F6C0D26}"/>
+              </a:ext>
+            </a:extLst>
+          </p:cNvPr>
+          <p:cNvSpPr/>
+          <p:nvPr/>
+        </p:nvSpPr>
+        <p:spPr>
+          <a:xfrm>
+            <a:off x="1546702" y="3597312"/>
+            <a:ext cx="1293778" cy="1293778"/>
+          </a:xfrm>
+          <a:prstGeom prst="rect">
+            <a:avLst/>
+          </a:prstGeom>
+          <a:solidFill>
+            <a:schemeClr val="bg1"/>
+          </a:solidFill>
+          <a:ln w="25400">
+            <a:solidFill>
+              <a:schemeClr val="tx1"/>
+            </a:solidFill>
+          </a:ln>
+        </p:spPr>
+        <p:style>
+          <a:lnRef idx="2">
+            <a:schemeClr val="accent1">
+              <a:shade val="50000"/>
+            </a:schemeClr>
+          </a:lnRef>
+          <a:fillRef idx="1">
+            <a:schemeClr val="accent1"/>
+          </a:fillRef>
+          <a:effectRef idx="0">
+            <a:schemeClr val="accent1"/>
+          </a:effectRef>
+          <a:fontRef idx="minor">
+            <a:schemeClr val="lt1"/>
+          </a:fontRef>
+        </p:style>
+        <p:txBody>
+          <a:bodyPr rtlCol="0" anchor="ctr"/>
+          <a:lstStyle/>
+          <a:p>
+            <a:pPr algn="ctr"/>
+            <a:endParaRPr lang="en-US"/>
+          </a:p>
+        </p:txBody>
+      </p:sp>
+      <p:sp>
+        <p:nvSpPr>
+          <p:cNvPr id="6" name="Rectangle 5">
+            <a:extLst>
+              <a:ext uri="{FF2B5EF4-FFF2-40B4-BE49-F238E27FC236}">
+                <a16:creationId xmlns:a16="http://schemas.microsoft.com/office/drawing/2014/main" id="{7E209DFD-82A4-CF4B-AF5E-7642E6C41A96}"/>
+              </a:ext>
+            </a:extLst>
+          </p:cNvPr>
+          <p:cNvSpPr/>
+          <p:nvPr/>
+        </p:nvSpPr>
+        <p:spPr>
+          <a:xfrm>
+            <a:off x="2840480" y="2306473"/>
+            <a:ext cx="1293778" cy="1293778"/>
+          </a:xfrm>
+          <a:prstGeom prst="rect">
+            <a:avLst/>
+          </a:prstGeom>
+          <a:solidFill>
+            <a:schemeClr val="bg1"/>
+          </a:solidFill>
+          <a:ln w="25400">
+            <a:solidFill>
+              <a:schemeClr val="tx1"/>
+            </a:solidFill>
+          </a:ln>
+        </p:spPr>
+        <p:style>
+          <a:lnRef idx="2">
+            <a:schemeClr val="accent1">
+              <a:shade val="50000"/>
+            </a:schemeClr>
+          </a:lnRef>
+          <a:fillRef idx="1">
+            <a:schemeClr val="accent1"/>
+          </a:fillRef>
+          <a:effectRef idx="0">
+            <a:schemeClr val="accent1"/>
+          </a:effectRef>
+          <a:fontRef idx="minor">
+            <a:schemeClr val="lt1"/>
+          </a:fontRef>
+        </p:style>
+        <p:txBody>
+          <a:bodyPr rtlCol="0" anchor="ctr"/>
+          <a:lstStyle/>
+          <a:p>
+            <a:pPr algn="ctr"/>
+            <a:endParaRPr lang="en-US"/>
+          </a:p>
+        </p:txBody>
+      </p:sp>
+      <p:sp>
+        <p:nvSpPr>
           <p:cNvPr id="7" name="TextBox 6">
             <a:extLst>
               <a:ext uri="{FF2B5EF4-FFF2-40B4-BE49-F238E27FC236}">
@@ -7306,8 +7744,8 @@
           </a:p>
         </p:txBody>
       </p:sp>
-      <mc:AlternateContent xmlns:mc="http://schemas.openxmlformats.org/markup-compatibility/2006">
-        <mc:Choice xmlns:a14="http://schemas.microsoft.com/office/drawing/2010/main" Requires="a14">
+      <mc:AlternateContent xmlns:mc="http://schemas.openxmlformats.org/markup-compatibility/2006" xmlns:a14="http://schemas.microsoft.com/office/drawing/2010/main">
+        <mc:Choice Requires="a14">
           <p:sp>
             <p:nvSpPr>
               <p:cNvPr id="19" name="TextBox 18">
@@ -7796,6 +8234,7 @@
                 </a:r>
               </a:p>
               <a:p>
+                <a:pPr/>
                 <a14:m>
                   <m:oMathPara xmlns:m="http://schemas.openxmlformats.org/officeDocument/2006/math">
                     <m:oMathParaPr>
@@ -7805,7 +8244,7 @@
                       <m:f>
                         <m:fPr>
                           <m:ctrlPr>
-                            <a:rPr lang="en-US" b="0" i="0" smtClean="0">
+                            <a:rPr lang="en-US" b="0" i="1" smtClean="0">
                               <a:latin typeface="Cambria Math" panose="02040503050406030204" pitchFamily="18" charset="0"/>
                             </a:rPr>
                           </m:ctrlPr>
@@ -8024,7 +8463,7 @@
             </p:txBody>
           </p:sp>
         </mc:Choice>
-        <mc:Fallback>
+        <mc:Fallback xmlns="">
           <p:sp>
             <p:nvSpPr>
               <p:cNvPr id="19" name="TextBox 18">
@@ -8082,724 +8521,6 @@
 </p:sld>
 </file>
 
-<file path=ppt/slides/slide16.xml><?xml version="1.0" encoding="utf-8"?>
-<p:sld xmlns:a="http://schemas.openxmlformats.org/drawingml/2006/main" xmlns:r="http://schemas.openxmlformats.org/officeDocument/2006/relationships" xmlns:p="http://schemas.openxmlformats.org/presentationml/2006/main">
-  <p:cSld>
-    <p:spTree>
-      <p:nvGrpSpPr>
-        <p:cNvPr id="1" name=""/>
-        <p:cNvGrpSpPr/>
-        <p:nvPr/>
-      </p:nvGrpSpPr>
-      <p:grpSpPr>
-        <a:xfrm>
-          <a:off x="0" y="0"/>
-          <a:ext cx="0" cy="0"/>
-          <a:chOff x="0" y="0"/>
-          <a:chExt cx="0" cy="0"/>
-        </a:xfrm>
-      </p:grpSpPr>
-      <p:sp>
-        <p:nvSpPr>
-          <p:cNvPr id="2" name="Title 1">
-            <a:extLst>
-              <a:ext uri="{FF2B5EF4-FFF2-40B4-BE49-F238E27FC236}">
-                <a16:creationId xmlns:a16="http://schemas.microsoft.com/office/drawing/2014/main" id="{E30192C0-3B83-6F45-9950-7334CBE13B92}"/>
-              </a:ext>
-            </a:extLst>
-          </p:cNvPr>
-          <p:cNvSpPr>
-            <a:spLocks noGrp="1"/>
-          </p:cNvSpPr>
-          <p:nvPr>
-            <p:ph type="title"/>
-          </p:nvPr>
-        </p:nvSpPr>
-        <p:spPr/>
-        <p:txBody>
-          <a:bodyPr/>
-          <a:lstStyle/>
-          <a:p>
-            <a:pPr algn="ctr"/>
-            <a:r>
-              <a:rPr lang="en-US" b="1" dirty="0">
-                <a:latin typeface="Arial" panose="020B0604020202020204" pitchFamily="34" charset="0"/>
-                <a:cs typeface="Arial" panose="020B0604020202020204" pitchFamily="34" charset="0"/>
-              </a:rPr>
-              <a:t>Metrics with </a:t>
-            </a:r>
-            <a:r>
-              <a:rPr lang="en-US" b="1" dirty="0" err="1">
-                <a:latin typeface="Arial" panose="020B0604020202020204" pitchFamily="34" charset="0"/>
-                <a:cs typeface="Arial" panose="020B0604020202020204" pitchFamily="34" charset="0"/>
-              </a:rPr>
-              <a:t>Scikit</a:t>
-            </a:r>
-            <a:endParaRPr lang="en-US" b="1" dirty="0">
-              <a:latin typeface="Arial" panose="020B0604020202020204" pitchFamily="34" charset="0"/>
-              <a:cs typeface="Arial" panose="020B0604020202020204" pitchFamily="34" charset="0"/>
-            </a:endParaRPr>
-          </a:p>
-        </p:txBody>
-      </p:sp>
-      <p:sp>
-        <p:nvSpPr>
-          <p:cNvPr id="3" name="TextBox 2">
-            <a:extLst>
-              <a:ext uri="{FF2B5EF4-FFF2-40B4-BE49-F238E27FC236}">
-                <a16:creationId xmlns:a16="http://schemas.microsoft.com/office/drawing/2014/main" id="{C3D9D360-24DF-474D-9419-3CA4659CE521}"/>
-              </a:ext>
-            </a:extLst>
-          </p:cNvPr>
-          <p:cNvSpPr txBox="1"/>
-          <p:nvPr/>
-        </p:nvSpPr>
-        <p:spPr>
-          <a:xfrm>
-            <a:off x="926558" y="1727676"/>
-            <a:ext cx="7349247" cy="3970318"/>
-          </a:xfrm>
-          <a:prstGeom prst="rect">
-            <a:avLst/>
-          </a:prstGeom>
-          <a:solidFill>
-            <a:schemeClr val="bg1">
-              <a:lumMod val="85000"/>
-            </a:schemeClr>
-          </a:solidFill>
-          <a:ln>
-            <a:solidFill>
-              <a:schemeClr val="tx1"/>
-            </a:solidFill>
-          </a:ln>
-        </p:spPr>
-        <p:txBody>
-          <a:bodyPr wrap="square" rtlCol="0">
-            <a:spAutoFit/>
-          </a:bodyPr>
-          <a:lstStyle/>
-          <a:p>
-            <a:r>
-              <a:rPr lang="en-US" dirty="0" err="1">
-                <a:latin typeface="Courier" pitchFamily="2" charset="0"/>
-              </a:rPr>
-              <a:t>y_pred</a:t>
-            </a:r>
-            <a:r>
-              <a:rPr lang="en-US" dirty="0">
-                <a:latin typeface="Courier" pitchFamily="2" charset="0"/>
-              </a:rPr>
-              <a:t> </a:t>
-            </a:r>
-            <a:r>
-              <a:rPr lang="en-US" dirty="0">
-                <a:solidFill>
-                  <a:srgbClr val="9437FF"/>
-                </a:solidFill>
-                <a:latin typeface="Courier" pitchFamily="2" charset="0"/>
-              </a:rPr>
-              <a:t>=</a:t>
-            </a:r>
-            <a:r>
-              <a:rPr lang="en-US" dirty="0">
-                <a:solidFill>
-                  <a:schemeClr val="accent6">
-                    <a:lumMod val="75000"/>
-                  </a:schemeClr>
-                </a:solidFill>
-                <a:latin typeface="Courier" pitchFamily="2" charset="0"/>
-              </a:rPr>
-              <a:t> </a:t>
-            </a:r>
-            <a:r>
-              <a:rPr lang="en-US" dirty="0">
-                <a:latin typeface="Courier" pitchFamily="2" charset="0"/>
-              </a:rPr>
-              <a:t>[</a:t>
-            </a:r>
-            <a:r>
-              <a:rPr lang="en-US" dirty="0">
-                <a:solidFill>
-                  <a:schemeClr val="accent6">
-                    <a:lumMod val="75000"/>
-                  </a:schemeClr>
-                </a:solidFill>
-                <a:latin typeface="Courier" pitchFamily="2" charset="0"/>
-              </a:rPr>
-              <a:t>0</a:t>
-            </a:r>
-            <a:r>
-              <a:rPr lang="en-US" dirty="0">
-                <a:latin typeface="Courier" pitchFamily="2" charset="0"/>
-              </a:rPr>
-              <a:t>,</a:t>
-            </a:r>
-            <a:r>
-              <a:rPr lang="en-US" dirty="0">
-                <a:solidFill>
-                  <a:schemeClr val="accent6">
-                    <a:lumMod val="75000"/>
-                  </a:schemeClr>
-                </a:solidFill>
-                <a:latin typeface="Courier" pitchFamily="2" charset="0"/>
-              </a:rPr>
-              <a:t> 1</a:t>
-            </a:r>
-            <a:r>
-              <a:rPr lang="en-US" dirty="0">
-                <a:latin typeface="Courier" pitchFamily="2" charset="0"/>
-              </a:rPr>
-              <a:t>,</a:t>
-            </a:r>
-            <a:r>
-              <a:rPr lang="en-US" dirty="0">
-                <a:solidFill>
-                  <a:schemeClr val="accent6">
-                    <a:lumMod val="75000"/>
-                  </a:schemeClr>
-                </a:solidFill>
-                <a:latin typeface="Courier" pitchFamily="2" charset="0"/>
-              </a:rPr>
-              <a:t> 0</a:t>
-            </a:r>
-            <a:r>
-              <a:rPr lang="en-US" dirty="0">
-                <a:latin typeface="Courier" pitchFamily="2" charset="0"/>
-              </a:rPr>
-              <a:t>,</a:t>
-            </a:r>
-            <a:r>
-              <a:rPr lang="en-US" dirty="0">
-                <a:solidFill>
-                  <a:schemeClr val="accent6">
-                    <a:lumMod val="75000"/>
-                  </a:schemeClr>
-                </a:solidFill>
-                <a:latin typeface="Courier" pitchFamily="2" charset="0"/>
-              </a:rPr>
-              <a:t> 1</a:t>
-            </a:r>
-            <a:r>
-              <a:rPr lang="en-US" dirty="0">
-                <a:latin typeface="Courier" pitchFamily="2" charset="0"/>
-              </a:rPr>
-              <a:t>]</a:t>
-            </a:r>
-          </a:p>
-          <a:p>
-            <a:r>
-              <a:rPr lang="en-US" dirty="0" err="1">
-                <a:latin typeface="Courier" pitchFamily="2" charset="0"/>
-              </a:rPr>
-              <a:t>y_true</a:t>
-            </a:r>
-            <a:r>
-              <a:rPr lang="en-US" dirty="0">
-                <a:latin typeface="Courier" pitchFamily="2" charset="0"/>
-              </a:rPr>
-              <a:t> </a:t>
-            </a:r>
-            <a:r>
-              <a:rPr lang="en-US" dirty="0">
-                <a:solidFill>
-                  <a:srgbClr val="9437FF"/>
-                </a:solidFill>
-                <a:latin typeface="Courier" pitchFamily="2" charset="0"/>
-              </a:rPr>
-              <a:t>=</a:t>
-            </a:r>
-            <a:r>
-              <a:rPr lang="en-US" dirty="0">
-                <a:solidFill>
-                  <a:schemeClr val="accent6">
-                    <a:lumMod val="75000"/>
-                  </a:schemeClr>
-                </a:solidFill>
-                <a:latin typeface="Courier" pitchFamily="2" charset="0"/>
-              </a:rPr>
-              <a:t> </a:t>
-            </a:r>
-            <a:r>
-              <a:rPr lang="en-US" dirty="0">
-                <a:latin typeface="Courier" pitchFamily="2" charset="0"/>
-              </a:rPr>
-              <a:t>[</a:t>
-            </a:r>
-            <a:r>
-              <a:rPr lang="en-US" dirty="0">
-                <a:solidFill>
-                  <a:schemeClr val="accent6">
-                    <a:lumMod val="75000"/>
-                  </a:schemeClr>
-                </a:solidFill>
-                <a:latin typeface="Courier" pitchFamily="2" charset="0"/>
-              </a:rPr>
-              <a:t>0</a:t>
-            </a:r>
-            <a:r>
-              <a:rPr lang="en-US" dirty="0">
-                <a:latin typeface="Courier" pitchFamily="2" charset="0"/>
-              </a:rPr>
-              <a:t>,</a:t>
-            </a:r>
-            <a:r>
-              <a:rPr lang="en-US" dirty="0">
-                <a:solidFill>
-                  <a:schemeClr val="accent6">
-                    <a:lumMod val="75000"/>
-                  </a:schemeClr>
-                </a:solidFill>
-                <a:latin typeface="Courier" pitchFamily="2" charset="0"/>
-              </a:rPr>
-              <a:t> 1</a:t>
-            </a:r>
-            <a:r>
-              <a:rPr lang="en-US" dirty="0">
-                <a:latin typeface="Courier" pitchFamily="2" charset="0"/>
-              </a:rPr>
-              <a:t>,</a:t>
-            </a:r>
-            <a:r>
-              <a:rPr lang="en-US" dirty="0">
-                <a:solidFill>
-                  <a:schemeClr val="accent6">
-                    <a:lumMod val="75000"/>
-                  </a:schemeClr>
-                </a:solidFill>
-                <a:latin typeface="Courier" pitchFamily="2" charset="0"/>
-              </a:rPr>
-              <a:t> 0</a:t>
-            </a:r>
-            <a:r>
-              <a:rPr lang="en-US" dirty="0">
-                <a:latin typeface="Courier" pitchFamily="2" charset="0"/>
-              </a:rPr>
-              <a:t>,</a:t>
-            </a:r>
-            <a:r>
-              <a:rPr lang="en-US" dirty="0">
-                <a:solidFill>
-                  <a:schemeClr val="accent6">
-                    <a:lumMod val="75000"/>
-                  </a:schemeClr>
-                </a:solidFill>
-                <a:latin typeface="Courier" pitchFamily="2" charset="0"/>
-              </a:rPr>
-              <a:t> 0</a:t>
-            </a:r>
-            <a:r>
-              <a:rPr lang="en-US" dirty="0">
-                <a:latin typeface="Courier" pitchFamily="2" charset="0"/>
-              </a:rPr>
-              <a:t>]</a:t>
-            </a:r>
-          </a:p>
-          <a:p>
-            <a:endParaRPr lang="en-US" b="1" dirty="0">
-              <a:solidFill>
-                <a:schemeClr val="accent6">
-                  <a:lumMod val="75000"/>
-                </a:schemeClr>
-              </a:solidFill>
-              <a:latin typeface="Courier" pitchFamily="2" charset="0"/>
-            </a:endParaRPr>
-          </a:p>
-          <a:p>
-            <a:r>
-              <a:rPr lang="en-US" b="1" dirty="0">
-                <a:solidFill>
-                  <a:schemeClr val="accent6">
-                    <a:lumMod val="75000"/>
-                  </a:schemeClr>
-                </a:solidFill>
-                <a:latin typeface="Courier" pitchFamily="2" charset="0"/>
-              </a:rPr>
-              <a:t>from</a:t>
-            </a:r>
-            <a:r>
-              <a:rPr lang="en-US" dirty="0">
-                <a:latin typeface="Courier" pitchFamily="2" charset="0"/>
-              </a:rPr>
-              <a:t> </a:t>
-            </a:r>
-            <a:r>
-              <a:rPr lang="en-US" dirty="0" err="1">
-                <a:latin typeface="Courier" pitchFamily="2" charset="0"/>
-              </a:rPr>
-              <a:t>sklearn.metrics</a:t>
-            </a:r>
-            <a:r>
-              <a:rPr lang="en-US" dirty="0">
-                <a:latin typeface="Courier" pitchFamily="2" charset="0"/>
-              </a:rPr>
-              <a:t> </a:t>
-            </a:r>
-            <a:r>
-              <a:rPr lang="en-US" b="1" dirty="0">
-                <a:solidFill>
-                  <a:schemeClr val="accent6">
-                    <a:lumMod val="75000"/>
-                  </a:schemeClr>
-                </a:solidFill>
-                <a:latin typeface="Courier" pitchFamily="2" charset="0"/>
-              </a:rPr>
-              <a:t>import</a:t>
-            </a:r>
-            <a:r>
-              <a:rPr lang="en-US" dirty="0">
-                <a:latin typeface="Courier" pitchFamily="2" charset="0"/>
-              </a:rPr>
-              <a:t> </a:t>
-            </a:r>
-            <a:r>
-              <a:rPr lang="en-US" dirty="0" err="1">
-                <a:latin typeface="Courier" pitchFamily="2" charset="0"/>
-              </a:rPr>
-              <a:t>accuracy_score</a:t>
-            </a:r>
-            <a:endParaRPr lang="en-US" dirty="0">
-              <a:latin typeface="Courier" pitchFamily="2" charset="0"/>
-            </a:endParaRPr>
-          </a:p>
-          <a:p>
-            <a:r>
-              <a:rPr lang="en-US" dirty="0" err="1">
-                <a:latin typeface="Courier" pitchFamily="2" charset="0"/>
-              </a:rPr>
-              <a:t>acc</a:t>
-            </a:r>
-            <a:r>
-              <a:rPr lang="en-US" dirty="0">
-                <a:latin typeface="Courier" pitchFamily="2" charset="0"/>
-              </a:rPr>
-              <a:t> </a:t>
-            </a:r>
-            <a:r>
-              <a:rPr lang="en-US" dirty="0">
-                <a:solidFill>
-                  <a:srgbClr val="9437FF"/>
-                </a:solidFill>
-                <a:latin typeface="Courier" pitchFamily="2" charset="0"/>
-              </a:rPr>
-              <a:t>=</a:t>
-            </a:r>
-            <a:r>
-              <a:rPr lang="en-US" dirty="0">
-                <a:latin typeface="Courier" pitchFamily="2" charset="0"/>
-              </a:rPr>
-              <a:t> </a:t>
-            </a:r>
-            <a:r>
-              <a:rPr lang="en-US" dirty="0" err="1">
-                <a:latin typeface="Courier" pitchFamily="2" charset="0"/>
-              </a:rPr>
-              <a:t>accuracy_score</a:t>
-            </a:r>
-            <a:r>
-              <a:rPr lang="en-US" dirty="0">
-                <a:latin typeface="Courier" pitchFamily="2" charset="0"/>
-              </a:rPr>
-              <a:t>(</a:t>
-            </a:r>
-            <a:r>
-              <a:rPr lang="en-US" dirty="0" err="1">
-                <a:latin typeface="Courier" pitchFamily="2" charset="0"/>
-              </a:rPr>
-              <a:t>y_true</a:t>
-            </a:r>
-            <a:r>
-              <a:rPr lang="en-US" dirty="0">
-                <a:latin typeface="Courier" pitchFamily="2" charset="0"/>
-              </a:rPr>
-              <a:t>, </a:t>
-            </a:r>
-            <a:r>
-              <a:rPr lang="en-US" dirty="0" err="1">
-                <a:latin typeface="Courier" pitchFamily="2" charset="0"/>
-              </a:rPr>
-              <a:t>y_pred</a:t>
-            </a:r>
-            <a:r>
-              <a:rPr lang="en-US" dirty="0">
-                <a:latin typeface="Courier" pitchFamily="2" charset="0"/>
-              </a:rPr>
-              <a:t>)</a:t>
-            </a:r>
-          </a:p>
-          <a:p>
-            <a:r>
-              <a:rPr lang="en-US" dirty="0" err="1">
-                <a:latin typeface="Courier" pitchFamily="2" charset="0"/>
-              </a:rPr>
-              <a:t>acc</a:t>
-            </a:r>
-            <a:endParaRPr lang="en-US" dirty="0">
-              <a:latin typeface="Courier" pitchFamily="2" charset="0"/>
-            </a:endParaRPr>
-          </a:p>
-          <a:p>
-            <a:endParaRPr lang="en-US" dirty="0">
-              <a:latin typeface="Courier" pitchFamily="2" charset="0"/>
-            </a:endParaRPr>
-          </a:p>
-          <a:p>
-            <a:r>
-              <a:rPr lang="en-US" b="1" dirty="0">
-                <a:solidFill>
-                  <a:schemeClr val="accent6">
-                    <a:lumMod val="75000"/>
-                  </a:schemeClr>
-                </a:solidFill>
-                <a:latin typeface="Courier" pitchFamily="2" charset="0"/>
-              </a:rPr>
-              <a:t>from</a:t>
-            </a:r>
-            <a:r>
-              <a:rPr lang="en-US" dirty="0">
-                <a:latin typeface="Courier" pitchFamily="2" charset="0"/>
-              </a:rPr>
-              <a:t> </a:t>
-            </a:r>
-            <a:r>
-              <a:rPr lang="en-US" dirty="0" err="1">
-                <a:latin typeface="Courier" pitchFamily="2" charset="0"/>
-              </a:rPr>
-              <a:t>sklearn.metrics</a:t>
-            </a:r>
-            <a:r>
-              <a:rPr lang="en-US" dirty="0">
-                <a:latin typeface="Courier" pitchFamily="2" charset="0"/>
-              </a:rPr>
-              <a:t> </a:t>
-            </a:r>
-            <a:r>
-              <a:rPr lang="en-US" b="1" dirty="0">
-                <a:solidFill>
-                  <a:schemeClr val="accent6">
-                    <a:lumMod val="75000"/>
-                  </a:schemeClr>
-                </a:solidFill>
-                <a:latin typeface="Courier" pitchFamily="2" charset="0"/>
-              </a:rPr>
-              <a:t>import</a:t>
-            </a:r>
-            <a:r>
-              <a:rPr lang="en-US" dirty="0">
-                <a:latin typeface="Courier" pitchFamily="2" charset="0"/>
-              </a:rPr>
-              <a:t> f1_score</a:t>
-            </a:r>
-          </a:p>
-          <a:p>
-            <a:r>
-              <a:rPr lang="en-US" dirty="0">
-                <a:latin typeface="Courier" pitchFamily="2" charset="0"/>
-              </a:rPr>
-              <a:t>f1 </a:t>
-            </a:r>
-            <a:r>
-              <a:rPr lang="en-US" dirty="0">
-                <a:solidFill>
-                  <a:srgbClr val="9437FF"/>
-                </a:solidFill>
-                <a:latin typeface="Courier" pitchFamily="2" charset="0"/>
-              </a:rPr>
-              <a:t>=</a:t>
-            </a:r>
-            <a:r>
-              <a:rPr lang="en-US" dirty="0">
-                <a:latin typeface="Courier" pitchFamily="2" charset="0"/>
-              </a:rPr>
-              <a:t> f1_score(</a:t>
-            </a:r>
-            <a:r>
-              <a:rPr lang="en-US" dirty="0" err="1">
-                <a:latin typeface="Courier" pitchFamily="2" charset="0"/>
-              </a:rPr>
-              <a:t>y_true</a:t>
-            </a:r>
-            <a:r>
-              <a:rPr lang="en-US" dirty="0">
-                <a:latin typeface="Courier" pitchFamily="2" charset="0"/>
-              </a:rPr>
-              <a:t>, </a:t>
-            </a:r>
-            <a:r>
-              <a:rPr lang="en-US" dirty="0" err="1">
-                <a:latin typeface="Courier" pitchFamily="2" charset="0"/>
-              </a:rPr>
-              <a:t>y_pred</a:t>
-            </a:r>
-            <a:r>
-              <a:rPr lang="en-US" dirty="0">
-                <a:latin typeface="Courier" pitchFamily="2" charset="0"/>
-              </a:rPr>
-              <a:t>)</a:t>
-            </a:r>
-          </a:p>
-          <a:p>
-            <a:r>
-              <a:rPr lang="en-US" dirty="0">
-                <a:latin typeface="Courier" pitchFamily="2" charset="0"/>
-              </a:rPr>
-              <a:t>f1</a:t>
-            </a:r>
-          </a:p>
-          <a:p>
-            <a:endParaRPr lang="en-US" dirty="0">
-              <a:latin typeface="Courier" pitchFamily="2" charset="0"/>
-            </a:endParaRPr>
-          </a:p>
-          <a:p>
-            <a:r>
-              <a:rPr lang="en-US" b="1" dirty="0">
-                <a:solidFill>
-                  <a:schemeClr val="accent6">
-                    <a:lumMod val="75000"/>
-                  </a:schemeClr>
-                </a:solidFill>
-                <a:latin typeface="Courier" pitchFamily="2" charset="0"/>
-              </a:rPr>
-              <a:t>from</a:t>
-            </a:r>
-            <a:r>
-              <a:rPr lang="en-US" dirty="0">
-                <a:latin typeface="Courier" pitchFamily="2" charset="0"/>
-              </a:rPr>
-              <a:t> </a:t>
-            </a:r>
-            <a:r>
-              <a:rPr lang="en-US" dirty="0" err="1">
-                <a:latin typeface="Courier" pitchFamily="2" charset="0"/>
-              </a:rPr>
-              <a:t>sklearn.metrics</a:t>
-            </a:r>
-            <a:r>
-              <a:rPr lang="en-US" dirty="0">
-                <a:latin typeface="Courier" pitchFamily="2" charset="0"/>
-              </a:rPr>
-              <a:t> </a:t>
-            </a:r>
-            <a:r>
-              <a:rPr lang="en-US" b="1" dirty="0">
-                <a:solidFill>
-                  <a:schemeClr val="accent6">
-                    <a:lumMod val="75000"/>
-                  </a:schemeClr>
-                </a:solidFill>
-                <a:latin typeface="Courier" pitchFamily="2" charset="0"/>
-              </a:rPr>
-              <a:t>import</a:t>
-            </a:r>
-            <a:r>
-              <a:rPr lang="en-US" dirty="0">
-                <a:latin typeface="Courier" pitchFamily="2" charset="0"/>
-              </a:rPr>
-              <a:t> </a:t>
-            </a:r>
-            <a:r>
-              <a:rPr lang="en-US" dirty="0" err="1">
-                <a:latin typeface="Courier" pitchFamily="2" charset="0"/>
-              </a:rPr>
-              <a:t>matthews_corrcoef</a:t>
-            </a:r>
-            <a:r>
-              <a:rPr lang="en-US" dirty="0">
-                <a:latin typeface="Courier" pitchFamily="2" charset="0"/>
-              </a:rPr>
-              <a:t> </a:t>
-            </a:r>
-            <a:endParaRPr lang="en-US" b="1" i="1" dirty="0">
-              <a:solidFill>
-                <a:schemeClr val="accent6">
-                  <a:lumMod val="75000"/>
-                </a:schemeClr>
-              </a:solidFill>
-              <a:latin typeface="Courier" pitchFamily="2" charset="0"/>
-            </a:endParaRPr>
-          </a:p>
-          <a:p>
-            <a:r>
-              <a:rPr lang="en-US" dirty="0">
-                <a:latin typeface="Courier" pitchFamily="2" charset="0"/>
-              </a:rPr>
-              <a:t>mcc </a:t>
-            </a:r>
-            <a:r>
-              <a:rPr lang="en-US" dirty="0">
-                <a:solidFill>
-                  <a:srgbClr val="9437FF"/>
-                </a:solidFill>
-                <a:latin typeface="Courier" pitchFamily="2" charset="0"/>
-              </a:rPr>
-              <a:t>=</a:t>
-            </a:r>
-            <a:r>
-              <a:rPr lang="en-US" dirty="0">
-                <a:latin typeface="Courier" pitchFamily="2" charset="0"/>
-              </a:rPr>
-              <a:t> </a:t>
-            </a:r>
-            <a:r>
-              <a:rPr lang="en-US" dirty="0" err="1">
-                <a:latin typeface="Courier" pitchFamily="2" charset="0"/>
-              </a:rPr>
-              <a:t>matthews_corrcoef</a:t>
-            </a:r>
-            <a:r>
-              <a:rPr lang="en-US" dirty="0">
-                <a:latin typeface="Courier" pitchFamily="2" charset="0"/>
-              </a:rPr>
-              <a:t>(</a:t>
-            </a:r>
-            <a:r>
-              <a:rPr lang="en-US" dirty="0" err="1">
-                <a:latin typeface="Courier" pitchFamily="2" charset="0"/>
-              </a:rPr>
-              <a:t>y_true</a:t>
-            </a:r>
-            <a:r>
-              <a:rPr lang="en-US" dirty="0">
-                <a:latin typeface="Courier" pitchFamily="2" charset="0"/>
-              </a:rPr>
-              <a:t>, </a:t>
-            </a:r>
-            <a:r>
-              <a:rPr lang="en-US" dirty="0" err="1">
-                <a:latin typeface="Courier" pitchFamily="2" charset="0"/>
-              </a:rPr>
-              <a:t>y_pred</a:t>
-            </a:r>
-            <a:r>
-              <a:rPr lang="en-US" dirty="0">
-                <a:latin typeface="Courier" pitchFamily="2" charset="0"/>
-              </a:rPr>
-              <a:t>)</a:t>
-            </a:r>
-          </a:p>
-          <a:p>
-            <a:r>
-              <a:rPr lang="en-US" dirty="0">
-                <a:latin typeface="Courier" pitchFamily="2" charset="0"/>
-              </a:rPr>
-              <a:t>mcc</a:t>
-            </a:r>
-          </a:p>
-        </p:txBody>
-      </p:sp>
-    </p:spTree>
-    <p:extLst>
-      <p:ext uri="{BB962C8B-B14F-4D97-AF65-F5344CB8AC3E}">
-        <p14:creationId xmlns:p14="http://schemas.microsoft.com/office/powerpoint/2010/main" val="871411920"/>
-      </p:ext>
-    </p:extLst>
-  </p:cSld>
-  <p:clrMapOvr>
-    <a:masterClrMapping/>
-  </p:clrMapOvr>
-</p:sld>
-</file>
-
 <file path=ppt/slides/slide17.xml><?xml version="1.0" encoding="utf-8"?>
 <p:sld xmlns:a="http://schemas.openxmlformats.org/drawingml/2006/main" xmlns:r="http://schemas.openxmlformats.org/officeDocument/2006/relationships" xmlns:p="http://schemas.openxmlformats.org/presentationml/2006/main">
   <p:cSld>
@@ -8822,7 +8543,7 @@
           <p:cNvPr id="2" name="Title 1">
             <a:extLst>
               <a:ext uri="{FF2B5EF4-FFF2-40B4-BE49-F238E27FC236}">
-                <a16:creationId xmlns:a16="http://schemas.microsoft.com/office/drawing/2014/main" id="{222AB9B5-CB17-EB49-9455-8A3EC67CEB8E}"/>
+                <a16:creationId xmlns:a16="http://schemas.microsoft.com/office/drawing/2014/main" id="{E30192C0-3B83-6F45-9950-7334CBE13B92}"/>
               </a:ext>
             </a:extLst>
           </p:cNvPr>
@@ -8844,62 +8565,671 @@
                 <a:latin typeface="Arial" panose="020B0604020202020204" pitchFamily="34" charset="0"/>
                 <a:cs typeface="Arial" panose="020B0604020202020204" pitchFamily="34" charset="0"/>
               </a:rPr>
-              <a:t>Receiver Operating Characteristic (ROC) Curve</a:t>
-            </a:r>
-          </a:p>
-        </p:txBody>
-      </p:sp>
-      <p:pic>
-        <p:nvPicPr>
-          <p:cNvPr id="1026" name="Picture 2">
-            <a:extLst>
-              <a:ext uri="{FF2B5EF4-FFF2-40B4-BE49-F238E27FC236}">
-                <a16:creationId xmlns:a16="http://schemas.microsoft.com/office/drawing/2014/main" id="{7C2E7081-A09C-6F4A-944D-BA11AD6E1723}"/>
-              </a:ext>
-            </a:extLst>
-          </p:cNvPr>
-          <p:cNvPicPr>
-            <a:picLocks noChangeAspect="1" noChangeArrowheads="1"/>
-          </p:cNvPicPr>
-          <p:nvPr/>
-        </p:nvPicPr>
-        <p:blipFill>
-          <a:blip r:embed="rId2">
-            <a:extLst>
-              <a:ext uri="{28A0092B-C50C-407E-A947-70E740481C1C}">
-                <a14:useLocalDpi xmlns:a14="http://schemas.microsoft.com/office/drawing/2010/main" val="0"/>
-              </a:ext>
-            </a:extLst>
-          </a:blip>
-          <a:srcRect/>
-          <a:stretch>
-            <a:fillRect/>
-          </a:stretch>
-        </p:blipFill>
-        <p:spPr bwMode="auto">
-          <a:xfrm>
-            <a:off x="1718351" y="1983091"/>
-            <a:ext cx="5707297" cy="3853150"/>
-          </a:xfrm>
-          <a:prstGeom prst="rect">
-            <a:avLst/>
-          </a:prstGeom>
-          <a:noFill/>
-          <a:extLst>
-            <a:ext uri="{909E8E84-426E-40DD-AFC4-6F175D3DCCD1}">
-              <a14:hiddenFill xmlns:a14="http://schemas.microsoft.com/office/drawing/2010/main">
+              <a:t>Metrics with </a:t>
+            </a:r>
+            <a:r>
+              <a:rPr lang="en-US" b="1" dirty="0" err="1">
+                <a:latin typeface="Arial" panose="020B0604020202020204" pitchFamily="34" charset="0"/>
+                <a:cs typeface="Arial" panose="020B0604020202020204" pitchFamily="34" charset="0"/>
+              </a:rPr>
+              <a:t>Scikit</a:t>
+            </a:r>
+            <a:endParaRPr lang="en-US" b="1" dirty="0">
+              <a:latin typeface="Arial" panose="020B0604020202020204" pitchFamily="34" charset="0"/>
+              <a:cs typeface="Arial" panose="020B0604020202020204" pitchFamily="34" charset="0"/>
+            </a:endParaRPr>
+          </a:p>
+        </p:txBody>
+      </p:sp>
+      <p:sp>
+        <p:nvSpPr>
+          <p:cNvPr id="3" name="TextBox 2">
+            <a:extLst>
+              <a:ext uri="{FF2B5EF4-FFF2-40B4-BE49-F238E27FC236}">
+                <a16:creationId xmlns:a16="http://schemas.microsoft.com/office/drawing/2014/main" id="{C3D9D360-24DF-474D-9419-3CA4659CE521}"/>
+              </a:ext>
+            </a:extLst>
+          </p:cNvPr>
+          <p:cNvSpPr txBox="1"/>
+          <p:nvPr/>
+        </p:nvSpPr>
+        <p:spPr>
+          <a:xfrm>
+            <a:off x="926558" y="1727676"/>
+            <a:ext cx="7349247" cy="3970318"/>
+          </a:xfrm>
+          <a:prstGeom prst="rect">
+            <a:avLst/>
+          </a:prstGeom>
+          <a:solidFill>
+            <a:schemeClr val="bg1">
+              <a:lumMod val="85000"/>
+            </a:schemeClr>
+          </a:solidFill>
+          <a:ln>
+            <a:solidFill>
+              <a:schemeClr val="tx1"/>
+            </a:solidFill>
+          </a:ln>
+        </p:spPr>
+        <p:txBody>
+          <a:bodyPr wrap="square" rtlCol="0">
+            <a:spAutoFit/>
+          </a:bodyPr>
+          <a:lstStyle/>
+          <a:p>
+            <a:r>
+              <a:rPr lang="en-US" dirty="0" err="1">
+                <a:latin typeface="Courier" pitchFamily="2" charset="0"/>
+              </a:rPr>
+              <a:t>y_pred</a:t>
+            </a:r>
+            <a:r>
+              <a:rPr lang="en-US" dirty="0">
+                <a:latin typeface="Courier" pitchFamily="2" charset="0"/>
+              </a:rPr>
+              <a:t> </a:t>
+            </a:r>
+            <a:r>
+              <a:rPr lang="en-US" dirty="0">
                 <a:solidFill>
-                  <a:srgbClr val="FFFFFF"/>
+                  <a:srgbClr val="9437FF"/>
                 </a:solidFill>
-              </a14:hiddenFill>
-            </a:ext>
-          </a:extLst>
-        </p:spPr>
-      </p:pic>
+                <a:latin typeface="Courier" pitchFamily="2" charset="0"/>
+              </a:rPr>
+              <a:t>=</a:t>
+            </a:r>
+            <a:r>
+              <a:rPr lang="en-US" dirty="0">
+                <a:solidFill>
+                  <a:schemeClr val="accent6">
+                    <a:lumMod val="75000"/>
+                  </a:schemeClr>
+                </a:solidFill>
+                <a:latin typeface="Courier" pitchFamily="2" charset="0"/>
+              </a:rPr>
+              <a:t> </a:t>
+            </a:r>
+            <a:r>
+              <a:rPr lang="en-US" dirty="0">
+                <a:latin typeface="Courier" pitchFamily="2" charset="0"/>
+              </a:rPr>
+              <a:t>[</a:t>
+            </a:r>
+            <a:r>
+              <a:rPr lang="en-US" dirty="0">
+                <a:solidFill>
+                  <a:schemeClr val="accent6">
+                    <a:lumMod val="75000"/>
+                  </a:schemeClr>
+                </a:solidFill>
+                <a:latin typeface="Courier" pitchFamily="2" charset="0"/>
+              </a:rPr>
+              <a:t>0</a:t>
+            </a:r>
+            <a:r>
+              <a:rPr lang="en-US" dirty="0">
+                <a:latin typeface="Courier" pitchFamily="2" charset="0"/>
+              </a:rPr>
+              <a:t>,</a:t>
+            </a:r>
+            <a:r>
+              <a:rPr lang="en-US" dirty="0">
+                <a:solidFill>
+                  <a:schemeClr val="accent6">
+                    <a:lumMod val="75000"/>
+                  </a:schemeClr>
+                </a:solidFill>
+                <a:latin typeface="Courier" pitchFamily="2" charset="0"/>
+              </a:rPr>
+              <a:t> 1</a:t>
+            </a:r>
+            <a:r>
+              <a:rPr lang="en-US" dirty="0">
+                <a:latin typeface="Courier" pitchFamily="2" charset="0"/>
+              </a:rPr>
+              <a:t>,</a:t>
+            </a:r>
+            <a:r>
+              <a:rPr lang="en-US" dirty="0">
+                <a:solidFill>
+                  <a:schemeClr val="accent6">
+                    <a:lumMod val="75000"/>
+                  </a:schemeClr>
+                </a:solidFill>
+                <a:latin typeface="Courier" pitchFamily="2" charset="0"/>
+              </a:rPr>
+              <a:t> 0</a:t>
+            </a:r>
+            <a:r>
+              <a:rPr lang="en-US" dirty="0">
+                <a:latin typeface="Courier" pitchFamily="2" charset="0"/>
+              </a:rPr>
+              <a:t>,</a:t>
+            </a:r>
+            <a:r>
+              <a:rPr lang="en-US" dirty="0">
+                <a:solidFill>
+                  <a:schemeClr val="accent6">
+                    <a:lumMod val="75000"/>
+                  </a:schemeClr>
+                </a:solidFill>
+                <a:latin typeface="Courier" pitchFamily="2" charset="0"/>
+              </a:rPr>
+              <a:t> 1</a:t>
+            </a:r>
+            <a:r>
+              <a:rPr lang="en-US" dirty="0">
+                <a:latin typeface="Courier" pitchFamily="2" charset="0"/>
+              </a:rPr>
+              <a:t>]</a:t>
+            </a:r>
+          </a:p>
+          <a:p>
+            <a:r>
+              <a:rPr lang="en-US" dirty="0" err="1">
+                <a:latin typeface="Courier" pitchFamily="2" charset="0"/>
+              </a:rPr>
+              <a:t>y_true</a:t>
+            </a:r>
+            <a:r>
+              <a:rPr lang="en-US" dirty="0">
+                <a:latin typeface="Courier" pitchFamily="2" charset="0"/>
+              </a:rPr>
+              <a:t> </a:t>
+            </a:r>
+            <a:r>
+              <a:rPr lang="en-US" dirty="0">
+                <a:solidFill>
+                  <a:srgbClr val="9437FF"/>
+                </a:solidFill>
+                <a:latin typeface="Courier" pitchFamily="2" charset="0"/>
+              </a:rPr>
+              <a:t>=</a:t>
+            </a:r>
+            <a:r>
+              <a:rPr lang="en-US" dirty="0">
+                <a:solidFill>
+                  <a:schemeClr val="accent6">
+                    <a:lumMod val="75000"/>
+                  </a:schemeClr>
+                </a:solidFill>
+                <a:latin typeface="Courier" pitchFamily="2" charset="0"/>
+              </a:rPr>
+              <a:t> </a:t>
+            </a:r>
+            <a:r>
+              <a:rPr lang="en-US" dirty="0">
+                <a:latin typeface="Courier" pitchFamily="2" charset="0"/>
+              </a:rPr>
+              <a:t>[</a:t>
+            </a:r>
+            <a:r>
+              <a:rPr lang="en-US" dirty="0">
+                <a:solidFill>
+                  <a:schemeClr val="accent6">
+                    <a:lumMod val="75000"/>
+                  </a:schemeClr>
+                </a:solidFill>
+                <a:latin typeface="Courier" pitchFamily="2" charset="0"/>
+              </a:rPr>
+              <a:t>0</a:t>
+            </a:r>
+            <a:r>
+              <a:rPr lang="en-US" dirty="0">
+                <a:latin typeface="Courier" pitchFamily="2" charset="0"/>
+              </a:rPr>
+              <a:t>,</a:t>
+            </a:r>
+            <a:r>
+              <a:rPr lang="en-US" dirty="0">
+                <a:solidFill>
+                  <a:schemeClr val="accent6">
+                    <a:lumMod val="75000"/>
+                  </a:schemeClr>
+                </a:solidFill>
+                <a:latin typeface="Courier" pitchFamily="2" charset="0"/>
+              </a:rPr>
+              <a:t> 1</a:t>
+            </a:r>
+            <a:r>
+              <a:rPr lang="en-US" dirty="0">
+                <a:latin typeface="Courier" pitchFamily="2" charset="0"/>
+              </a:rPr>
+              <a:t>,</a:t>
+            </a:r>
+            <a:r>
+              <a:rPr lang="en-US" dirty="0">
+                <a:solidFill>
+                  <a:schemeClr val="accent6">
+                    <a:lumMod val="75000"/>
+                  </a:schemeClr>
+                </a:solidFill>
+                <a:latin typeface="Courier" pitchFamily="2" charset="0"/>
+              </a:rPr>
+              <a:t> 0</a:t>
+            </a:r>
+            <a:r>
+              <a:rPr lang="en-US" dirty="0">
+                <a:latin typeface="Courier" pitchFamily="2" charset="0"/>
+              </a:rPr>
+              <a:t>,</a:t>
+            </a:r>
+            <a:r>
+              <a:rPr lang="en-US" dirty="0">
+                <a:solidFill>
+                  <a:schemeClr val="accent6">
+                    <a:lumMod val="75000"/>
+                  </a:schemeClr>
+                </a:solidFill>
+                <a:latin typeface="Courier" pitchFamily="2" charset="0"/>
+              </a:rPr>
+              <a:t> 0</a:t>
+            </a:r>
+            <a:r>
+              <a:rPr lang="en-US" dirty="0">
+                <a:latin typeface="Courier" pitchFamily="2" charset="0"/>
+              </a:rPr>
+              <a:t>]</a:t>
+            </a:r>
+          </a:p>
+          <a:p>
+            <a:endParaRPr lang="en-US" b="1" dirty="0">
+              <a:solidFill>
+                <a:schemeClr val="accent6">
+                  <a:lumMod val="75000"/>
+                </a:schemeClr>
+              </a:solidFill>
+              <a:latin typeface="Courier" pitchFamily="2" charset="0"/>
+            </a:endParaRPr>
+          </a:p>
+          <a:p>
+            <a:r>
+              <a:rPr lang="en-US" b="1" dirty="0">
+                <a:solidFill>
+                  <a:schemeClr val="accent6">
+                    <a:lumMod val="75000"/>
+                  </a:schemeClr>
+                </a:solidFill>
+                <a:latin typeface="Courier" pitchFamily="2" charset="0"/>
+              </a:rPr>
+              <a:t>from</a:t>
+            </a:r>
+            <a:r>
+              <a:rPr lang="en-US" dirty="0">
+                <a:latin typeface="Courier" pitchFamily="2" charset="0"/>
+              </a:rPr>
+              <a:t> </a:t>
+            </a:r>
+            <a:r>
+              <a:rPr lang="en-US" dirty="0" err="1">
+                <a:latin typeface="Courier" pitchFamily="2" charset="0"/>
+              </a:rPr>
+              <a:t>sklearn.metrics</a:t>
+            </a:r>
+            <a:r>
+              <a:rPr lang="en-US" dirty="0">
+                <a:latin typeface="Courier" pitchFamily="2" charset="0"/>
+              </a:rPr>
+              <a:t> </a:t>
+            </a:r>
+            <a:r>
+              <a:rPr lang="en-US" b="1" dirty="0">
+                <a:solidFill>
+                  <a:schemeClr val="accent6">
+                    <a:lumMod val="75000"/>
+                  </a:schemeClr>
+                </a:solidFill>
+                <a:latin typeface="Courier" pitchFamily="2" charset="0"/>
+              </a:rPr>
+              <a:t>import</a:t>
+            </a:r>
+            <a:r>
+              <a:rPr lang="en-US" dirty="0">
+                <a:latin typeface="Courier" pitchFamily="2" charset="0"/>
+              </a:rPr>
+              <a:t> </a:t>
+            </a:r>
+            <a:r>
+              <a:rPr lang="en-US" dirty="0" err="1">
+                <a:latin typeface="Courier" pitchFamily="2" charset="0"/>
+              </a:rPr>
+              <a:t>accuracy_score</a:t>
+            </a:r>
+            <a:endParaRPr lang="en-US" dirty="0">
+              <a:latin typeface="Courier" pitchFamily="2" charset="0"/>
+            </a:endParaRPr>
+          </a:p>
+          <a:p>
+            <a:r>
+              <a:rPr lang="en-US" dirty="0" err="1">
+                <a:latin typeface="Courier" pitchFamily="2" charset="0"/>
+              </a:rPr>
+              <a:t>acc</a:t>
+            </a:r>
+            <a:r>
+              <a:rPr lang="en-US" dirty="0">
+                <a:latin typeface="Courier" pitchFamily="2" charset="0"/>
+              </a:rPr>
+              <a:t> </a:t>
+            </a:r>
+            <a:r>
+              <a:rPr lang="en-US" dirty="0">
+                <a:solidFill>
+                  <a:srgbClr val="9437FF"/>
+                </a:solidFill>
+                <a:latin typeface="Courier" pitchFamily="2" charset="0"/>
+              </a:rPr>
+              <a:t>=</a:t>
+            </a:r>
+            <a:r>
+              <a:rPr lang="en-US" dirty="0">
+                <a:latin typeface="Courier" pitchFamily="2" charset="0"/>
+              </a:rPr>
+              <a:t> </a:t>
+            </a:r>
+            <a:r>
+              <a:rPr lang="en-US" dirty="0" err="1">
+                <a:latin typeface="Courier" pitchFamily="2" charset="0"/>
+              </a:rPr>
+              <a:t>accuracy_score</a:t>
+            </a:r>
+            <a:r>
+              <a:rPr lang="en-US" dirty="0">
+                <a:latin typeface="Courier" pitchFamily="2" charset="0"/>
+              </a:rPr>
+              <a:t>(</a:t>
+            </a:r>
+            <a:r>
+              <a:rPr lang="en-US" dirty="0" err="1">
+                <a:latin typeface="Courier" pitchFamily="2" charset="0"/>
+              </a:rPr>
+              <a:t>y_true</a:t>
+            </a:r>
+            <a:r>
+              <a:rPr lang="en-US" dirty="0">
+                <a:latin typeface="Courier" pitchFamily="2" charset="0"/>
+              </a:rPr>
+              <a:t>, </a:t>
+            </a:r>
+            <a:r>
+              <a:rPr lang="en-US" dirty="0" err="1">
+                <a:latin typeface="Courier" pitchFamily="2" charset="0"/>
+              </a:rPr>
+              <a:t>y_pred</a:t>
+            </a:r>
+            <a:r>
+              <a:rPr lang="en-US" dirty="0">
+                <a:latin typeface="Courier" pitchFamily="2" charset="0"/>
+              </a:rPr>
+              <a:t>)</a:t>
+            </a:r>
+          </a:p>
+          <a:p>
+            <a:r>
+              <a:rPr lang="en-US" dirty="0" err="1">
+                <a:latin typeface="Courier" pitchFamily="2" charset="0"/>
+              </a:rPr>
+              <a:t>acc</a:t>
+            </a:r>
+            <a:endParaRPr lang="en-US" dirty="0">
+              <a:latin typeface="Courier" pitchFamily="2" charset="0"/>
+            </a:endParaRPr>
+          </a:p>
+          <a:p>
+            <a:endParaRPr lang="en-US" dirty="0">
+              <a:latin typeface="Courier" pitchFamily="2" charset="0"/>
+            </a:endParaRPr>
+          </a:p>
+          <a:p>
+            <a:r>
+              <a:rPr lang="en-US" b="1" dirty="0">
+                <a:solidFill>
+                  <a:schemeClr val="accent6">
+                    <a:lumMod val="75000"/>
+                  </a:schemeClr>
+                </a:solidFill>
+                <a:latin typeface="Courier" pitchFamily="2" charset="0"/>
+              </a:rPr>
+              <a:t>from</a:t>
+            </a:r>
+            <a:r>
+              <a:rPr lang="en-US" dirty="0">
+                <a:latin typeface="Courier" pitchFamily="2" charset="0"/>
+              </a:rPr>
+              <a:t> </a:t>
+            </a:r>
+            <a:r>
+              <a:rPr lang="en-US" dirty="0" err="1">
+                <a:latin typeface="Courier" pitchFamily="2" charset="0"/>
+              </a:rPr>
+              <a:t>sklearn.metrics</a:t>
+            </a:r>
+            <a:r>
+              <a:rPr lang="en-US" dirty="0">
+                <a:latin typeface="Courier" pitchFamily="2" charset="0"/>
+              </a:rPr>
+              <a:t> </a:t>
+            </a:r>
+            <a:r>
+              <a:rPr lang="en-US" b="1" dirty="0">
+                <a:solidFill>
+                  <a:schemeClr val="accent6">
+                    <a:lumMod val="75000"/>
+                  </a:schemeClr>
+                </a:solidFill>
+                <a:latin typeface="Courier" pitchFamily="2" charset="0"/>
+              </a:rPr>
+              <a:t>import</a:t>
+            </a:r>
+            <a:r>
+              <a:rPr lang="en-US" dirty="0">
+                <a:latin typeface="Courier" pitchFamily="2" charset="0"/>
+              </a:rPr>
+              <a:t> f1_score</a:t>
+            </a:r>
+          </a:p>
+          <a:p>
+            <a:r>
+              <a:rPr lang="en-US" dirty="0">
+                <a:latin typeface="Courier" pitchFamily="2" charset="0"/>
+              </a:rPr>
+              <a:t>f1 </a:t>
+            </a:r>
+            <a:r>
+              <a:rPr lang="en-US" dirty="0">
+                <a:solidFill>
+                  <a:srgbClr val="9437FF"/>
+                </a:solidFill>
+                <a:latin typeface="Courier" pitchFamily="2" charset="0"/>
+              </a:rPr>
+              <a:t>=</a:t>
+            </a:r>
+            <a:r>
+              <a:rPr lang="en-US" dirty="0">
+                <a:latin typeface="Courier" pitchFamily="2" charset="0"/>
+              </a:rPr>
+              <a:t> f1_score(</a:t>
+            </a:r>
+            <a:r>
+              <a:rPr lang="en-US" dirty="0" err="1">
+                <a:latin typeface="Courier" pitchFamily="2" charset="0"/>
+              </a:rPr>
+              <a:t>y_true</a:t>
+            </a:r>
+            <a:r>
+              <a:rPr lang="en-US" dirty="0">
+                <a:latin typeface="Courier" pitchFamily="2" charset="0"/>
+              </a:rPr>
+              <a:t>, </a:t>
+            </a:r>
+            <a:r>
+              <a:rPr lang="en-US" dirty="0" err="1">
+                <a:latin typeface="Courier" pitchFamily="2" charset="0"/>
+              </a:rPr>
+              <a:t>y_pred</a:t>
+            </a:r>
+            <a:r>
+              <a:rPr lang="en-US" dirty="0">
+                <a:latin typeface="Courier" pitchFamily="2" charset="0"/>
+              </a:rPr>
+              <a:t>)</a:t>
+            </a:r>
+          </a:p>
+          <a:p>
+            <a:r>
+              <a:rPr lang="en-US" dirty="0">
+                <a:latin typeface="Courier" pitchFamily="2" charset="0"/>
+              </a:rPr>
+              <a:t>f1</a:t>
+            </a:r>
+          </a:p>
+          <a:p>
+            <a:endParaRPr lang="en-US" dirty="0">
+              <a:latin typeface="Courier" pitchFamily="2" charset="0"/>
+            </a:endParaRPr>
+          </a:p>
+          <a:p>
+            <a:r>
+              <a:rPr lang="en-US" b="1" dirty="0">
+                <a:solidFill>
+                  <a:schemeClr val="accent6">
+                    <a:lumMod val="75000"/>
+                  </a:schemeClr>
+                </a:solidFill>
+                <a:latin typeface="Courier" pitchFamily="2" charset="0"/>
+              </a:rPr>
+              <a:t>from</a:t>
+            </a:r>
+            <a:r>
+              <a:rPr lang="en-US" dirty="0">
+                <a:latin typeface="Courier" pitchFamily="2" charset="0"/>
+              </a:rPr>
+              <a:t> </a:t>
+            </a:r>
+            <a:r>
+              <a:rPr lang="en-US" dirty="0" err="1">
+                <a:latin typeface="Courier" pitchFamily="2" charset="0"/>
+              </a:rPr>
+              <a:t>sklearn.metrics</a:t>
+            </a:r>
+            <a:r>
+              <a:rPr lang="en-US" dirty="0">
+                <a:latin typeface="Courier" pitchFamily="2" charset="0"/>
+              </a:rPr>
+              <a:t> </a:t>
+            </a:r>
+            <a:r>
+              <a:rPr lang="en-US" b="1" dirty="0">
+                <a:solidFill>
+                  <a:schemeClr val="accent6">
+                    <a:lumMod val="75000"/>
+                  </a:schemeClr>
+                </a:solidFill>
+                <a:latin typeface="Courier" pitchFamily="2" charset="0"/>
+              </a:rPr>
+              <a:t>import</a:t>
+            </a:r>
+            <a:r>
+              <a:rPr lang="en-US" dirty="0">
+                <a:latin typeface="Courier" pitchFamily="2" charset="0"/>
+              </a:rPr>
+              <a:t> </a:t>
+            </a:r>
+            <a:r>
+              <a:rPr lang="en-US" dirty="0" err="1">
+                <a:latin typeface="Courier" pitchFamily="2" charset="0"/>
+              </a:rPr>
+              <a:t>matthews_corrcoef</a:t>
+            </a:r>
+            <a:r>
+              <a:rPr lang="en-US" dirty="0">
+                <a:latin typeface="Courier" pitchFamily="2" charset="0"/>
+              </a:rPr>
+              <a:t> </a:t>
+            </a:r>
+            <a:endParaRPr lang="en-US" b="1" i="1" dirty="0">
+              <a:solidFill>
+                <a:schemeClr val="accent6">
+                  <a:lumMod val="75000"/>
+                </a:schemeClr>
+              </a:solidFill>
+              <a:latin typeface="Courier" pitchFamily="2" charset="0"/>
+            </a:endParaRPr>
+          </a:p>
+          <a:p>
+            <a:r>
+              <a:rPr lang="en-US" dirty="0">
+                <a:latin typeface="Courier" pitchFamily="2" charset="0"/>
+              </a:rPr>
+              <a:t>mcc </a:t>
+            </a:r>
+            <a:r>
+              <a:rPr lang="en-US" dirty="0">
+                <a:solidFill>
+                  <a:srgbClr val="9437FF"/>
+                </a:solidFill>
+                <a:latin typeface="Courier" pitchFamily="2" charset="0"/>
+              </a:rPr>
+              <a:t>=</a:t>
+            </a:r>
+            <a:r>
+              <a:rPr lang="en-US" dirty="0">
+                <a:latin typeface="Courier" pitchFamily="2" charset="0"/>
+              </a:rPr>
+              <a:t> </a:t>
+            </a:r>
+            <a:r>
+              <a:rPr lang="en-US" dirty="0" err="1">
+                <a:latin typeface="Courier" pitchFamily="2" charset="0"/>
+              </a:rPr>
+              <a:t>matthews_corrcoef</a:t>
+            </a:r>
+            <a:r>
+              <a:rPr lang="en-US" dirty="0">
+                <a:latin typeface="Courier" pitchFamily="2" charset="0"/>
+              </a:rPr>
+              <a:t>(</a:t>
+            </a:r>
+            <a:r>
+              <a:rPr lang="en-US" dirty="0" err="1">
+                <a:latin typeface="Courier" pitchFamily="2" charset="0"/>
+              </a:rPr>
+              <a:t>y_true</a:t>
+            </a:r>
+            <a:r>
+              <a:rPr lang="en-US" dirty="0">
+                <a:latin typeface="Courier" pitchFamily="2" charset="0"/>
+              </a:rPr>
+              <a:t>, </a:t>
+            </a:r>
+            <a:r>
+              <a:rPr lang="en-US" dirty="0" err="1">
+                <a:latin typeface="Courier" pitchFamily="2" charset="0"/>
+              </a:rPr>
+              <a:t>y_pred</a:t>
+            </a:r>
+            <a:r>
+              <a:rPr lang="en-US" dirty="0">
+                <a:latin typeface="Courier" pitchFamily="2" charset="0"/>
+              </a:rPr>
+              <a:t>)</a:t>
+            </a:r>
+          </a:p>
+          <a:p>
+            <a:r>
+              <a:rPr lang="en-US" dirty="0">
+                <a:latin typeface="Courier" pitchFamily="2" charset="0"/>
+              </a:rPr>
+              <a:t>mcc</a:t>
+            </a:r>
+          </a:p>
+        </p:txBody>
+      </p:sp>
     </p:spTree>
     <p:extLst>
       <p:ext uri="{BB962C8B-B14F-4D97-AF65-F5344CB8AC3E}">
-        <p14:creationId xmlns:p14="http://schemas.microsoft.com/office/powerpoint/2010/main" val="1423570816"/>
+        <p14:creationId xmlns:p14="http://schemas.microsoft.com/office/powerpoint/2010/main" val="871411920"/>
       </p:ext>
     </p:extLst>
   </p:cSld>
@@ -8931,7 +9261,7 @@
           <p:cNvPr id="2" name="Title 1">
             <a:extLst>
               <a:ext uri="{FF2B5EF4-FFF2-40B4-BE49-F238E27FC236}">
-                <a16:creationId xmlns:a16="http://schemas.microsoft.com/office/drawing/2014/main" id="{50BB65F5-9111-1E4A-9E58-A120590F019C}"/>
+                <a16:creationId xmlns:a16="http://schemas.microsoft.com/office/drawing/2014/main" id="{222AB9B5-CB17-EB49-9455-8A3EC67CEB8E}"/>
               </a:ext>
             </a:extLst>
           </p:cNvPr>
@@ -8944,28 +9274,26 @@
         </p:nvSpPr>
         <p:spPr/>
         <p:txBody>
-          <a:bodyPr>
-            <a:normAutofit/>
-          </a:bodyPr>
+          <a:bodyPr/>
           <a:lstStyle/>
           <a:p>
             <a:pPr algn="ctr"/>
             <a:r>
-              <a:rPr lang="en-US" sz="4000" b="1" dirty="0">
+              <a:rPr lang="en-US" b="1" dirty="0">
                 <a:latin typeface="Arial" panose="020B0604020202020204" pitchFamily="34" charset="0"/>
                 <a:cs typeface="Arial" panose="020B0604020202020204" pitchFamily="34" charset="0"/>
               </a:rPr>
-              <a:t>Precision Recall (PRC) Curve</a:t>
+              <a:t>Receiver Operating Characteristic (ROC) Curve</a:t>
             </a:r>
           </a:p>
         </p:txBody>
       </p:sp>
       <p:pic>
         <p:nvPicPr>
-          <p:cNvPr id="4" name="Picture 4">
-            <a:extLst>
-              <a:ext uri="{FF2B5EF4-FFF2-40B4-BE49-F238E27FC236}">
-                <a16:creationId xmlns:a16="http://schemas.microsoft.com/office/drawing/2014/main" id="{E6461966-0AB1-174E-AD76-DD2CE163A315}"/>
+          <p:cNvPr id="1026" name="Picture 2">
+            <a:extLst>
+              <a:ext uri="{FF2B5EF4-FFF2-40B4-BE49-F238E27FC236}">
+                <a16:creationId xmlns:a16="http://schemas.microsoft.com/office/drawing/2014/main" id="{7C2E7081-A09C-6F4A-944D-BA11AD6E1723}"/>
               </a:ext>
             </a:extLst>
           </p:cNvPr>
@@ -8989,7 +9317,7 @@
         </p:blipFill>
         <p:spPr bwMode="auto">
           <a:xfrm>
-            <a:off x="1718350" y="1983091"/>
+            <a:off x="1718351" y="1983091"/>
             <a:ext cx="5707297" cy="3853150"/>
           </a:xfrm>
           <a:prstGeom prst="rect">
@@ -9010,7 +9338,7 @@
     </p:spTree>
     <p:extLst>
       <p:ext uri="{BB962C8B-B14F-4D97-AF65-F5344CB8AC3E}">
-        <p14:creationId xmlns:p14="http://schemas.microsoft.com/office/powerpoint/2010/main" val="971680641"/>
+        <p14:creationId xmlns:p14="http://schemas.microsoft.com/office/powerpoint/2010/main" val="1423570816"/>
       </p:ext>
     </p:extLst>
   </p:cSld>
@@ -9042,7 +9370,7 @@
           <p:cNvPr id="2" name="Title 1">
             <a:extLst>
               <a:ext uri="{FF2B5EF4-FFF2-40B4-BE49-F238E27FC236}">
-                <a16:creationId xmlns:a16="http://schemas.microsoft.com/office/drawing/2014/main" id="{B3B7FD62-00B7-E840-951A-C180B2A0CB73}"/>
+                <a16:creationId xmlns:a16="http://schemas.microsoft.com/office/drawing/2014/main" id="{50BB65F5-9111-1E4A-9E58-A120590F019C}"/>
               </a:ext>
             </a:extLst>
           </p:cNvPr>
@@ -9055,122 +9383,73 @@
         </p:nvSpPr>
         <p:spPr/>
         <p:txBody>
-          <a:bodyPr/>
-          <a:lstStyle/>
-          <a:p>
-            <a:pPr algn="ctr"/>
-            <a:r>
-              <a:rPr lang="en-US" b="1" dirty="0">
-                <a:latin typeface="Arial" panose="020B0604020202020204" pitchFamily="34" charset="0"/>
-                <a:cs typeface="Arial" panose="020B0604020202020204" pitchFamily="34" charset="0"/>
-              </a:rPr>
-              <a:t>Exercise</a:t>
-            </a:r>
-          </a:p>
-        </p:txBody>
-      </p:sp>
-      <p:sp>
-        <p:nvSpPr>
-          <p:cNvPr id="3" name="Content Placeholder 2">
-            <a:extLst>
-              <a:ext uri="{FF2B5EF4-FFF2-40B4-BE49-F238E27FC236}">
-                <a16:creationId xmlns:a16="http://schemas.microsoft.com/office/drawing/2014/main" id="{61A721F6-AAFB-704E-B9AF-7C4A3300BD60}"/>
-              </a:ext>
-            </a:extLst>
-          </p:cNvPr>
-          <p:cNvSpPr>
-            <a:spLocks noGrp="1"/>
-          </p:cNvSpPr>
-          <p:nvPr>
-            <p:ph idx="1"/>
-          </p:nvPr>
-        </p:nvSpPr>
-        <p:spPr/>
-        <p:txBody>
           <a:bodyPr>
             <a:normAutofit/>
           </a:bodyPr>
           <a:lstStyle/>
           <a:p>
-            <a:pPr marL="0" indent="0">
-              <a:buNone/>
-            </a:pPr>
-            <a:r>
-              <a:rPr lang="en-US" dirty="0"/>
-              <a:t>Using the mouse protein dataset:</a:t>
-            </a:r>
-          </a:p>
-          <a:p>
-            <a:pPr marL="514350" indent="-514350">
-              <a:buFont typeface="+mj-lt"/>
-              <a:buAutoNum type="arabicPeriod"/>
-            </a:pPr>
-            <a:r>
-              <a:rPr lang="en-US" sz="2400" dirty="0"/>
-              <a:t>Split the data into training and testing sets using stratified K-Fold</a:t>
-            </a:r>
-          </a:p>
-          <a:p>
-            <a:pPr marL="514350" indent="-514350">
-              <a:buFont typeface="+mj-lt"/>
-              <a:buAutoNum type="arabicPeriod"/>
-            </a:pPr>
-            <a:r>
-              <a:rPr lang="en-US" sz="2400" dirty="0"/>
-              <a:t>Run grid search cross validation on the training set using KNN classifier for </a:t>
-            </a:r>
-            <a:r>
-              <a:rPr lang="en-US" sz="2400" i="1" dirty="0" err="1"/>
-              <a:t>n_neighbors</a:t>
-            </a:r>
-            <a:r>
-              <a:rPr lang="en-US" sz="2400" i="1" dirty="0"/>
-              <a:t> </a:t>
-            </a:r>
-            <a:r>
-              <a:rPr lang="en-US" sz="2400" dirty="0"/>
-              <a:t>and </a:t>
-            </a:r>
-            <a:r>
-              <a:rPr lang="en-US" sz="2400" i="1" dirty="0"/>
-              <a:t>p</a:t>
-            </a:r>
-          </a:p>
-          <a:p>
-            <a:pPr marL="514350" indent="-514350">
-              <a:buFont typeface="+mj-lt"/>
-              <a:buAutoNum type="arabicPeriod"/>
-            </a:pPr>
-            <a:r>
-              <a:rPr lang="en-US" sz="2400" dirty="0"/>
-              <a:t>Plot ROC and PRC curves using a KNN classifier with the best parameters on the test dataset</a:t>
-            </a:r>
-          </a:p>
-          <a:p>
-            <a:pPr marL="0" indent="0">
-              <a:buNone/>
-            </a:pPr>
-            <a:endParaRPr lang="en-US" sz="2400" dirty="0"/>
-          </a:p>
-          <a:p>
-            <a:pPr marL="0" indent="0">
-              <a:buNone/>
-            </a:pPr>
-            <a:r>
-              <a:rPr lang="en-US" sz="1800" b="1" i="1" dirty="0"/>
-              <a:t>Hint: </a:t>
-            </a:r>
-            <a:r>
-              <a:rPr lang="en-US" sz="1800" i="1" dirty="0"/>
-              <a:t>Use one KNN classifier to fit a grid search model to find the best parameters, then create a new KNN classifier setting the best parameters observed, fit the training data, and predict the probabilities from the test data</a:t>
-            </a:r>
-          </a:p>
-        </p:txBody>
-      </p:sp>
+            <a:pPr algn="ctr"/>
+            <a:r>
+              <a:rPr lang="en-US" sz="4000" b="1" dirty="0">
+                <a:latin typeface="Arial" panose="020B0604020202020204" pitchFamily="34" charset="0"/>
+                <a:cs typeface="Arial" panose="020B0604020202020204" pitchFamily="34" charset="0"/>
+              </a:rPr>
+              <a:t>Precision Recall (PRC) Curve</a:t>
+            </a:r>
+          </a:p>
+        </p:txBody>
+      </p:sp>
+      <p:pic>
+        <p:nvPicPr>
+          <p:cNvPr id="4" name="Picture 4">
+            <a:extLst>
+              <a:ext uri="{FF2B5EF4-FFF2-40B4-BE49-F238E27FC236}">
+                <a16:creationId xmlns:a16="http://schemas.microsoft.com/office/drawing/2014/main" id="{E6461966-0AB1-174E-AD76-DD2CE163A315}"/>
+              </a:ext>
+            </a:extLst>
+          </p:cNvPr>
+          <p:cNvPicPr>
+            <a:picLocks noChangeAspect="1" noChangeArrowheads="1"/>
+          </p:cNvPicPr>
+          <p:nvPr/>
+        </p:nvPicPr>
+        <p:blipFill>
+          <a:blip r:embed="rId2">
+            <a:extLst>
+              <a:ext uri="{28A0092B-C50C-407E-A947-70E740481C1C}">
+                <a14:useLocalDpi xmlns:a14="http://schemas.microsoft.com/office/drawing/2010/main" val="0"/>
+              </a:ext>
+            </a:extLst>
+          </a:blip>
+          <a:srcRect/>
+          <a:stretch>
+            <a:fillRect/>
+          </a:stretch>
+        </p:blipFill>
+        <p:spPr bwMode="auto">
+          <a:xfrm>
+            <a:off x="1718350" y="1983091"/>
+            <a:ext cx="5707297" cy="3853150"/>
+          </a:xfrm>
+          <a:prstGeom prst="rect">
+            <a:avLst/>
+          </a:prstGeom>
+          <a:noFill/>
+          <a:extLst>
+            <a:ext uri="{909E8E84-426E-40DD-AFC4-6F175D3DCCD1}">
+              <a14:hiddenFill xmlns:a14="http://schemas.microsoft.com/office/drawing/2010/main">
+                <a:solidFill>
+                  <a:srgbClr val="FFFFFF"/>
+                </a:solidFill>
+              </a14:hiddenFill>
+            </a:ext>
+          </a:extLst>
+        </p:spPr>
+      </p:pic>
     </p:spTree>
     <p:extLst>
       <p:ext uri="{BB962C8B-B14F-4D97-AF65-F5344CB8AC3E}">
-        <p14:creationId xmlns:p14="http://schemas.microsoft.com/office/powerpoint/2010/main" val="3890106063"/>
+        <p14:creationId xmlns:p14="http://schemas.microsoft.com/office/powerpoint/2010/main" val="971680641"/>
       </p:ext>
     </p:extLst>
   </p:cSld>
@@ -9509,6 +9788,166 @@
 </file>
 
 <file path=ppt/slides/slide20.xml><?xml version="1.0" encoding="utf-8"?>
+<p:sld xmlns:a="http://schemas.openxmlformats.org/drawingml/2006/main" xmlns:r="http://schemas.openxmlformats.org/officeDocument/2006/relationships" xmlns:p="http://schemas.openxmlformats.org/presentationml/2006/main">
+  <p:cSld>
+    <p:spTree>
+      <p:nvGrpSpPr>
+        <p:cNvPr id="1" name=""/>
+        <p:cNvGrpSpPr/>
+        <p:nvPr/>
+      </p:nvGrpSpPr>
+      <p:grpSpPr>
+        <a:xfrm>
+          <a:off x="0" y="0"/>
+          <a:ext cx="0" cy="0"/>
+          <a:chOff x="0" y="0"/>
+          <a:chExt cx="0" cy="0"/>
+        </a:xfrm>
+      </p:grpSpPr>
+      <p:sp>
+        <p:nvSpPr>
+          <p:cNvPr id="2" name="Title 1">
+            <a:extLst>
+              <a:ext uri="{FF2B5EF4-FFF2-40B4-BE49-F238E27FC236}">
+                <a16:creationId xmlns:a16="http://schemas.microsoft.com/office/drawing/2014/main" id="{B3B7FD62-00B7-E840-951A-C180B2A0CB73}"/>
+              </a:ext>
+            </a:extLst>
+          </p:cNvPr>
+          <p:cNvSpPr>
+            <a:spLocks noGrp="1"/>
+          </p:cNvSpPr>
+          <p:nvPr>
+            <p:ph type="title"/>
+          </p:nvPr>
+        </p:nvSpPr>
+        <p:spPr/>
+        <p:txBody>
+          <a:bodyPr/>
+          <a:lstStyle/>
+          <a:p>
+            <a:pPr algn="ctr"/>
+            <a:r>
+              <a:rPr lang="en-US" b="1" dirty="0">
+                <a:latin typeface="Arial" panose="020B0604020202020204" pitchFamily="34" charset="0"/>
+                <a:cs typeface="Arial" panose="020B0604020202020204" pitchFamily="34" charset="0"/>
+              </a:rPr>
+              <a:t>Exercise</a:t>
+            </a:r>
+          </a:p>
+        </p:txBody>
+      </p:sp>
+      <p:sp>
+        <p:nvSpPr>
+          <p:cNvPr id="3" name="Content Placeholder 2">
+            <a:extLst>
+              <a:ext uri="{FF2B5EF4-FFF2-40B4-BE49-F238E27FC236}">
+                <a16:creationId xmlns:a16="http://schemas.microsoft.com/office/drawing/2014/main" id="{61A721F6-AAFB-704E-B9AF-7C4A3300BD60}"/>
+              </a:ext>
+            </a:extLst>
+          </p:cNvPr>
+          <p:cNvSpPr>
+            <a:spLocks noGrp="1"/>
+          </p:cNvSpPr>
+          <p:nvPr>
+            <p:ph idx="1"/>
+          </p:nvPr>
+        </p:nvSpPr>
+        <p:spPr/>
+        <p:txBody>
+          <a:bodyPr>
+            <a:normAutofit/>
+          </a:bodyPr>
+          <a:lstStyle/>
+          <a:p>
+            <a:pPr marL="0" indent="0">
+              <a:buNone/>
+            </a:pPr>
+            <a:r>
+              <a:rPr lang="en-US" sz="2000" dirty="0"/>
+              <a:t>Using the mouse protein dataset (MiceProtein_2f2c.csv):</a:t>
+            </a:r>
+          </a:p>
+          <a:p>
+            <a:pPr marL="514350" indent="-514350">
+              <a:buFont typeface="+mj-lt"/>
+              <a:buAutoNum type="arabicPeriod"/>
+            </a:pPr>
+            <a:r>
+              <a:rPr lang="en-US" sz="2000" dirty="0"/>
+              <a:t>Split the data into training and testing sets, stratifying by class labels </a:t>
+            </a:r>
+          </a:p>
+          <a:p>
+            <a:pPr marL="514350" indent="-514350">
+              <a:buFont typeface="+mj-lt"/>
+              <a:buAutoNum type="arabicPeriod"/>
+            </a:pPr>
+            <a:r>
+              <a:rPr lang="en-US" sz="2000" dirty="0"/>
+              <a:t>Run grid search cross validation on the training set using KNN classifier for </a:t>
+            </a:r>
+            <a:r>
+              <a:rPr lang="en-US" sz="2000" i="1" dirty="0" err="1"/>
+              <a:t>n_neighbors</a:t>
+            </a:r>
+            <a:r>
+              <a:rPr lang="en-US" sz="2000" i="1" dirty="0"/>
+              <a:t> </a:t>
+            </a:r>
+            <a:r>
+              <a:rPr lang="en-US" sz="2000" dirty="0"/>
+              <a:t>and </a:t>
+            </a:r>
+            <a:r>
+              <a:rPr lang="en-US" sz="2000" i="1" dirty="0"/>
+              <a:t>p</a:t>
+            </a:r>
+          </a:p>
+          <a:p>
+            <a:pPr marL="514350" indent="-514350">
+              <a:buFont typeface="+mj-lt"/>
+              <a:buAutoNum type="arabicPeriod"/>
+            </a:pPr>
+            <a:r>
+              <a:rPr lang="en-US" sz="2000" dirty="0"/>
+              <a:t>Plot ROC and PRC curves using a KNN classifier with the best parameters on the test dataset</a:t>
+            </a:r>
+          </a:p>
+          <a:p>
+            <a:pPr marL="0" indent="0">
+              <a:buNone/>
+            </a:pPr>
+            <a:endParaRPr lang="en-US" sz="2400" dirty="0"/>
+          </a:p>
+          <a:p>
+            <a:pPr marL="0" indent="0">
+              <a:buNone/>
+            </a:pPr>
+            <a:r>
+              <a:rPr lang="en-US" sz="1800" b="1" i="1" dirty="0"/>
+              <a:t>Hint: </a:t>
+            </a:r>
+            <a:r>
+              <a:rPr lang="en-US" sz="1800" i="1" dirty="0"/>
+              <a:t>Use one KNN classifier to fit a grid search model to find the best parameters, then create a new KNN classifier setting the best parameters observed, fit the training data, and predict the probabilities from the test data</a:t>
+            </a:r>
+          </a:p>
+        </p:txBody>
+      </p:sp>
+    </p:spTree>
+    <p:extLst>
+      <p:ext uri="{BB962C8B-B14F-4D97-AF65-F5344CB8AC3E}">
+        <p14:creationId xmlns:p14="http://schemas.microsoft.com/office/powerpoint/2010/main" val="3890106063"/>
+      </p:ext>
+    </p:extLst>
+  </p:cSld>
+  <p:clrMapOvr>
+    <a:masterClrMapping/>
+  </p:clrMapOvr>
+</p:sld>
+</file>
+
+<file path=ppt/slides/slide21.xml><?xml version="1.0" encoding="utf-8"?>
 <p:sld xmlns:a="http://schemas.openxmlformats.org/drawingml/2006/main" xmlns:r="http://schemas.openxmlformats.org/officeDocument/2006/relationships" xmlns:p="http://schemas.openxmlformats.org/presentationml/2006/main" show="0">
   <p:cSld>
     <p:spTree>

--- a/doc/Day2_Session2_ModelEvaluation.pptx
+++ b/doc/Day2_Session2_ModelEvaluation.pptx
@@ -263,7 +263,7 @@
           <a:p>
             <a:fld id="{809D2D7E-A1B1-4742-AA41-21EC310460A0}" type="datetimeFigureOut">
               <a:rPr lang="en-US" smtClean="0"/>
-              <a:t>2/12/20</a:t>
+              <a:t>2/14/20</a:t>
             </a:fld>
             <a:endParaRPr lang="en-US"/>
           </a:p>
@@ -433,7 +433,7 @@
           <a:p>
             <a:fld id="{809D2D7E-A1B1-4742-AA41-21EC310460A0}" type="datetimeFigureOut">
               <a:rPr lang="en-US" smtClean="0"/>
-              <a:t>2/12/20</a:t>
+              <a:t>2/14/20</a:t>
             </a:fld>
             <a:endParaRPr lang="en-US"/>
           </a:p>
@@ -613,7 +613,7 @@
           <a:p>
             <a:fld id="{809D2D7E-A1B1-4742-AA41-21EC310460A0}" type="datetimeFigureOut">
               <a:rPr lang="en-US" smtClean="0"/>
-              <a:t>2/12/20</a:t>
+              <a:t>2/14/20</a:t>
             </a:fld>
             <a:endParaRPr lang="en-US"/>
           </a:p>
@@ -783,7 +783,7 @@
           <a:p>
             <a:fld id="{809D2D7E-A1B1-4742-AA41-21EC310460A0}" type="datetimeFigureOut">
               <a:rPr lang="en-US" smtClean="0"/>
-              <a:t>2/12/20</a:t>
+              <a:t>2/14/20</a:t>
             </a:fld>
             <a:endParaRPr lang="en-US"/>
           </a:p>
@@ -1027,7 +1027,7 @@
           <a:p>
             <a:fld id="{809D2D7E-A1B1-4742-AA41-21EC310460A0}" type="datetimeFigureOut">
               <a:rPr lang="en-US" smtClean="0"/>
-              <a:t>2/12/20</a:t>
+              <a:t>2/14/20</a:t>
             </a:fld>
             <a:endParaRPr lang="en-US"/>
           </a:p>
@@ -1259,7 +1259,7 @@
           <a:p>
             <a:fld id="{809D2D7E-A1B1-4742-AA41-21EC310460A0}" type="datetimeFigureOut">
               <a:rPr lang="en-US" smtClean="0"/>
-              <a:t>2/12/20</a:t>
+              <a:t>2/14/20</a:t>
             </a:fld>
             <a:endParaRPr lang="en-US"/>
           </a:p>
@@ -1626,7 +1626,7 @@
           <a:p>
             <a:fld id="{809D2D7E-A1B1-4742-AA41-21EC310460A0}" type="datetimeFigureOut">
               <a:rPr lang="en-US" smtClean="0"/>
-              <a:t>2/12/20</a:t>
+              <a:t>2/14/20</a:t>
             </a:fld>
             <a:endParaRPr lang="en-US"/>
           </a:p>
@@ -1744,7 +1744,7 @@
           <a:p>
             <a:fld id="{809D2D7E-A1B1-4742-AA41-21EC310460A0}" type="datetimeFigureOut">
               <a:rPr lang="en-US" smtClean="0"/>
-              <a:t>2/12/20</a:t>
+              <a:t>2/14/20</a:t>
             </a:fld>
             <a:endParaRPr lang="en-US"/>
           </a:p>
@@ -1839,7 +1839,7 @@
           <a:p>
             <a:fld id="{809D2D7E-A1B1-4742-AA41-21EC310460A0}" type="datetimeFigureOut">
               <a:rPr lang="en-US" smtClean="0"/>
-              <a:t>2/12/20</a:t>
+              <a:t>2/14/20</a:t>
             </a:fld>
             <a:endParaRPr lang="en-US"/>
           </a:p>
@@ -2116,7 +2116,7 @@
           <a:p>
             <a:fld id="{809D2D7E-A1B1-4742-AA41-21EC310460A0}" type="datetimeFigureOut">
               <a:rPr lang="en-US" smtClean="0"/>
-              <a:t>2/12/20</a:t>
+              <a:t>2/14/20</a:t>
             </a:fld>
             <a:endParaRPr lang="en-US"/>
           </a:p>
@@ -2373,7 +2373,7 @@
           <a:p>
             <a:fld id="{809D2D7E-A1B1-4742-AA41-21EC310460A0}" type="datetimeFigureOut">
               <a:rPr lang="en-US" smtClean="0"/>
-              <a:t>2/12/20</a:t>
+              <a:t>2/14/20</a:t>
             </a:fld>
             <a:endParaRPr lang="en-US"/>
           </a:p>
@@ -2586,7 +2586,7 @@
           <a:p>
             <a:fld id="{809D2D7E-A1B1-4742-AA41-21EC310460A0}" type="datetimeFigureOut">
               <a:rPr lang="en-US" smtClean="0"/>
-              <a:t>2/12/20</a:t>
+              <a:t>2/14/20</a:t>
             </a:fld>
             <a:endParaRPr lang="en-US"/>
           </a:p>
@@ -5092,19 +5092,25 @@
               <a:rPr lang="en-US" dirty="0">
                 <a:latin typeface="Courier" pitchFamily="2" charset="0"/>
               </a:rPr>
-              <a:t>parameters = {</a:t>
-            </a:r>
-            <a:r>
-              <a:rPr lang="en-US" dirty="0">
+              <a:t>parameters = </a:t>
+            </a:r>
+            <a:r>
+              <a:rPr lang="en-US">
+                <a:latin typeface="Courier" pitchFamily="2" charset="0"/>
+              </a:rPr>
+              <a:t>{</a:t>
+            </a:r>
+            <a:r>
+              <a:rPr lang="en-US">
                 <a:solidFill>
                   <a:srgbClr val="FF0000"/>
                 </a:solidFill>
                 <a:latin typeface="Courier" pitchFamily="2" charset="0"/>
               </a:rPr>
-              <a:t>'p’</a:t>
-            </a:r>
-            <a:r>
-              <a:rPr lang="en-US" dirty="0">
+              <a:t>'p'</a:t>
+            </a:r>
+            <a:r>
+              <a:rPr lang="en-US">
                 <a:latin typeface="Courier" pitchFamily="2" charset="0"/>
               </a:rPr>
               <a:t>:[</a:t>
@@ -5227,7 +5233,7 @@
                 </a:solidFill>
                 <a:latin typeface="Courier" pitchFamily="2" charset="0"/>
               </a:rPr>
-              <a:t>’</a:t>
+              <a:t>'</a:t>
             </a:r>
             <a:r>
               <a:rPr lang="en-US" dirty="0">
@@ -7744,8 +7750,8 @@
           </a:p>
         </p:txBody>
       </p:sp>
-      <mc:AlternateContent xmlns:mc="http://schemas.openxmlformats.org/markup-compatibility/2006" xmlns:a14="http://schemas.microsoft.com/office/drawing/2010/main">
-        <mc:Choice Requires="a14">
+      <mc:AlternateContent xmlns:mc="http://schemas.openxmlformats.org/markup-compatibility/2006">
+        <mc:Choice xmlns:a14="http://schemas.microsoft.com/office/drawing/2010/main" Requires="a14">
           <p:sp>
             <p:nvSpPr>
               <p:cNvPr id="19" name="TextBox 18">
@@ -7978,7 +7984,13 @@
                           <a:rPr lang="en-US" b="0" i="1" smtClean="0">
                             <a:latin typeface="Cambria Math" panose="02040503050406030204" pitchFamily="18" charset="0"/>
                           </a:rPr>
-                          <m:t>𝑇𝑃</m:t>
+                          <m:t>𝑇</m:t>
+                        </m:r>
+                        <m:r>
+                          <a:rPr lang="en-US" b="0" i="1" smtClean="0">
+                            <a:latin typeface="Cambria Math" panose="02040503050406030204" pitchFamily="18" charset="0"/>
+                          </a:rPr>
+                          <m:t>𝑁</m:t>
                         </m:r>
                       </m:den>
                     </m:f>
@@ -8463,7 +8475,7 @@
             </p:txBody>
           </p:sp>
         </mc:Choice>
-        <mc:Fallback xmlns="">
+        <mc:Fallback>
           <p:sp>
             <p:nvSpPr>
               <p:cNvPr id="19" name="TextBox 18">
